--- a/docs/week-2/ce204-week-2.md_word.pptx
+++ b/docs/week-2/ce204-week-2.md_word.pptx
@@ -11,6 +11,85 @@
     <p:sldId id="259" r:id="rId5"/>
     <p:sldId id="260" r:id="rId6"/>
     <p:sldId id="261" r:id="rId7"/>
+    <p:sldId id="262" r:id="rId8"/>
+    <p:sldId id="263" r:id="rId9"/>
+    <p:sldId id="264" r:id="rId10"/>
+    <p:sldId id="265" r:id="rId11"/>
+    <p:sldId id="266" r:id="rId12"/>
+    <p:sldId id="267" r:id="rId13"/>
+    <p:sldId id="268" r:id="rId14"/>
+    <p:sldId id="269" r:id="rId15"/>
+    <p:sldId id="270" r:id="rId16"/>
+    <p:sldId id="271" r:id="rId17"/>
+    <p:sldId id="272" r:id="rId18"/>
+    <p:sldId id="273" r:id="rId19"/>
+    <p:sldId id="274" r:id="rId20"/>
+    <p:sldId id="275" r:id="rId21"/>
+    <p:sldId id="276" r:id="rId22"/>
+    <p:sldId id="277" r:id="rId23"/>
+    <p:sldId id="278" r:id="rId24"/>
+    <p:sldId id="279" r:id="rId25"/>
+    <p:sldId id="280" r:id="rId26"/>
+    <p:sldId id="281" r:id="rId27"/>
+    <p:sldId id="282" r:id="rId28"/>
+    <p:sldId id="283" r:id="rId29"/>
+    <p:sldId id="284" r:id="rId30"/>
+    <p:sldId id="285" r:id="rId31"/>
+    <p:sldId id="286" r:id="rId32"/>
+    <p:sldId id="287" r:id="rId33"/>
+    <p:sldId id="288" r:id="rId34"/>
+    <p:sldId id="289" r:id="rId35"/>
+    <p:sldId id="290" r:id="rId36"/>
+    <p:sldId id="291" r:id="rId37"/>
+    <p:sldId id="292" r:id="rId38"/>
+    <p:sldId id="293" r:id="rId39"/>
+    <p:sldId id="294" r:id="rId40"/>
+    <p:sldId id="295" r:id="rId41"/>
+    <p:sldId id="296" r:id="rId42"/>
+    <p:sldId id="297" r:id="rId43"/>
+    <p:sldId id="298" r:id="rId44"/>
+    <p:sldId id="299" r:id="rId45"/>
+    <p:sldId id="300" r:id="rId46"/>
+    <p:sldId id="301" r:id="rId47"/>
+    <p:sldId id="302" r:id="rId48"/>
+    <p:sldId id="303" r:id="rId49"/>
+    <p:sldId id="304" r:id="rId50"/>
+    <p:sldId id="305" r:id="rId51"/>
+    <p:sldId id="306" r:id="rId52"/>
+    <p:sldId id="307" r:id="rId53"/>
+    <p:sldId id="308" r:id="rId54"/>
+    <p:sldId id="309" r:id="rId55"/>
+    <p:sldId id="310" r:id="rId56"/>
+    <p:sldId id="311" r:id="rId57"/>
+    <p:sldId id="312" r:id="rId58"/>
+    <p:sldId id="313" r:id="rId59"/>
+    <p:sldId id="314" r:id="rId60"/>
+    <p:sldId id="315" r:id="rId61"/>
+    <p:sldId id="316" r:id="rId62"/>
+    <p:sldId id="317" r:id="rId63"/>
+    <p:sldId id="318" r:id="rId64"/>
+    <p:sldId id="319" r:id="rId65"/>
+    <p:sldId id="320" r:id="rId66"/>
+    <p:sldId id="321" r:id="rId67"/>
+    <p:sldId id="322" r:id="rId68"/>
+    <p:sldId id="323" r:id="rId69"/>
+    <p:sldId id="324" r:id="rId70"/>
+    <p:sldId id="325" r:id="rId71"/>
+    <p:sldId id="326" r:id="rId72"/>
+    <p:sldId id="327" r:id="rId73"/>
+    <p:sldId id="328" r:id="rId74"/>
+    <p:sldId id="329" r:id="rId75"/>
+    <p:sldId id="330" r:id="rId76"/>
+    <p:sldId id="331" r:id="rId77"/>
+    <p:sldId id="332" r:id="rId78"/>
+    <p:sldId id="333" r:id="rId79"/>
+    <p:sldId id="334" r:id="rId80"/>
+    <p:sldId id="335" r:id="rId81"/>
+    <p:sldId id="336" r:id="rId82"/>
+    <p:sldId id="337" r:id="rId83"/>
+    <p:sldId id="338" r:id="rId84"/>
+    <p:sldId id="339" r:id="rId85"/>
+    <p:sldId id="340" r:id="rId86"/>
   </p:sldIdLst>
   <p:sldSz cx="9144000" cy="6858000" type="screen4x3"/>
   <p:notesSz cx="6858000" cy="9144000"/>
@@ -3171,7 +3250,7 @@
             </a:pPr>
             <a:r>
               <a:rPr/>
-              <a:t>TBD</a:t>
+              <a:t>OOP with Java-II</a:t>
             </a:r>
             <a:br/>
             <a:br/>
@@ -3203,6 +3282,1645 @@
             <a:r>
               <a:rPr/>
               <a:t/>
+            </a:r>
+          </a:p>
+        </p:txBody>
+      </p:sp>
+    </p:spTree>
+  </p:cSld>
+</p:sld>
+</file>
+
+<file path=ppt/slides/slide10.xml><?xml version="1.0" encoding="utf-8"?>
+<p:sld xmlns:a="http://schemas.openxmlformats.org/drawingml/2006/main" xmlns:r="http://schemas.openxmlformats.org/officeDocument/2006/relationships" xmlns:p="http://schemas.openxmlformats.org/presentationml/2006/main">
+  <p:cSld>
+    <p:spTree>
+      <p:nvGrpSpPr>
+        <p:cNvPr id="1" name=""/>
+        <p:cNvGrpSpPr/>
+        <p:nvPr/>
+      </p:nvGrpSpPr>
+      <p:grpSpPr>
+        <a:xfrm>
+          <a:off x="0" y="0"/>
+          <a:ext cx="0" cy="0"/>
+          <a:chOff x="0" y="0"/>
+          <a:chExt cx="0" cy="0"/>
+        </a:xfrm>
+      </p:grpSpPr>
+      <p:sp>
+        <p:nvSpPr>
+          <p:cNvPr id="2" name="Title 1"/>
+          <p:cNvSpPr>
+            <a:spLocks noGrp="1"/>
+          </p:cNvSpPr>
+          <p:nvPr>
+            <p:ph type="title"/>
+          </p:nvPr>
+        </p:nvSpPr>
+        <p:spPr/>
+        <p:txBody>
+          <a:bodyPr/>
+          <a:lstStyle/>
+          <a:p>
+            <a:pPr lvl="0" indent="0" marL="0">
+              <a:buNone/>
+            </a:pPr>
+            <a:r>
+              <a:rPr/>
+              <a:t>Java super keyword</a:t>
+            </a:r>
+          </a:p>
+        </p:txBody>
+      </p:sp>
+      <p:sp>
+        <p:nvSpPr>
+          <p:cNvPr id="3" name="Content Placeholder 2"/>
+          <p:cNvSpPr>
+            <a:spLocks noGrp="1"/>
+          </p:cNvSpPr>
+          <p:nvPr>
+            <p:ph idx="1"/>
+          </p:nvPr>
+        </p:nvSpPr>
+        <p:spPr/>
+        <p:txBody>
+          <a:bodyPr/>
+          <a:lstStyle/>
+          <a:p>
+            <a:pPr lvl="0"/>
+            <a:r>
+              <a:rPr/>
+              <a:t>In java, the super keyword is used for the following purposes.</a:t>
+            </a:r>
+          </a:p>
+          <a:p>
+            <a:pPr lvl="1"/>
+            <a:r>
+              <a:rPr/>
+              <a:t>To refer parent class </a:t>
+            </a:r>
+            <a:r>
+              <a:rPr b="1"/>
+              <a:t>data members</a:t>
+            </a:r>
+          </a:p>
+          <a:p>
+            <a:pPr lvl="1"/>
+            <a:r>
+              <a:rPr/>
+              <a:t>To refer parent class </a:t>
+            </a:r>
+            <a:r>
+              <a:rPr b="1"/>
+              <a:t>methods</a:t>
+            </a:r>
+          </a:p>
+          <a:p>
+            <a:pPr lvl="1"/>
+            <a:r>
+              <a:rPr/>
+              <a:t>To call parent class </a:t>
+            </a:r>
+            <a:r>
+              <a:rPr b="1"/>
+              <a:t>constructor</a:t>
+            </a:r>
+          </a:p>
+        </p:txBody>
+      </p:sp>
+    </p:spTree>
+  </p:cSld>
+</p:sld>
+</file>
+
+<file path=ppt/slides/slide11.xml><?xml version="1.0" encoding="utf-8"?>
+<p:sld xmlns:a="http://schemas.openxmlformats.org/drawingml/2006/main" xmlns:r="http://schemas.openxmlformats.org/officeDocument/2006/relationships" xmlns:p="http://schemas.openxmlformats.org/presentationml/2006/main">
+  <p:cSld>
+    <p:spTree>
+      <p:nvGrpSpPr>
+        <p:cNvPr id="1" name=""/>
+        <p:cNvGrpSpPr/>
+        <p:nvPr/>
+      </p:nvGrpSpPr>
+      <p:grpSpPr>
+        <a:xfrm>
+          <a:off x="0" y="0"/>
+          <a:ext cx="0" cy="0"/>
+          <a:chOff x="0" y="0"/>
+          <a:chExt cx="0" cy="0"/>
+        </a:xfrm>
+      </p:grpSpPr>
+      <p:sp>
+        <p:nvSpPr>
+          <p:cNvPr id="2" name="Title 1"/>
+          <p:cNvSpPr>
+            <a:spLocks noGrp="1"/>
+          </p:cNvSpPr>
+          <p:nvPr>
+            <p:ph type="title"/>
+          </p:nvPr>
+        </p:nvSpPr>
+        <p:spPr/>
+        <p:txBody>
+          <a:bodyPr/>
+          <a:lstStyle/>
+          <a:p>
+            <a:pPr lvl="0" indent="0" marL="0">
+              <a:buNone/>
+            </a:pPr>
+            <a:r>
+              <a:rPr/>
+              <a:t>Java super keyword</a:t>
+            </a:r>
+          </a:p>
+        </p:txBody>
+      </p:sp>
+      <p:sp>
+        <p:nvSpPr>
+          <p:cNvPr id="3" name="Content Placeholder 2"/>
+          <p:cNvSpPr>
+            <a:spLocks noGrp="1"/>
+          </p:cNvSpPr>
+          <p:nvPr>
+            <p:ph idx="1"/>
+          </p:nvPr>
+        </p:nvSpPr>
+        <p:spPr/>
+        <p:txBody>
+          <a:bodyPr/>
+          <a:lstStyle/>
+          <a:p>
+            <a:pPr lvl="0"/>
+            <a:r>
+              <a:rPr/>
+              <a:t>To call methods of the superclass that is overridden in the subclass.</a:t>
+            </a:r>
+          </a:p>
+          <a:p>
+            <a:pPr lvl="0"/>
+            <a:r>
+              <a:rPr/>
+              <a:t>To access attributes (fields) of the superclass if both superclass and subclass have attributes with the same name.</a:t>
+            </a:r>
+          </a:p>
+          <a:p>
+            <a:pPr lvl="0"/>
+            <a:r>
+              <a:rPr/>
+              <a:t>To explicitly call superclass no-arg (default) or parameterized constructor from the subclass constructor.</a:t>
+            </a:r>
+          </a:p>
+        </p:txBody>
+      </p:sp>
+    </p:spTree>
+  </p:cSld>
+</p:sld>
+</file>
+
+<file path=ppt/slides/slide12.xml><?xml version="1.0" encoding="utf-8"?>
+<p:sld xmlns:a="http://schemas.openxmlformats.org/drawingml/2006/main" xmlns:r="http://schemas.openxmlformats.org/officeDocument/2006/relationships" xmlns:p="http://schemas.openxmlformats.org/presentationml/2006/main">
+  <p:cSld>
+    <p:spTree>
+      <p:nvGrpSpPr>
+        <p:cNvPr id="1" name=""/>
+        <p:cNvGrpSpPr/>
+        <p:nvPr/>
+      </p:nvGrpSpPr>
+      <p:grpSpPr>
+        <a:xfrm>
+          <a:off x="0" y="0"/>
+          <a:ext cx="0" cy="0"/>
+          <a:chOff x="0" y="0"/>
+          <a:chExt cx="0" cy="0"/>
+        </a:xfrm>
+      </p:grpSpPr>
+      <p:sp>
+        <p:nvSpPr>
+          <p:cNvPr id="2" name="Title 1"/>
+          <p:cNvSpPr>
+            <a:spLocks noGrp="1"/>
+          </p:cNvSpPr>
+          <p:nvPr>
+            <p:ph type="title"/>
+          </p:nvPr>
+        </p:nvSpPr>
+        <p:spPr/>
+        <p:txBody>
+          <a:bodyPr/>
+          <a:lstStyle/>
+          <a:p>
+            <a:pPr lvl="0" indent="0" marL="0">
+              <a:buNone/>
+            </a:pPr>
+            <a:r>
+              <a:rPr/>
+              <a:t>Java super keyword</a:t>
+            </a:r>
+          </a:p>
+        </p:txBody>
+      </p:sp>
+      <p:sp>
+        <p:nvSpPr>
+          <p:cNvPr id="3" name="Content Placeholder 2"/>
+          <p:cNvSpPr>
+            <a:spLocks noGrp="1"/>
+          </p:cNvSpPr>
+          <p:nvPr>
+            <p:ph idx="1"/>
+          </p:nvPr>
+        </p:nvSpPr>
+        <p:spPr/>
+        <p:txBody>
+          <a:bodyPr/>
+          <a:lstStyle/>
+          <a:p>
+            <a:pPr lvl="0"/>
+            <a:r>
+              <a:rPr/>
+              <a:t>The super keyword is used inside the child class only.</a:t>
+            </a:r>
+          </a:p>
+        </p:txBody>
+      </p:sp>
+    </p:spTree>
+  </p:cSld>
+</p:sld>
+</file>
+
+<file path=ppt/slides/slide13.xml><?xml version="1.0" encoding="utf-8"?>
+<p:sld xmlns:a="http://schemas.openxmlformats.org/drawingml/2006/main" xmlns:r="http://schemas.openxmlformats.org/officeDocument/2006/relationships" xmlns:p="http://schemas.openxmlformats.org/presentationml/2006/main">
+  <p:cSld>
+    <p:spTree>
+      <p:nvGrpSpPr>
+        <p:cNvPr id="1" name=""/>
+        <p:cNvGrpSpPr/>
+        <p:nvPr/>
+      </p:nvGrpSpPr>
+      <p:grpSpPr>
+        <a:xfrm>
+          <a:off x="0" y="0"/>
+          <a:ext cx="0" cy="0"/>
+          <a:chOff x="0" y="0"/>
+          <a:chExt cx="0" cy="0"/>
+        </a:xfrm>
+      </p:grpSpPr>
+      <p:sp>
+        <p:nvSpPr>
+          <p:cNvPr id="2" name="Title 1"/>
+          <p:cNvSpPr>
+            <a:spLocks noGrp="1"/>
+          </p:cNvSpPr>
+          <p:nvPr>
+            <p:ph type="title"/>
+          </p:nvPr>
+        </p:nvSpPr>
+        <p:spPr/>
+        <p:txBody>
+          <a:bodyPr/>
+          <a:lstStyle/>
+          <a:p>
+            <a:pPr lvl="0" indent="0" marL="0">
+              <a:buNone/>
+            </a:pPr>
+            <a:r>
+              <a:rPr/>
+              <a:t>super to refer parent class </a:t>
+            </a:r>
+            <a:r>
+              <a:rPr b="1"/>
+              <a:t>data members</a:t>
+            </a:r>
+          </a:p>
+        </p:txBody>
+      </p:sp>
+      <p:sp>
+        <p:nvSpPr>
+          <p:cNvPr id="3" name="Content Placeholder 2"/>
+          <p:cNvSpPr>
+            <a:spLocks noGrp="1"/>
+          </p:cNvSpPr>
+          <p:nvPr>
+            <p:ph idx="1"/>
+          </p:nvPr>
+        </p:nvSpPr>
+        <p:spPr/>
+        <p:txBody>
+          <a:bodyPr/>
+          <a:lstStyle/>
+          <a:p>
+            <a:pPr lvl="0"/>
+            <a:r>
+              <a:rPr/>
+              <a:t>When both parent class and child class have data members with the same name,</a:t>
+            </a:r>
+          </a:p>
+          <a:p>
+            <a:pPr lvl="1"/>
+            <a:r>
+              <a:rPr/>
+              <a:t>then the super keyword is used to refer to the parent class data member from child class.</a:t>
+            </a:r>
+          </a:p>
+        </p:txBody>
+      </p:sp>
+    </p:spTree>
+  </p:cSld>
+</p:sld>
+</file>
+
+<file path=ppt/slides/slide14.xml><?xml version="1.0" encoding="utf-8"?>
+<p:sld xmlns:a="http://schemas.openxmlformats.org/drawingml/2006/main" xmlns:r="http://schemas.openxmlformats.org/officeDocument/2006/relationships" xmlns:p="http://schemas.openxmlformats.org/presentationml/2006/main">
+  <p:cSld>
+    <p:spTree>
+      <p:nvGrpSpPr>
+        <p:cNvPr id="1" name=""/>
+        <p:cNvGrpSpPr/>
+        <p:nvPr/>
+      </p:nvGrpSpPr>
+      <p:grpSpPr>
+        <a:xfrm>
+          <a:off x="0" y="0"/>
+          <a:ext cx="0" cy="0"/>
+          <a:chOff x="0" y="0"/>
+          <a:chExt cx="0" cy="0"/>
+        </a:xfrm>
+      </p:grpSpPr>
+      <p:sp>
+        <p:nvSpPr>
+          <p:cNvPr id="2" name="Title 1"/>
+          <p:cNvSpPr>
+            <a:spLocks noGrp="1"/>
+          </p:cNvSpPr>
+          <p:nvPr>
+            <p:ph type="title"/>
+          </p:nvPr>
+        </p:nvSpPr>
+        <p:spPr/>
+        <p:txBody>
+          <a:bodyPr/>
+          <a:lstStyle/>
+          <a:p>
+            <a:pPr lvl="0" indent="0" marL="0">
+              <a:buNone/>
+            </a:pPr>
+            <a:r>
+              <a:rPr/>
+              <a:t>super to refer parent class </a:t>
+            </a:r>
+            <a:r>
+              <a:rPr b="1"/>
+              <a:t>data members</a:t>
+            </a:r>
+          </a:p>
+        </p:txBody>
+      </p:sp>
+      <p:sp>
+        <p:nvSpPr>
+          <p:cNvPr id="3" name="Content Placeholder 2"/>
+          <p:cNvSpPr>
+            <a:spLocks noGrp="1"/>
+          </p:cNvSpPr>
+          <p:nvPr>
+            <p:ph idx="1"/>
+          </p:nvPr>
+        </p:nvSpPr>
+        <p:spPr/>
+        <p:txBody>
+          <a:bodyPr/>
+          <a:lstStyle/>
+          <a:p>
+            <a:pPr lvl="0" indent="0" marL="0">
+              <a:buNone/>
+            </a:pPr>
+            <a:r>
+              <a:rPr/>
+              <a:t>``` Java linenums=“1” class ParentClass{</a:t>
+            </a:r>
+          </a:p>
+          <a:p>
+            <a:pPr lvl="0" indent="0">
+              <a:buNone/>
+            </a:pPr>
+            <a:r>
+              <a:rPr>
+                <a:latin typeface="Courier"/>
+              </a:rPr>
+              <a:t>int num = 10;</a:t>
+            </a:r>
+          </a:p>
+          <a:p>
+            <a:pPr lvl="0" indent="0" marL="0">
+              <a:buNone/>
+            </a:pPr>
+            <a:r>
+              <a:rPr/>
+              <a:t>}</a:t>
+            </a:r>
+          </a:p>
+          <a:p>
+            <a:pPr lvl="0" indent="0">
+              <a:buNone/>
+            </a:pPr>
+            <a:r>
+              <a:rPr>
+                <a:latin typeface="Courier"/>
+              </a:rPr>
+              <a:t>
+``` Java linenums="1"
+class ChildClass extends ParentClass{
+    int num = 20;
+    void showData() {
+        System.out.println("Inside the ChildClass");
+        System.out.println("ChildClass num = " + num);
+        System.out.println("ParentClass num = " + super.num);       
+    }
+}</a:t>
+            </a:r>
+          </a:p>
+        </p:txBody>
+      </p:sp>
+    </p:spTree>
+  </p:cSld>
+</p:sld>
+</file>
+
+<file path=ppt/slides/slide15.xml><?xml version="1.0" encoding="utf-8"?>
+<p:sld xmlns:a="http://schemas.openxmlformats.org/drawingml/2006/main" xmlns:r="http://schemas.openxmlformats.org/officeDocument/2006/relationships" xmlns:p="http://schemas.openxmlformats.org/presentationml/2006/main">
+  <p:cSld>
+    <p:spTree>
+      <p:nvGrpSpPr>
+        <p:cNvPr id="1" name=""/>
+        <p:cNvGrpSpPr/>
+        <p:nvPr/>
+      </p:nvGrpSpPr>
+      <p:grpSpPr>
+        <a:xfrm>
+          <a:off x="0" y="0"/>
+          <a:ext cx="0" cy="0"/>
+          <a:chOff x="0" y="0"/>
+          <a:chExt cx="0" cy="0"/>
+        </a:xfrm>
+      </p:grpSpPr>
+      <p:sp>
+        <p:nvSpPr>
+          <p:cNvPr id="2" name="Title 1"/>
+          <p:cNvSpPr>
+            <a:spLocks noGrp="1"/>
+          </p:cNvSpPr>
+          <p:nvPr>
+            <p:ph type="title"/>
+          </p:nvPr>
+        </p:nvSpPr>
+        <p:spPr/>
+        <p:txBody>
+          <a:bodyPr/>
+          <a:lstStyle/>
+          <a:p>
+            <a:pPr lvl="0" indent="0" marL="0">
+              <a:buNone/>
+            </a:pPr>
+            <a:r>
+              <a:rPr/>
+              <a:t>super to refer parent class </a:t>
+            </a:r>
+            <a:r>
+              <a:rPr b="1"/>
+              <a:t>data members</a:t>
+            </a:r>
+          </a:p>
+        </p:txBody>
+      </p:sp>
+      <p:sp>
+        <p:nvSpPr>
+          <p:cNvPr id="3" name="Content Placeholder 2"/>
+          <p:cNvSpPr>
+            <a:spLocks noGrp="1"/>
+          </p:cNvSpPr>
+          <p:nvPr>
+            <p:ph idx="1"/>
+          </p:nvPr>
+        </p:nvSpPr>
+        <p:spPr/>
+        <p:txBody>
+          <a:bodyPr/>
+          <a:lstStyle/>
+          <a:p>
+            <a:pPr lvl="0" indent="0" marL="0">
+              <a:buNone/>
+            </a:pPr>
+            <a:r>
+              <a:rPr/>
+              <a:t>``` Java linenums=“1” public class SuperKeywordExample {</a:t>
+            </a:r>
+          </a:p>
+          <a:p>
+            <a:pPr lvl="0" indent="0">
+              <a:buNone/>
+            </a:pPr>
+            <a:r>
+              <a:rPr>
+                <a:latin typeface="Courier"/>
+              </a:rPr>
+              <a:t>public static void main(String[] args) {
+    ChildClass obj = new ChildClass();
+    obj.showData();
+    System.out.println("\nInside the non-child class");
+    System.out.println("ChildClass num = " + obj.num);
+    //System.out.println("ParentClass num = " + super.num); //super can't be used here
+}</a:t>
+            </a:r>
+          </a:p>
+          <a:p>
+            <a:pPr lvl="0" indent="0" marL="0">
+              <a:buNone/>
+            </a:pPr>
+            <a:r>
+              <a:rPr/>
+              <a:t>}</a:t>
+            </a:r>
+          </a:p>
+          <a:p>
+            <a:pPr lvl="0" indent="0">
+              <a:buNone/>
+            </a:pPr>
+            <a:r>
+              <a:rPr>
+                <a:latin typeface="Courier"/>
+              </a:rPr>
+              <a:t>
+---
+## super to refer parent class **method**
+- When both parent class and child class have method with the same name, 
+  - then the super keyword is used to refer to the parent class method from child class.
+---
+## super to refer parent class **method**
+```Java
+class ParentClass{
+    int num1 = 10;
+    void showData() {
+        System.out.println("\nInside the ParentClass showData method");
+        System.out.println("ChildClass num = " + num1);     
+    }   
+}</a:t>
+            </a:r>
+          </a:p>
+        </p:txBody>
+      </p:sp>
+    </p:spTree>
+  </p:cSld>
+</p:sld>
+</file>
+
+<file path=ppt/slides/slide16.xml><?xml version="1.0" encoding="utf-8"?>
+<p:sld xmlns:a="http://schemas.openxmlformats.org/drawingml/2006/main" xmlns:r="http://schemas.openxmlformats.org/officeDocument/2006/relationships" xmlns:p="http://schemas.openxmlformats.org/presentationml/2006/main">
+  <p:cSld>
+    <p:spTree>
+      <p:nvGrpSpPr>
+        <p:cNvPr id="1" name=""/>
+        <p:cNvGrpSpPr/>
+        <p:nvPr/>
+      </p:nvGrpSpPr>
+      <p:grpSpPr>
+        <a:xfrm>
+          <a:off x="0" y="0"/>
+          <a:ext cx="0" cy="0"/>
+          <a:chOff x="0" y="0"/>
+          <a:chExt cx="0" cy="0"/>
+        </a:xfrm>
+      </p:grpSpPr>
+      <p:sp>
+        <p:nvSpPr>
+          <p:cNvPr id="2" name="Title 1"/>
+          <p:cNvSpPr>
+            <a:spLocks noGrp="1"/>
+          </p:cNvSpPr>
+          <p:nvPr>
+            <p:ph type="title"/>
+          </p:nvPr>
+        </p:nvSpPr>
+        <p:spPr/>
+        <p:txBody>
+          <a:bodyPr/>
+          <a:lstStyle/>
+          <a:p>
+            <a:pPr lvl="0" indent="0" marL="0">
+              <a:buNone/>
+            </a:pPr>
+            <a:r>
+              <a:rPr/>
+              <a:t>super to refer parent class </a:t>
+            </a:r>
+            <a:r>
+              <a:rPr b="1"/>
+              <a:t>method</a:t>
+            </a:r>
+          </a:p>
+        </p:txBody>
+      </p:sp>
+      <p:sp>
+        <p:nvSpPr>
+          <p:cNvPr id="3" name="Content Placeholder 2"/>
+          <p:cNvSpPr>
+            <a:spLocks noGrp="1"/>
+          </p:cNvSpPr>
+          <p:nvPr>
+            <p:ph idx="1"/>
+          </p:nvPr>
+        </p:nvSpPr>
+        <p:spPr/>
+        <p:txBody>
+          <a:bodyPr/>
+          <a:lstStyle/>
+          <a:p>
+            <a:pPr lvl="0" indent="0">
+              <a:buNone/>
+            </a:pPr>
+            <a:r>
+              <a:rPr b="1">
+                <a:solidFill>
+                  <a:srgbClr val="007020"/>
+                </a:solidFill>
+                <a:latin typeface="Courier"/>
+              </a:rPr>
+              <a:t>class</a:t>
+            </a:r>
+            <a:r>
+              <a:rPr>
+                <a:latin typeface="Courier"/>
+              </a:rPr>
+              <a:t> ChildClass </a:t>
+            </a:r>
+            <a:r>
+              <a:rPr b="1">
+                <a:solidFill>
+                  <a:srgbClr val="007020"/>
+                </a:solidFill>
+                <a:latin typeface="Courier"/>
+              </a:rPr>
+              <a:t>extends</a:t>
+            </a:r>
+            <a:r>
+              <a:rPr>
+                <a:latin typeface="Courier"/>
+              </a:rPr>
+              <a:t> ParentClass</a:t>
+            </a:r>
+            <a:r>
+              <a:rPr>
+                <a:solidFill>
+                  <a:srgbClr val="666666"/>
+                </a:solidFill>
+                <a:latin typeface="Courier"/>
+              </a:rPr>
+              <a:t>{</a:t>
+            </a:r>
+            <a:br/>
+            <a:r>
+              <a:rPr>
+                <a:latin typeface="Courier"/>
+              </a:rPr>
+              <a:t>    </a:t>
+            </a:r>
+            <a:br/>
+            <a:r>
+              <a:rPr>
+                <a:latin typeface="Courier"/>
+              </a:rPr>
+              <a:t>    </a:t>
+            </a:r>
+            <a:r>
+              <a:rPr>
+                <a:solidFill>
+                  <a:srgbClr val="902000"/>
+                </a:solidFill>
+                <a:latin typeface="Courier"/>
+              </a:rPr>
+              <a:t>int</a:t>
+            </a:r>
+            <a:r>
+              <a:rPr>
+                <a:latin typeface="Courier"/>
+              </a:rPr>
+              <a:t> num2 </a:t>
+            </a:r>
+            <a:r>
+              <a:rPr>
+                <a:solidFill>
+                  <a:srgbClr val="666666"/>
+                </a:solidFill>
+                <a:latin typeface="Courier"/>
+              </a:rPr>
+              <a:t>=</a:t>
+            </a:r>
+            <a:r>
+              <a:rPr>
+                <a:latin typeface="Courier"/>
+              </a:rPr>
+              <a:t> </a:t>
+            </a:r>
+            <a:r>
+              <a:rPr>
+                <a:solidFill>
+                  <a:srgbClr val="40A070"/>
+                </a:solidFill>
+                <a:latin typeface="Courier"/>
+              </a:rPr>
+              <a:t>20</a:t>
+            </a:r>
+            <a:r>
+              <a:rPr>
+                <a:solidFill>
+                  <a:srgbClr val="666666"/>
+                </a:solidFill>
+                <a:latin typeface="Courier"/>
+              </a:rPr>
+              <a:t>;</a:t>
+            </a:r>
+            <a:br/>
+            <a:r>
+              <a:rPr>
+                <a:latin typeface="Courier"/>
+              </a:rPr>
+              <a:t>    </a:t>
+            </a:r>
+            <a:br/>
+            <a:r>
+              <a:rPr>
+                <a:latin typeface="Courier"/>
+              </a:rPr>
+              <a:t>    </a:t>
+            </a:r>
+            <a:r>
+              <a:rPr>
+                <a:solidFill>
+                  <a:srgbClr val="902000"/>
+                </a:solidFill>
+                <a:latin typeface="Courier"/>
+              </a:rPr>
+              <a:t>void</a:t>
+            </a:r>
+            <a:r>
+              <a:rPr>
+                <a:latin typeface="Courier"/>
+              </a:rPr>
+              <a:t> </a:t>
+            </a:r>
+            <a:r>
+              <a:rPr>
+                <a:solidFill>
+                  <a:srgbClr val="06287E"/>
+                </a:solidFill>
+                <a:latin typeface="Courier"/>
+              </a:rPr>
+              <a:t>showData</a:t>
+            </a:r>
+            <a:r>
+              <a:rPr>
+                <a:solidFill>
+                  <a:srgbClr val="666666"/>
+                </a:solidFill>
+                <a:latin typeface="Courier"/>
+              </a:rPr>
+              <a:t>()</a:t>
+            </a:r>
+            <a:r>
+              <a:rPr>
+                <a:latin typeface="Courier"/>
+              </a:rPr>
+              <a:t> </a:t>
+            </a:r>
+            <a:r>
+              <a:rPr>
+                <a:solidFill>
+                  <a:srgbClr val="666666"/>
+                </a:solidFill>
+                <a:latin typeface="Courier"/>
+              </a:rPr>
+              <a:t>{</a:t>
+            </a:r>
+            <a:br/>
+            <a:r>
+              <a:rPr>
+                <a:latin typeface="Courier"/>
+              </a:rPr>
+              <a:t>        System</a:t>
+            </a:r>
+            <a:r>
+              <a:rPr>
+                <a:solidFill>
+                  <a:srgbClr val="666666"/>
+                </a:solidFill>
+                <a:latin typeface="Courier"/>
+              </a:rPr>
+              <a:t>.</a:t>
+            </a:r>
+            <a:r>
+              <a:rPr>
+                <a:solidFill>
+                  <a:srgbClr val="06287E"/>
+                </a:solidFill>
+                <a:latin typeface="Courier"/>
+              </a:rPr>
+              <a:t>out</a:t>
+            </a:r>
+            <a:r>
+              <a:rPr>
+                <a:solidFill>
+                  <a:srgbClr val="666666"/>
+                </a:solidFill>
+                <a:latin typeface="Courier"/>
+              </a:rPr>
+              <a:t>.</a:t>
+            </a:r>
+            <a:r>
+              <a:rPr>
+                <a:solidFill>
+                  <a:srgbClr val="06287E"/>
+                </a:solidFill>
+                <a:latin typeface="Courier"/>
+              </a:rPr>
+              <a:t>println</a:t>
+            </a:r>
+            <a:r>
+              <a:rPr>
+                <a:solidFill>
+                  <a:srgbClr val="666666"/>
+                </a:solidFill>
+                <a:latin typeface="Courier"/>
+              </a:rPr>
+              <a:t>(</a:t>
+            </a:r>
+            <a:r>
+              <a:rPr>
+                <a:solidFill>
+                  <a:srgbClr val="4070A0"/>
+                </a:solidFill>
+                <a:latin typeface="Courier"/>
+              </a:rPr>
+              <a:t>"\nInside the ChildClass showData method"</a:t>
+            </a:r>
+            <a:r>
+              <a:rPr>
+                <a:solidFill>
+                  <a:srgbClr val="666666"/>
+                </a:solidFill>
+                <a:latin typeface="Courier"/>
+              </a:rPr>
+              <a:t>);</a:t>
+            </a:r>
+            <a:br/>
+            <a:r>
+              <a:rPr>
+                <a:latin typeface="Courier"/>
+              </a:rPr>
+              <a:t>        System</a:t>
+            </a:r>
+            <a:r>
+              <a:rPr>
+                <a:solidFill>
+                  <a:srgbClr val="666666"/>
+                </a:solidFill>
+                <a:latin typeface="Courier"/>
+              </a:rPr>
+              <a:t>.</a:t>
+            </a:r>
+            <a:r>
+              <a:rPr>
+                <a:solidFill>
+                  <a:srgbClr val="06287E"/>
+                </a:solidFill>
+                <a:latin typeface="Courier"/>
+              </a:rPr>
+              <a:t>out</a:t>
+            </a:r>
+            <a:r>
+              <a:rPr>
+                <a:solidFill>
+                  <a:srgbClr val="666666"/>
+                </a:solidFill>
+                <a:latin typeface="Courier"/>
+              </a:rPr>
+              <a:t>.</a:t>
+            </a:r>
+            <a:r>
+              <a:rPr>
+                <a:solidFill>
+                  <a:srgbClr val="06287E"/>
+                </a:solidFill>
+                <a:latin typeface="Courier"/>
+              </a:rPr>
+              <a:t>println</a:t>
+            </a:r>
+            <a:r>
+              <a:rPr>
+                <a:solidFill>
+                  <a:srgbClr val="666666"/>
+                </a:solidFill>
+                <a:latin typeface="Courier"/>
+              </a:rPr>
+              <a:t>(</a:t>
+            </a:r>
+            <a:r>
+              <a:rPr>
+                <a:solidFill>
+                  <a:srgbClr val="4070A0"/>
+                </a:solidFill>
+                <a:latin typeface="Courier"/>
+              </a:rPr>
+              <a:t>"ChildClass num = "</a:t>
+            </a:r>
+            <a:r>
+              <a:rPr>
+                <a:latin typeface="Courier"/>
+              </a:rPr>
+              <a:t> </a:t>
+            </a:r>
+            <a:r>
+              <a:rPr>
+                <a:solidFill>
+                  <a:srgbClr val="666666"/>
+                </a:solidFill>
+                <a:latin typeface="Courier"/>
+              </a:rPr>
+              <a:t>+</a:t>
+            </a:r>
+            <a:r>
+              <a:rPr>
+                <a:latin typeface="Courier"/>
+              </a:rPr>
+              <a:t> num2</a:t>
+            </a:r>
+            <a:r>
+              <a:rPr>
+                <a:solidFill>
+                  <a:srgbClr val="666666"/>
+                </a:solidFill>
+                <a:latin typeface="Courier"/>
+              </a:rPr>
+              <a:t>);</a:t>
+            </a:r>
+            <a:r>
+              <a:rPr>
+                <a:latin typeface="Courier"/>
+              </a:rPr>
+              <a:t> </a:t>
+            </a:r>
+            <a:br/>
+            <a:br/>
+            <a:r>
+              <a:rPr>
+                <a:latin typeface="Courier"/>
+              </a:rPr>
+              <a:t>        </a:t>
+            </a:r>
+            <a:r>
+              <a:rPr b="1">
+                <a:solidFill>
+                  <a:srgbClr val="007020"/>
+                </a:solidFill>
+                <a:latin typeface="Courier"/>
+              </a:rPr>
+              <a:t>super</a:t>
+            </a:r>
+            <a:r>
+              <a:rPr>
+                <a:solidFill>
+                  <a:srgbClr val="666666"/>
+                </a:solidFill>
+                <a:latin typeface="Courier"/>
+              </a:rPr>
+              <a:t>.</a:t>
+            </a:r>
+            <a:r>
+              <a:rPr>
+                <a:solidFill>
+                  <a:srgbClr val="06287E"/>
+                </a:solidFill>
+                <a:latin typeface="Courier"/>
+              </a:rPr>
+              <a:t>showData</a:t>
+            </a:r>
+            <a:r>
+              <a:rPr>
+                <a:solidFill>
+                  <a:srgbClr val="666666"/>
+                </a:solidFill>
+                <a:latin typeface="Courier"/>
+              </a:rPr>
+              <a:t>();</a:t>
+            </a:r>
+            <a:br/>
+            <a:r>
+              <a:rPr>
+                <a:latin typeface="Courier"/>
+              </a:rPr>
+              <a:t>        </a:t>
+            </a:r>
+            <a:br/>
+            <a:r>
+              <a:rPr>
+                <a:latin typeface="Courier"/>
+              </a:rPr>
+              <a:t>    </a:t>
+            </a:r>
+            <a:r>
+              <a:rPr>
+                <a:solidFill>
+                  <a:srgbClr val="666666"/>
+                </a:solidFill>
+                <a:latin typeface="Courier"/>
+              </a:rPr>
+              <a:t>}</a:t>
+            </a:r>
+            <a:br/>
+            <a:r>
+              <a:rPr>
+                <a:solidFill>
+                  <a:srgbClr val="666666"/>
+                </a:solidFill>
+                <a:latin typeface="Courier"/>
+              </a:rPr>
+              <a:t>}</a:t>
+            </a:r>
+          </a:p>
+        </p:txBody>
+      </p:sp>
+    </p:spTree>
+  </p:cSld>
+</p:sld>
+</file>
+
+<file path=ppt/slides/slide17.xml><?xml version="1.0" encoding="utf-8"?>
+<p:sld xmlns:a="http://schemas.openxmlformats.org/drawingml/2006/main" xmlns:r="http://schemas.openxmlformats.org/officeDocument/2006/relationships" xmlns:p="http://schemas.openxmlformats.org/presentationml/2006/main">
+  <p:cSld>
+    <p:spTree>
+      <p:nvGrpSpPr>
+        <p:cNvPr id="1" name=""/>
+        <p:cNvGrpSpPr/>
+        <p:nvPr/>
+      </p:nvGrpSpPr>
+      <p:grpSpPr>
+        <a:xfrm>
+          <a:off x="0" y="0"/>
+          <a:ext cx="0" cy="0"/>
+          <a:chOff x="0" y="0"/>
+          <a:chExt cx="0" cy="0"/>
+        </a:xfrm>
+      </p:grpSpPr>
+      <p:sp>
+        <p:nvSpPr>
+          <p:cNvPr id="2" name="Title 1"/>
+          <p:cNvSpPr>
+            <a:spLocks noGrp="1"/>
+          </p:cNvSpPr>
+          <p:nvPr>
+            <p:ph type="title"/>
+          </p:nvPr>
+        </p:nvSpPr>
+        <p:spPr/>
+        <p:txBody>
+          <a:bodyPr/>
+          <a:lstStyle/>
+          <a:p>
+            <a:pPr lvl="0" indent="0" marL="0">
+              <a:buNone/>
+            </a:pPr>
+            <a:r>
+              <a:rPr/>
+              <a:t>super to refer parent class </a:t>
+            </a:r>
+            <a:r>
+              <a:rPr b="1"/>
+              <a:t>method</a:t>
+            </a:r>
+          </a:p>
+        </p:txBody>
+      </p:sp>
+      <p:sp>
+        <p:nvSpPr>
+          <p:cNvPr id="3" name="Content Placeholder 2"/>
+          <p:cNvSpPr>
+            <a:spLocks noGrp="1"/>
+          </p:cNvSpPr>
+          <p:nvPr>
+            <p:ph idx="1"/>
+          </p:nvPr>
+        </p:nvSpPr>
+        <p:spPr/>
+        <p:txBody>
+          <a:bodyPr/>
+          <a:lstStyle/>
+          <a:p>
+            <a:pPr lvl="0" indent="0">
+              <a:buNone/>
+            </a:pPr>
+            <a:r>
+              <a:rPr b="1">
+                <a:solidFill>
+                  <a:srgbClr val="007020"/>
+                </a:solidFill>
+                <a:latin typeface="Courier"/>
+              </a:rPr>
+              <a:t>public</a:t>
+            </a:r>
+            <a:r>
+              <a:rPr>
+                <a:latin typeface="Courier"/>
+              </a:rPr>
+              <a:t> </a:t>
+            </a:r>
+            <a:r>
+              <a:rPr b="1">
+                <a:solidFill>
+                  <a:srgbClr val="007020"/>
+                </a:solidFill>
+                <a:latin typeface="Courier"/>
+              </a:rPr>
+              <a:t>class</a:t>
+            </a:r>
+            <a:r>
+              <a:rPr>
+                <a:latin typeface="Courier"/>
+              </a:rPr>
+              <a:t> SuperKeywordExample </a:t>
+            </a:r>
+            <a:r>
+              <a:rPr>
+                <a:solidFill>
+                  <a:srgbClr val="666666"/>
+                </a:solidFill>
+                <a:latin typeface="Courier"/>
+              </a:rPr>
+              <a:t>{</a:t>
+            </a:r>
+            <a:br/>
+            <a:br/>
+            <a:r>
+              <a:rPr>
+                <a:latin typeface="Courier"/>
+              </a:rPr>
+              <a:t>    </a:t>
+            </a:r>
+            <a:r>
+              <a:rPr b="1">
+                <a:solidFill>
+                  <a:srgbClr val="007020"/>
+                </a:solidFill>
+                <a:latin typeface="Courier"/>
+              </a:rPr>
+              <a:t>public</a:t>
+            </a:r>
+            <a:r>
+              <a:rPr>
+                <a:latin typeface="Courier"/>
+              </a:rPr>
+              <a:t> </a:t>
+            </a:r>
+            <a:r>
+              <a:rPr>
+                <a:solidFill>
+                  <a:srgbClr val="902000"/>
+                </a:solidFill>
+                <a:latin typeface="Courier"/>
+              </a:rPr>
+              <a:t>static</a:t>
+            </a:r>
+            <a:r>
+              <a:rPr>
+                <a:latin typeface="Courier"/>
+              </a:rPr>
+              <a:t> </a:t>
+            </a:r>
+            <a:r>
+              <a:rPr>
+                <a:solidFill>
+                  <a:srgbClr val="902000"/>
+                </a:solidFill>
+                <a:latin typeface="Courier"/>
+              </a:rPr>
+              <a:t>void</a:t>
+            </a:r>
+            <a:r>
+              <a:rPr>
+                <a:latin typeface="Courier"/>
+              </a:rPr>
+              <a:t> </a:t>
+            </a:r>
+            <a:r>
+              <a:rPr>
+                <a:solidFill>
+                  <a:srgbClr val="06287E"/>
+                </a:solidFill>
+                <a:latin typeface="Courier"/>
+              </a:rPr>
+              <a:t>main</a:t>
+            </a:r>
+            <a:r>
+              <a:rPr>
+                <a:solidFill>
+                  <a:srgbClr val="666666"/>
+                </a:solidFill>
+                <a:latin typeface="Courier"/>
+              </a:rPr>
+              <a:t>(</a:t>
+            </a:r>
+            <a:r>
+              <a:rPr>
+                <a:latin typeface="Courier"/>
+              </a:rPr>
+              <a:t>String</a:t>
+            </a:r>
+            <a:r>
+              <a:rPr>
+                <a:solidFill>
+                  <a:srgbClr val="666666"/>
+                </a:solidFill>
+                <a:latin typeface="Courier"/>
+              </a:rPr>
+              <a:t>[]</a:t>
+            </a:r>
+            <a:r>
+              <a:rPr>
+                <a:latin typeface="Courier"/>
+              </a:rPr>
+              <a:t> args</a:t>
+            </a:r>
+            <a:r>
+              <a:rPr>
+                <a:solidFill>
+                  <a:srgbClr val="666666"/>
+                </a:solidFill>
+                <a:latin typeface="Courier"/>
+              </a:rPr>
+              <a:t>)</a:t>
+            </a:r>
+            <a:r>
+              <a:rPr>
+                <a:latin typeface="Courier"/>
+              </a:rPr>
+              <a:t> </a:t>
+            </a:r>
+            <a:r>
+              <a:rPr>
+                <a:solidFill>
+                  <a:srgbClr val="666666"/>
+                </a:solidFill>
+                <a:latin typeface="Courier"/>
+              </a:rPr>
+              <a:t>{</a:t>
+            </a:r>
+            <a:br/>
+            <a:r>
+              <a:rPr>
+                <a:latin typeface="Courier"/>
+              </a:rPr>
+              <a:t>        ChildClass obj </a:t>
+            </a:r>
+            <a:r>
+              <a:rPr>
+                <a:solidFill>
+                  <a:srgbClr val="666666"/>
+                </a:solidFill>
+                <a:latin typeface="Courier"/>
+              </a:rPr>
+              <a:t>=</a:t>
+            </a:r>
+            <a:r>
+              <a:rPr>
+                <a:latin typeface="Courier"/>
+              </a:rPr>
+              <a:t> </a:t>
+            </a:r>
+            <a:r>
+              <a:rPr b="1">
+                <a:solidFill>
+                  <a:srgbClr val="007020"/>
+                </a:solidFill>
+                <a:latin typeface="Courier"/>
+              </a:rPr>
+              <a:t>new</a:t>
+            </a:r>
+            <a:r>
+              <a:rPr>
+                <a:latin typeface="Courier"/>
+              </a:rPr>
+              <a:t> </a:t>
+            </a:r>
+            <a:r>
+              <a:rPr>
+                <a:solidFill>
+                  <a:srgbClr val="06287E"/>
+                </a:solidFill>
+                <a:latin typeface="Courier"/>
+              </a:rPr>
+              <a:t>ChildClass</a:t>
+            </a:r>
+            <a:r>
+              <a:rPr>
+                <a:solidFill>
+                  <a:srgbClr val="666666"/>
+                </a:solidFill>
+                <a:latin typeface="Courier"/>
+              </a:rPr>
+              <a:t>();</a:t>
+            </a:r>
+            <a:br/>
+            <a:r>
+              <a:rPr>
+                <a:latin typeface="Courier"/>
+              </a:rPr>
+              <a:t>        </a:t>
+            </a:r>
+            <a:br/>
+            <a:r>
+              <a:rPr>
+                <a:latin typeface="Courier"/>
+              </a:rPr>
+              <a:t>        obj</a:t>
+            </a:r>
+            <a:r>
+              <a:rPr>
+                <a:solidFill>
+                  <a:srgbClr val="666666"/>
+                </a:solidFill>
+                <a:latin typeface="Courier"/>
+              </a:rPr>
+              <a:t>.</a:t>
+            </a:r>
+            <a:r>
+              <a:rPr>
+                <a:solidFill>
+                  <a:srgbClr val="06287E"/>
+                </a:solidFill>
+                <a:latin typeface="Courier"/>
+              </a:rPr>
+              <a:t>showData</a:t>
+            </a:r>
+            <a:r>
+              <a:rPr>
+                <a:solidFill>
+                  <a:srgbClr val="666666"/>
+                </a:solidFill>
+                <a:latin typeface="Courier"/>
+              </a:rPr>
+              <a:t>();</a:t>
+            </a:r>
+            <a:br/>
+            <a:r>
+              <a:rPr>
+                <a:latin typeface="Courier"/>
+              </a:rPr>
+              <a:t>        </a:t>
+            </a:r>
+            <a:r>
+              <a:rPr i="1">
+                <a:solidFill>
+                  <a:srgbClr val="60A0B0"/>
+                </a:solidFill>
+                <a:latin typeface="Courier"/>
+              </a:rPr>
+              <a:t>//super.showData(); // super can't be used here</a:t>
+            </a:r>
+            <a:br/>
+            <a:r>
+              <a:rPr>
+                <a:latin typeface="Courier"/>
+              </a:rPr>
+              <a:t>        </a:t>
+            </a:r>
+            <a:br/>
+            <a:r>
+              <a:rPr>
+                <a:latin typeface="Courier"/>
+              </a:rPr>
+              <a:t>    </a:t>
+            </a:r>
+            <a:r>
+              <a:rPr>
+                <a:solidFill>
+                  <a:srgbClr val="666666"/>
+                </a:solidFill>
+                <a:latin typeface="Courier"/>
+              </a:rPr>
+              <a:t>}</a:t>
+            </a:r>
+            <a:br/>
+            <a:r>
+              <a:rPr>
+                <a:solidFill>
+                  <a:srgbClr val="666666"/>
+                </a:solidFill>
+                <a:latin typeface="Courier"/>
+              </a:rPr>
+              <a:t>}</a:t>
+            </a:r>
+          </a:p>
+        </p:txBody>
+      </p:sp>
+    </p:spTree>
+  </p:cSld>
+</p:sld>
+</file>
+
+<file path=ppt/slides/slide18.xml><?xml version="1.0" encoding="utf-8"?>
+<p:sld xmlns:a="http://schemas.openxmlformats.org/drawingml/2006/main" xmlns:r="http://schemas.openxmlformats.org/officeDocument/2006/relationships" xmlns:p="http://schemas.openxmlformats.org/presentationml/2006/main">
+  <p:cSld>
+    <p:spTree>
+      <p:nvGrpSpPr>
+        <p:cNvPr id="1" name=""/>
+        <p:cNvGrpSpPr/>
+        <p:nvPr/>
+      </p:nvGrpSpPr>
+      <p:grpSpPr>
+        <a:xfrm>
+          <a:off x="0" y="0"/>
+          <a:ext cx="0" cy="0"/>
+          <a:chOff x="0" y="0"/>
+          <a:chExt cx="0" cy="0"/>
+        </a:xfrm>
+      </p:grpSpPr>
+      <p:sp>
+        <p:nvSpPr>
+          <p:cNvPr id="2" name="Title 1"/>
+          <p:cNvSpPr>
+            <a:spLocks noGrp="1"/>
+          </p:cNvSpPr>
+          <p:nvPr>
+            <p:ph type="title"/>
+          </p:nvPr>
+        </p:nvSpPr>
+        <p:spPr/>
+        <p:txBody>
+          <a:bodyPr/>
+          <a:lstStyle/>
+          <a:p>
+            <a:pPr lvl="0" indent="0" marL="0">
+              <a:buNone/>
+            </a:pPr>
+            <a:r>
+              <a:rPr/>
+              <a:t>super to call parent class </a:t>
+            </a:r>
+            <a:r>
+              <a:rPr b="1"/>
+              <a:t>constructor</a:t>
+            </a:r>
+          </a:p>
+        </p:txBody>
+      </p:sp>
+      <p:sp>
+        <p:nvSpPr>
+          <p:cNvPr id="3" name="Content Placeholder 2"/>
+          <p:cNvSpPr>
+            <a:spLocks noGrp="1"/>
+          </p:cNvSpPr>
+          <p:nvPr>
+            <p:ph idx="1"/>
+          </p:nvPr>
+        </p:nvSpPr>
+        <p:spPr/>
+        <p:txBody>
+          <a:bodyPr/>
+          <a:lstStyle/>
+          <a:p>
+            <a:pPr lvl="0"/>
+            <a:r>
+              <a:rPr/>
+              <a:t>When an object of child class is created, it automatically calls the parent class default-constructor before it’s own.</a:t>
+            </a:r>
+          </a:p>
+          <a:p>
+            <a:pPr lvl="0"/>
+            <a:r>
+              <a:rPr/>
+              <a:t>But, the parameterized constructor of parent class must be called explicitly using the super keyword inside the child class constructor.</a:t>
+            </a:r>
+          </a:p>
+        </p:txBody>
+      </p:sp>
+    </p:spTree>
+  </p:cSld>
+</p:sld>
+</file>
+
+<file path=ppt/slides/slide19.xml><?xml version="1.0" encoding="utf-8"?>
+<p:sld xmlns:a="http://schemas.openxmlformats.org/drawingml/2006/main" xmlns:r="http://schemas.openxmlformats.org/officeDocument/2006/relationships" xmlns:p="http://schemas.openxmlformats.org/presentationml/2006/main">
+  <p:cSld>
+    <p:spTree>
+      <p:nvGrpSpPr>
+        <p:cNvPr id="1" name=""/>
+        <p:cNvGrpSpPr/>
+        <p:nvPr/>
+      </p:nvGrpSpPr>
+      <p:grpSpPr>
+        <a:xfrm>
+          <a:off x="0" y="0"/>
+          <a:ext cx="0" cy="0"/>
+          <a:chOff x="0" y="0"/>
+          <a:chExt cx="0" cy="0"/>
+        </a:xfrm>
+      </p:grpSpPr>
+      <p:sp>
+        <p:nvSpPr>
+          <p:cNvPr id="2" name="Title 1"/>
+          <p:cNvSpPr>
+            <a:spLocks noGrp="1"/>
+          </p:cNvSpPr>
+          <p:nvPr>
+            <p:ph type="title"/>
+          </p:nvPr>
+        </p:nvSpPr>
+        <p:spPr/>
+        <p:txBody>
+          <a:bodyPr/>
+          <a:lstStyle/>
+          <a:p>
+            <a:pPr lvl="0" indent="0" marL="0">
+              <a:buNone/>
+            </a:pPr>
+            <a:r>
+              <a:rPr/>
+              <a:t>super to call parent class </a:t>
+            </a:r>
+            <a:r>
+              <a:rPr b="1"/>
+              <a:t>constructor</a:t>
+            </a:r>
+          </a:p>
+        </p:txBody>
+      </p:sp>
+      <p:sp>
+        <p:nvSpPr>
+          <p:cNvPr id="3" name="Content Placeholder 2"/>
+          <p:cNvSpPr>
+            <a:spLocks noGrp="1"/>
+          </p:cNvSpPr>
+          <p:nvPr>
+            <p:ph idx="1"/>
+          </p:nvPr>
+        </p:nvSpPr>
+        <p:spPr/>
+        <p:txBody>
+          <a:bodyPr/>
+          <a:lstStyle/>
+          <a:p>
+            <a:pPr lvl="0" indent="0" marL="0">
+              <a:buNone/>
+            </a:pPr>
+            <a:r>
+              <a:rPr/>
+              <a:t>``` Java linenums=“1” class ParentClass{</a:t>
+            </a:r>
+          </a:p>
+          <a:p>
+            <a:pPr lvl="0" indent="0">
+              <a:buNone/>
+            </a:pPr>
+            <a:r>
+              <a:rPr>
+                <a:latin typeface="Courier"/>
+              </a:rPr>
+              <a:t>int num1;
+ParentClass(){
+    System.out.println("\nInside the ParentClass default constructor");
+    num1 = 10;
+}
+ParentClass(int value){
+    System.out.println("\nInside the ParentClass parameterized constructor");
+    num1 = value;
+}   </a:t>
+            </a:r>
+          </a:p>
+          <a:p>
+            <a:pPr lvl="0" indent="0" marL="0">
+              <a:buNone/>
+            </a:pPr>
+            <a:r>
+              <a:rPr/>
+              <a:t>}</a:t>
+            </a:r>
+          </a:p>
+          <a:p>
+            <a:pPr lvl="0" indent="0">
+              <a:buNone/>
+            </a:pPr>
+            <a:r>
+              <a:rPr>
+                <a:latin typeface="Courier"/>
+              </a:rPr>
+              <a:t>
+--- 
+## super to call parent class **constructor**
+``` Java linenums="1"
+class ChildClass extends ParentClass{
+    int num2;
+    ChildClass(){
+        super(100);
+        System.out.println("\nInside the ChildClass constructor");
+        num2 = 200;     
+    }
+}</a:t>
             </a:r>
           </a:p>
         </p:txBody>
@@ -3259,6 +4977,984 @@
 </p:sld>
 </file>
 
+<file path=ppt/slides/slide20.xml><?xml version="1.0" encoding="utf-8"?>
+<p:sld xmlns:a="http://schemas.openxmlformats.org/drawingml/2006/main" xmlns:r="http://schemas.openxmlformats.org/officeDocument/2006/relationships" xmlns:p="http://schemas.openxmlformats.org/presentationml/2006/main">
+  <p:cSld>
+    <p:spTree>
+      <p:nvGrpSpPr>
+        <p:cNvPr id="1" name=""/>
+        <p:cNvGrpSpPr/>
+        <p:nvPr/>
+      </p:nvGrpSpPr>
+      <p:grpSpPr>
+        <a:xfrm>
+          <a:off x="0" y="0"/>
+          <a:ext cx="0" cy="0"/>
+          <a:chOff x="0" y="0"/>
+          <a:chExt cx="0" cy="0"/>
+        </a:xfrm>
+      </p:grpSpPr>
+      <p:sp>
+        <p:nvSpPr>
+          <p:cNvPr id="2" name="Title 1"/>
+          <p:cNvSpPr>
+            <a:spLocks noGrp="1"/>
+          </p:cNvSpPr>
+          <p:nvPr>
+            <p:ph type="title"/>
+          </p:nvPr>
+        </p:nvSpPr>
+        <p:spPr/>
+        <p:txBody>
+          <a:bodyPr/>
+          <a:lstStyle/>
+          <a:p>
+            <a:pPr lvl="0" indent="0" marL="0">
+              <a:buNone/>
+            </a:pPr>
+            <a:r>
+              <a:rPr/>
+              <a:t>super to call parent class </a:t>
+            </a:r>
+            <a:r>
+              <a:rPr b="1"/>
+              <a:t>constructor</a:t>
+            </a:r>
+          </a:p>
+        </p:txBody>
+      </p:sp>
+      <p:sp>
+        <p:nvSpPr>
+          <p:cNvPr id="3" name="Content Placeholder 2"/>
+          <p:cNvSpPr>
+            <a:spLocks noGrp="1"/>
+          </p:cNvSpPr>
+          <p:nvPr>
+            <p:ph idx="1"/>
+          </p:nvPr>
+        </p:nvSpPr>
+        <p:spPr/>
+        <p:txBody>
+          <a:bodyPr/>
+          <a:lstStyle/>
+          <a:p>
+            <a:pPr lvl="0" indent="0" marL="0">
+              <a:buNone/>
+            </a:pPr>
+            <a:r>
+              <a:rPr/>
+              <a:t>``` Java linenums=“1” public class SuperKeywordExample {</a:t>
+            </a:r>
+          </a:p>
+          <a:p>
+            <a:pPr lvl="0" indent="0">
+              <a:buNone/>
+            </a:pPr>
+            <a:r>
+              <a:rPr>
+                <a:latin typeface="Courier"/>
+              </a:rPr>
+              <a:t>public static void main(String[] args) {
+    ChildClass obj = new ChildClass();
+}</a:t>
+            </a:r>
+          </a:p>
+          <a:p>
+            <a:pPr lvl="0" indent="0" marL="0">
+              <a:buNone/>
+            </a:pPr>
+            <a:r>
+              <a:rPr/>
+              <a:t>}</a:t>
+            </a:r>
+          </a:p>
+          <a:p>
+            <a:pPr lvl="0" indent="0">
+              <a:buNone/>
+            </a:pPr>
+            <a:r>
+              <a:rPr>
+                <a:latin typeface="Courier"/>
+              </a:rPr>
+              <a:t>
+--- 
+## super to call parent class **constructor**
+- To call the parameterized constructor of the parent class, 
+- the super keyword must be the first statement inside the child class constructor, 
+- and we must pass the parameter values.
+---
+## Access Overridden Methods of the superclass
+- If methods with the same name are defined in both superclass and subclass, the method in the subclass overrides the method in the superclass. This is called method overriding.
+---
+## Example 1: Method overriding
+``` Java linenums="1"
+class Animal {
+  // overridden method
+  public void display(){
+    System.out.println("I am an animal");
+  }
+}</a:t>
+            </a:r>
+          </a:p>
+        </p:txBody>
+      </p:sp>
+    </p:spTree>
+  </p:cSld>
+</p:sld>
+</file>
+
+<file path=ppt/slides/slide21.xml><?xml version="1.0" encoding="utf-8"?>
+<p:sld xmlns:a="http://schemas.openxmlformats.org/drawingml/2006/main" xmlns:r="http://schemas.openxmlformats.org/officeDocument/2006/relationships" xmlns:p="http://schemas.openxmlformats.org/presentationml/2006/main">
+  <p:cSld>
+    <p:spTree>
+      <p:nvGrpSpPr>
+        <p:cNvPr id="1" name=""/>
+        <p:cNvGrpSpPr/>
+        <p:nvPr/>
+      </p:nvGrpSpPr>
+      <p:grpSpPr>
+        <a:xfrm>
+          <a:off x="0" y="0"/>
+          <a:ext cx="0" cy="0"/>
+          <a:chOff x="0" y="0"/>
+          <a:chExt cx="0" cy="0"/>
+        </a:xfrm>
+      </p:grpSpPr>
+      <p:sp>
+        <p:nvSpPr>
+          <p:cNvPr id="2" name="Title 1"/>
+          <p:cNvSpPr>
+            <a:spLocks noGrp="1"/>
+          </p:cNvSpPr>
+          <p:nvPr>
+            <p:ph type="title"/>
+          </p:nvPr>
+        </p:nvSpPr>
+        <p:spPr/>
+        <p:txBody>
+          <a:bodyPr/>
+          <a:lstStyle/>
+          <a:p>
+            <a:pPr lvl="0" indent="0" marL="0">
+              <a:buNone/>
+            </a:pPr>
+            <a:r>
+              <a:rPr/>
+              <a:t>Example 1: Method overriding</a:t>
+            </a:r>
+          </a:p>
+        </p:txBody>
+      </p:sp>
+      <p:sp>
+        <p:nvSpPr>
+          <p:cNvPr id="3" name="Content Placeholder 2"/>
+          <p:cNvSpPr>
+            <a:spLocks noGrp="1"/>
+          </p:cNvSpPr>
+          <p:nvPr>
+            <p:ph idx="1"/>
+          </p:nvPr>
+        </p:nvSpPr>
+        <p:spPr/>
+        <p:txBody>
+          <a:bodyPr/>
+          <a:lstStyle/>
+          <a:p>
+            <a:pPr lvl="0" indent="0" marL="0">
+              <a:buNone/>
+            </a:pPr>
+            <a:r>
+              <a:rPr/>
+              <a:t>``` Java linenums=“1” class Dog extends Animal {</a:t>
+            </a:r>
+          </a:p>
+          <a:p>
+            <a:pPr lvl="0" indent="0" marL="0">
+              <a:buNone/>
+            </a:pPr>
+            <a:r>
+              <a:rPr/>
+              <a:t>// overriding method @Override public void display(){ System.out.println(“I am a dog”); }</a:t>
+            </a:r>
+          </a:p>
+          <a:p>
+            <a:pPr lvl="0" indent="0" marL="0">
+              <a:buNone/>
+            </a:pPr>
+            <a:r>
+              <a:rPr/>
+              <a:t>public void printMessage(){ display(); } }</a:t>
+            </a:r>
+          </a:p>
+          <a:p>
+            <a:pPr lvl="0" indent="0">
+              <a:buNone/>
+            </a:pPr>
+            <a:r>
+              <a:rPr>
+                <a:latin typeface="Courier"/>
+              </a:rPr>
+              <a:t>
+---
+## Example 1: Method overriding
+``` Java linenums="1"
+class Main {
+  public static void main(String[] args) {
+    Dog dog1 = new Dog();
+    dog1.printMessage();
+  }
+}
+</a:t>
+            </a:r>
+          </a:p>
+        </p:txBody>
+      </p:sp>
+    </p:spTree>
+  </p:cSld>
+</p:sld>
+</file>
+
+<file path=ppt/slides/slide22.xml><?xml version="1.0" encoding="utf-8"?>
+<p:sld xmlns:a="http://schemas.openxmlformats.org/drawingml/2006/main" xmlns:r="http://schemas.openxmlformats.org/officeDocument/2006/relationships" xmlns:p="http://schemas.openxmlformats.org/presentationml/2006/main">
+  <p:cSld>
+    <p:spTree>
+      <p:nvGrpSpPr>
+        <p:cNvPr id="1" name=""/>
+        <p:cNvGrpSpPr/>
+        <p:nvPr/>
+      </p:nvGrpSpPr>
+      <p:grpSpPr>
+        <a:xfrm>
+          <a:off x="0" y="0"/>
+          <a:ext cx="0" cy="0"/>
+          <a:chOff x="0" y="0"/>
+          <a:chExt cx="0" cy="0"/>
+        </a:xfrm>
+      </p:grpSpPr>
+      <p:sp>
+        <p:nvSpPr>
+          <p:cNvPr id="2" name="Title 1"/>
+          <p:cNvSpPr>
+            <a:spLocks noGrp="1"/>
+          </p:cNvSpPr>
+          <p:nvPr>
+            <p:ph type="title"/>
+          </p:nvPr>
+        </p:nvSpPr>
+        <p:spPr/>
+        <p:txBody>
+          <a:bodyPr/>
+          <a:lstStyle/>
+          <a:p>
+            <a:pPr lvl="0" indent="0" marL="0">
+              <a:buNone/>
+            </a:pPr>
+            <a:r>
+              <a:rPr/>
+              <a:t>Example 1: Method overriding</a:t>
+            </a:r>
+          </a:p>
+        </p:txBody>
+      </p:sp>
+      <p:sp>
+        <p:nvSpPr>
+          <p:cNvPr id="3" name="Content Placeholder 2"/>
+          <p:cNvSpPr>
+            <a:spLocks noGrp="1"/>
+          </p:cNvSpPr>
+          <p:nvPr>
+            <p:ph idx="1"/>
+          </p:nvPr>
+        </p:nvSpPr>
+        <p:spPr/>
+        <p:txBody>
+          <a:bodyPr/>
+          <a:lstStyle/>
+          <a:p>
+            <a:pPr lvl="0" indent="0" marL="0">
+              <a:buNone/>
+            </a:pPr>
+            <a:r>
+              <a:rPr/>
+              <a:t>In this example, by making an object dog1 of Dog class, we can call its method printMessage() which then executes the display() statement.</a:t>
+            </a:r>
+          </a:p>
+          <a:p>
+            <a:pPr lvl="0" indent="0" marL="0">
+              <a:buNone/>
+            </a:pPr>
+            <a:r>
+              <a:rPr/>
+              <a:t>Since display() is defined in both the classes, the method of subclass Dog overrides the method of superclass Animal. Hence, the display() of the subclass is called.</a:t>
+            </a:r>
+          </a:p>
+        </p:txBody>
+      </p:sp>
+    </p:spTree>
+  </p:cSld>
+</p:sld>
+</file>
+
+<file path=ppt/slides/slide23.xml><?xml version="1.0" encoding="utf-8"?>
+<p:sld xmlns:a="http://schemas.openxmlformats.org/drawingml/2006/main" xmlns:r="http://schemas.openxmlformats.org/officeDocument/2006/relationships" xmlns:p="http://schemas.openxmlformats.org/presentationml/2006/main">
+  <p:cSld>
+    <p:spTree>
+      <p:nvGrpSpPr>
+        <p:cNvPr id="1" name=""/>
+        <p:cNvGrpSpPr/>
+        <p:nvPr/>
+      </p:nvGrpSpPr>
+      <p:grpSpPr>
+        <a:xfrm>
+          <a:off x="0" y="0"/>
+          <a:ext cx="0" cy="0"/>
+          <a:chOff x="0" y="0"/>
+          <a:chExt cx="0" cy="0"/>
+        </a:xfrm>
+      </p:grpSpPr>
+      <p:sp>
+        <p:nvSpPr>
+          <p:cNvPr id="2" name="Title 1"/>
+          <p:cNvSpPr>
+            <a:spLocks noGrp="1"/>
+          </p:cNvSpPr>
+          <p:nvPr>
+            <p:ph type="title"/>
+          </p:nvPr>
+        </p:nvSpPr>
+        <p:spPr/>
+        <p:txBody>
+          <a:bodyPr/>
+          <a:lstStyle/>
+          <a:p>
+            <a:pPr lvl="0" indent="0" marL="0">
+              <a:buNone/>
+            </a:pPr>
+            <a:r>
+              <a:rPr/>
+              <a:t>Example 1: Method overriding</a:t>
+            </a:r>
+          </a:p>
+        </p:txBody>
+      </p:sp>
+      <p:pic>
+        <p:nvPicPr>
+          <p:cNvPr descr="fig:  assets/java-overriding-example.png" id="0" name="Picture 1"/>
+          <p:cNvPicPr>
+            <a:picLocks noGrp="1" noChangeAspect="1"/>
+          </p:cNvPicPr>
+          <p:nvPr/>
+        </p:nvPicPr>
+        <p:blipFill>
+          <a:blip r:embed="rId2"/>
+          <a:stretch>
+            <a:fillRect/>
+          </a:stretch>
+        </p:blipFill>
+        <p:spPr bwMode="auto">
+          <a:xfrm>
+            <a:off x="1562100" y="1600200"/>
+            <a:ext cx="6019800" cy="4013200"/>
+          </a:xfrm>
+          <a:prstGeom prst="rect">
+            <a:avLst/>
+          </a:prstGeom>
+          <a:noFill/>
+          <a:ln w="9525">
+            <a:noFill/>
+            <a:headEnd/>
+            <a:tailEnd/>
+          </a:ln>
+        </p:spPr>
+      </p:pic>
+      <p:sp>
+        <p:nvSpPr>
+          <p:cNvPr id="1" name="TextBox 3"/>
+          <p:cNvSpPr txBox="1"/>
+          <p:nvPr/>
+        </p:nvSpPr>
+        <p:spPr>
+          <a:xfrm>
+            <a:off x="457200" y="5613400"/>
+            <a:ext cx="8229600" cy="508000"/>
+          </a:xfrm>
+          <a:prstGeom prst="rect">
+            <a:avLst/>
+          </a:prstGeom>
+          <a:noFill/>
+        </p:spPr>
+        <p:txBody>
+          <a:bodyPr/>
+          <a:lstStyle/>
+          <a:p>
+            <a:pPr lvl="0" indent="0" marL="0" algn="ctr">
+              <a:buNone/>
+            </a:pPr>
+            <a:r>
+              <a:rPr/>
+              <a:t>center h:500px</a:t>
+            </a:r>
+          </a:p>
+        </p:txBody>
+      </p:sp>
+    </p:spTree>
+  </p:cSld>
+</p:sld>
+</file>
+
+<file path=ppt/slides/slide24.xml><?xml version="1.0" encoding="utf-8"?>
+<p:sld xmlns:a="http://schemas.openxmlformats.org/drawingml/2006/main" xmlns:r="http://schemas.openxmlformats.org/officeDocument/2006/relationships" xmlns:p="http://schemas.openxmlformats.org/presentationml/2006/main">
+  <p:cSld>
+    <p:spTree>
+      <p:nvGrpSpPr>
+        <p:cNvPr id="1" name=""/>
+        <p:cNvGrpSpPr/>
+        <p:nvPr/>
+      </p:nvGrpSpPr>
+      <p:grpSpPr>
+        <a:xfrm>
+          <a:off x="0" y="0"/>
+          <a:ext cx="0" cy="0"/>
+          <a:chOff x="0" y="0"/>
+          <a:chExt cx="0" cy="0"/>
+        </a:xfrm>
+      </p:grpSpPr>
+      <p:sp>
+        <p:nvSpPr>
+          <p:cNvPr id="2" name="Title 1"/>
+          <p:cNvSpPr>
+            <a:spLocks noGrp="1"/>
+          </p:cNvSpPr>
+          <p:nvPr>
+            <p:ph type="title"/>
+          </p:nvPr>
+        </p:nvSpPr>
+        <p:spPr/>
+        <p:txBody>
+          <a:bodyPr/>
+          <a:lstStyle/>
+          <a:p>
+            <a:pPr lvl="0" indent="0" marL="0">
+              <a:buNone/>
+            </a:pPr>
+            <a:r>
+              <a:rPr/>
+              <a:t>What if the overridden method of the superclass has to be called?</a:t>
+            </a:r>
+          </a:p>
+        </p:txBody>
+      </p:sp>
+      <p:sp>
+        <p:nvSpPr>
+          <p:cNvPr id="3" name="Content Placeholder 2"/>
+          <p:cNvSpPr>
+            <a:spLocks noGrp="1"/>
+          </p:cNvSpPr>
+          <p:nvPr>
+            <p:ph idx="1"/>
+          </p:nvPr>
+        </p:nvSpPr>
+        <p:spPr/>
+        <p:txBody>
+          <a:bodyPr/>
+          <a:lstStyle/>
+          <a:p>
+            <a:pPr lvl="0"/>
+            <a:r>
+              <a:rPr/>
+              <a:t>We use super.display() if the overridden method display() of superclass Animal needs to be called.</a:t>
+            </a:r>
+          </a:p>
+        </p:txBody>
+      </p:sp>
+    </p:spTree>
+  </p:cSld>
+</p:sld>
+</file>
+
+<file path=ppt/slides/slide25.xml><?xml version="1.0" encoding="utf-8"?>
+<p:sld xmlns:a="http://schemas.openxmlformats.org/drawingml/2006/main" xmlns:r="http://schemas.openxmlformats.org/officeDocument/2006/relationships" xmlns:p="http://schemas.openxmlformats.org/presentationml/2006/main">
+  <p:cSld>
+    <p:spTree>
+      <p:nvGrpSpPr>
+        <p:cNvPr id="1" name=""/>
+        <p:cNvGrpSpPr/>
+        <p:nvPr/>
+      </p:nvGrpSpPr>
+      <p:grpSpPr>
+        <a:xfrm>
+          <a:off x="0" y="0"/>
+          <a:ext cx="0" cy="0"/>
+          <a:chOff x="0" y="0"/>
+          <a:chExt cx="0" cy="0"/>
+        </a:xfrm>
+      </p:grpSpPr>
+      <p:sp>
+        <p:nvSpPr>
+          <p:cNvPr id="2" name="Title 1"/>
+          <p:cNvSpPr>
+            <a:spLocks noGrp="1"/>
+          </p:cNvSpPr>
+          <p:nvPr>
+            <p:ph type="title"/>
+          </p:nvPr>
+        </p:nvSpPr>
+        <p:spPr/>
+        <p:txBody>
+          <a:bodyPr/>
+          <a:lstStyle/>
+          <a:p>
+            <a:pPr lvl="0" indent="0" marL="0">
+              <a:buNone/>
+            </a:pPr>
+            <a:r>
+              <a:rPr/>
+              <a:t>Example 2: super to Call Superclass Method</a:t>
+            </a:r>
+          </a:p>
+        </p:txBody>
+      </p:sp>
+      <p:sp>
+        <p:nvSpPr>
+          <p:cNvPr id="3" name="Content Placeholder 2"/>
+          <p:cNvSpPr>
+            <a:spLocks noGrp="1"/>
+          </p:cNvSpPr>
+          <p:nvPr>
+            <p:ph idx="1"/>
+          </p:nvPr>
+        </p:nvSpPr>
+        <p:spPr/>
+        <p:txBody>
+          <a:bodyPr/>
+          <a:lstStyle/>
+          <a:p>
+            <a:pPr lvl="0" indent="0" marL="0">
+              <a:buNone/>
+            </a:pPr>
+            <a:r>
+              <a:rPr/>
+              <a:t>``` Java linenums=“1” class Animal {</a:t>
+            </a:r>
+          </a:p>
+          <a:p>
+            <a:pPr lvl="0" indent="0" marL="0">
+              <a:buNone/>
+            </a:pPr>
+            <a:r>
+              <a:rPr/>
+              <a:t>// overridden method public void display(){ System.out.println(“I am an animal”); } }</a:t>
+            </a:r>
+          </a:p>
+          <a:p>
+            <a:pPr lvl="0" indent="0">
+              <a:buNone/>
+            </a:pPr>
+            <a:r>
+              <a:rPr>
+                <a:latin typeface="Courier"/>
+              </a:rPr>
+              <a:t>
+---
+## Example 2: super to Call Superclass Method
+``` Java linenums="1"
+class Dog extends Animal {
+  // overriding method
+  @Override
+  public void display(){
+    System.out.println("I am a dog");
+  }
+  public void printMessage(){
+    // this calls overriding method
+    display();
+    // this calls overridden method
+    super.display();
+  }
+}</a:t>
+            </a:r>
+          </a:p>
+        </p:txBody>
+      </p:sp>
+    </p:spTree>
+  </p:cSld>
+</p:sld>
+</file>
+
+<file path=ppt/slides/slide26.xml><?xml version="1.0" encoding="utf-8"?>
+<p:sld xmlns:a="http://schemas.openxmlformats.org/drawingml/2006/main" xmlns:r="http://schemas.openxmlformats.org/officeDocument/2006/relationships" xmlns:p="http://schemas.openxmlformats.org/presentationml/2006/main">
+  <p:cSld>
+    <p:spTree>
+      <p:nvGrpSpPr>
+        <p:cNvPr id="1" name=""/>
+        <p:cNvGrpSpPr/>
+        <p:nvPr/>
+      </p:nvGrpSpPr>
+      <p:grpSpPr>
+        <a:xfrm>
+          <a:off x="0" y="0"/>
+          <a:ext cx="0" cy="0"/>
+          <a:chOff x="0" y="0"/>
+          <a:chExt cx="0" cy="0"/>
+        </a:xfrm>
+      </p:grpSpPr>
+      <p:sp>
+        <p:nvSpPr>
+          <p:cNvPr id="2" name="Title 1"/>
+          <p:cNvSpPr>
+            <a:spLocks noGrp="1"/>
+          </p:cNvSpPr>
+          <p:nvPr>
+            <p:ph type="title"/>
+          </p:nvPr>
+        </p:nvSpPr>
+        <p:spPr/>
+        <p:txBody>
+          <a:bodyPr/>
+          <a:lstStyle/>
+          <a:p>
+            <a:pPr lvl="0" indent="0" marL="0">
+              <a:buNone/>
+            </a:pPr>
+            <a:r>
+              <a:rPr/>
+              <a:t>Example 2: super to Call Superclass Method</a:t>
+            </a:r>
+          </a:p>
+        </p:txBody>
+      </p:sp>
+      <p:sp>
+        <p:nvSpPr>
+          <p:cNvPr id="3" name="Content Placeholder 2"/>
+          <p:cNvSpPr>
+            <a:spLocks noGrp="1"/>
+          </p:cNvSpPr>
+          <p:nvPr>
+            <p:ph idx="1"/>
+          </p:nvPr>
+        </p:nvSpPr>
+        <p:spPr/>
+        <p:txBody>
+          <a:bodyPr/>
+          <a:lstStyle/>
+          <a:p>
+            <a:pPr lvl="0" indent="0" marL="0">
+              <a:buNone/>
+            </a:pPr>
+            <a:r>
+              <a:rPr>
+                <a:latin typeface="Courier"/>
+              </a:rPr>
+              <a:t>Java linenums="1" class Main {   public static void main(String[] args) {     Dog dog1 = new Dog();     dog1.printMessage();   } }</a:t>
+            </a:r>
+            <a:r>
+              <a:rPr/>
+              <a:t> —</a:t>
+            </a:r>
+          </a:p>
+        </p:txBody>
+      </p:sp>
+    </p:spTree>
+  </p:cSld>
+</p:sld>
+</file>
+
+<file path=ppt/slides/slide27.xml><?xml version="1.0" encoding="utf-8"?>
+<p:sld xmlns:a="http://schemas.openxmlformats.org/drawingml/2006/main" xmlns:r="http://schemas.openxmlformats.org/officeDocument/2006/relationships" xmlns:p="http://schemas.openxmlformats.org/presentationml/2006/main">
+  <p:cSld>
+    <p:spTree>
+      <p:nvGrpSpPr>
+        <p:cNvPr id="1" name=""/>
+        <p:cNvGrpSpPr/>
+        <p:nvPr/>
+      </p:nvGrpSpPr>
+      <p:grpSpPr>
+        <a:xfrm>
+          <a:off x="0" y="0"/>
+          <a:ext cx="0" cy="0"/>
+          <a:chOff x="0" y="0"/>
+          <a:chExt cx="0" cy="0"/>
+        </a:xfrm>
+      </p:grpSpPr>
+      <p:sp>
+        <p:nvSpPr>
+          <p:cNvPr id="2" name="Title 1"/>
+          <p:cNvSpPr>
+            <a:spLocks noGrp="1"/>
+          </p:cNvSpPr>
+          <p:nvPr>
+            <p:ph type="title"/>
+          </p:nvPr>
+        </p:nvSpPr>
+        <p:spPr/>
+        <p:txBody>
+          <a:bodyPr/>
+          <a:lstStyle/>
+          <a:p>
+            <a:pPr lvl="0" indent="0" marL="0">
+              <a:buNone/>
+            </a:pPr>
+            <a:r>
+              <a:rPr/>
+              <a:t>Example 2: super to Call Superclass Method</a:t>
+            </a:r>
+          </a:p>
+        </p:txBody>
+      </p:sp>
+      <p:pic>
+        <p:nvPicPr>
+          <p:cNvPr descr="fig:  assets/call-superclass-method.png" id="0" name="Picture 1"/>
+          <p:cNvPicPr>
+            <a:picLocks noGrp="1" noChangeAspect="1"/>
+          </p:cNvPicPr>
+          <p:nvPr/>
+        </p:nvPicPr>
+        <p:blipFill>
+          <a:blip r:embed="rId2"/>
+          <a:stretch>
+            <a:fillRect/>
+          </a:stretch>
+        </p:blipFill>
+        <p:spPr bwMode="auto">
+          <a:xfrm>
+            <a:off x="1562100" y="1600200"/>
+            <a:ext cx="6019800" cy="4013200"/>
+          </a:xfrm>
+          <a:prstGeom prst="rect">
+            <a:avLst/>
+          </a:prstGeom>
+          <a:noFill/>
+          <a:ln w="9525">
+            <a:noFill/>
+            <a:headEnd/>
+            <a:tailEnd/>
+          </a:ln>
+        </p:spPr>
+      </p:pic>
+      <p:sp>
+        <p:nvSpPr>
+          <p:cNvPr id="1" name="TextBox 3"/>
+          <p:cNvSpPr txBox="1"/>
+          <p:nvPr/>
+        </p:nvSpPr>
+        <p:spPr>
+          <a:xfrm>
+            <a:off x="457200" y="5613400"/>
+            <a:ext cx="8229600" cy="508000"/>
+          </a:xfrm>
+          <a:prstGeom prst="rect">
+            <a:avLst/>
+          </a:prstGeom>
+          <a:noFill/>
+        </p:spPr>
+        <p:txBody>
+          <a:bodyPr/>
+          <a:lstStyle/>
+          <a:p>
+            <a:pPr lvl="0" indent="0" marL="0" algn="ctr">
+              <a:buNone/>
+            </a:pPr>
+            <a:r>
+              <a:rPr/>
+              <a:t>center h:500px</a:t>
+            </a:r>
+          </a:p>
+        </p:txBody>
+      </p:sp>
+    </p:spTree>
+  </p:cSld>
+</p:sld>
+</file>
+
+<file path=ppt/slides/slide28.xml><?xml version="1.0" encoding="utf-8"?>
+<p:sld xmlns:a="http://schemas.openxmlformats.org/drawingml/2006/main" xmlns:r="http://schemas.openxmlformats.org/officeDocument/2006/relationships" xmlns:p="http://schemas.openxmlformats.org/presentationml/2006/main">
+  <p:cSld>
+    <p:spTree>
+      <p:nvGrpSpPr>
+        <p:cNvPr id="1" name=""/>
+        <p:cNvGrpSpPr/>
+        <p:nvPr/>
+      </p:nvGrpSpPr>
+      <p:grpSpPr>
+        <a:xfrm>
+          <a:off x="0" y="0"/>
+          <a:ext cx="0" cy="0"/>
+          <a:chOff x="0" y="0"/>
+          <a:chExt cx="0" cy="0"/>
+        </a:xfrm>
+      </p:grpSpPr>
+      <p:sp>
+        <p:nvSpPr>
+          <p:cNvPr id="2" name="Title 1"/>
+          <p:cNvSpPr>
+            <a:spLocks noGrp="1"/>
+          </p:cNvSpPr>
+          <p:nvPr>
+            <p:ph type="title"/>
+          </p:nvPr>
+        </p:nvSpPr>
+        <p:spPr/>
+        <p:txBody>
+          <a:bodyPr/>
+          <a:lstStyle/>
+          <a:p>
+            <a:pPr lvl="0" indent="0" marL="0">
+              <a:buNone/>
+            </a:pPr>
+            <a:r>
+              <a:rPr/>
+              <a:t>Access Attributes of the Superclass</a:t>
+            </a:r>
+          </a:p>
+        </p:txBody>
+      </p:sp>
+      <p:sp>
+        <p:nvSpPr>
+          <p:cNvPr id="3" name="Content Placeholder 2"/>
+          <p:cNvSpPr>
+            <a:spLocks noGrp="1"/>
+          </p:cNvSpPr>
+          <p:nvPr>
+            <p:ph idx="1"/>
+          </p:nvPr>
+        </p:nvSpPr>
+        <p:spPr/>
+        <p:txBody>
+          <a:bodyPr/>
+          <a:lstStyle/>
+          <a:p>
+            <a:pPr lvl="0"/>
+            <a:r>
+              <a:rPr/>
+              <a:t>The superclass and subclass can have attributes with the same name.</a:t>
+            </a:r>
+          </a:p>
+          <a:p>
+            <a:pPr lvl="1"/>
+            <a:r>
+              <a:rPr/>
+              <a:t>We use the super keyword to access the attribute of the superclass.</a:t>
+            </a:r>
+          </a:p>
+        </p:txBody>
+      </p:sp>
+    </p:spTree>
+  </p:cSld>
+</p:sld>
+</file>
+
+<file path=ppt/slides/slide29.xml><?xml version="1.0" encoding="utf-8"?>
+<p:sld xmlns:a="http://schemas.openxmlformats.org/drawingml/2006/main" xmlns:r="http://schemas.openxmlformats.org/officeDocument/2006/relationships" xmlns:p="http://schemas.openxmlformats.org/presentationml/2006/main">
+  <p:cSld>
+    <p:spTree>
+      <p:nvGrpSpPr>
+        <p:cNvPr id="1" name=""/>
+        <p:cNvGrpSpPr/>
+        <p:nvPr/>
+      </p:nvGrpSpPr>
+      <p:grpSpPr>
+        <a:xfrm>
+          <a:off x="0" y="0"/>
+          <a:ext cx="0" cy="0"/>
+          <a:chOff x="0" y="0"/>
+          <a:chExt cx="0" cy="0"/>
+        </a:xfrm>
+      </p:grpSpPr>
+      <p:sp>
+        <p:nvSpPr>
+          <p:cNvPr id="2" name="Title 1"/>
+          <p:cNvSpPr>
+            <a:spLocks noGrp="1"/>
+          </p:cNvSpPr>
+          <p:nvPr>
+            <p:ph type="title"/>
+          </p:nvPr>
+        </p:nvSpPr>
+        <p:spPr/>
+        <p:txBody>
+          <a:bodyPr/>
+          <a:lstStyle/>
+          <a:p>
+            <a:pPr lvl="0" indent="0" marL="0">
+              <a:buNone/>
+            </a:pPr>
+            <a:r>
+              <a:rPr/>
+              <a:t>Example 3: Access superclass attribute</a:t>
+            </a:r>
+          </a:p>
+        </p:txBody>
+      </p:sp>
+      <p:sp>
+        <p:nvSpPr>
+          <p:cNvPr id="3" name="Content Placeholder 2"/>
+          <p:cNvSpPr>
+            <a:spLocks noGrp="1"/>
+          </p:cNvSpPr>
+          <p:nvPr>
+            <p:ph idx="1"/>
+          </p:nvPr>
+        </p:nvSpPr>
+        <p:spPr/>
+        <p:txBody>
+          <a:bodyPr/>
+          <a:lstStyle/>
+          <a:p>
+            <a:pPr lvl="0" indent="0" marL="0">
+              <a:buNone/>
+            </a:pPr>
+            <a:r>
+              <a:rPr>
+                <a:latin typeface="Courier"/>
+              </a:rPr>
+              <a:t>Java linenums="1" class Animal {   protected String type="animal"; }</a:t>
+            </a:r>
+          </a:p>
+          <a:p>
+            <a:pPr lvl="0" indent="0" marL="0">
+              <a:buNone/>
+            </a:pPr>
+            <a:r>
+              <a:rPr/>
+              <a:t>``` Java linenums=“1” class Dog extends Animal { public String type=“mammal”;</a:t>
+            </a:r>
+          </a:p>
+          <a:p>
+            <a:pPr lvl="0" indent="0" marL="0">
+              <a:buNone/>
+            </a:pPr>
+            <a:r>
+              <a:rPr/>
+              <a:t>public void printType() { System.out.println(“I am a” + type); System.out.println(“I am an” + super.type); } }</a:t>
+            </a:r>
+          </a:p>
+          <a:p>
+            <a:pPr lvl="0" indent="0">
+              <a:buNone/>
+            </a:pPr>
+            <a:r>
+              <a:rPr>
+                <a:latin typeface="Courier"/>
+              </a:rPr>
+              <a:t>
+---
+## Example 3: Access superclass attribute
+``` Java linenums="1"
+class Main {
+  public static void main(String[] args) {
+    Dog dog1 = new Dog();
+    dog1.printType();
+  }
+}
+</a:t>
+            </a:r>
+          </a:p>
+        </p:txBody>
+      </p:sp>
+    </p:spTree>
+  </p:cSld>
+</p:sld>
+</file>
+
 <file path=ppt/slides/slide3.xml><?xml version="1.0" encoding="utf-8"?>
 <p:sld xmlns:a="http://schemas.openxmlformats.org/drawingml/2006/main" xmlns:r="http://schemas.openxmlformats.org/officeDocument/2006/relationships" xmlns:p="http://schemas.openxmlformats.org/presentationml/2006/main">
   <p:cSld>
@@ -3296,7 +5992,7 @@
             </a:pPr>
             <a:r>
               <a:rPr/>
-              <a:t>Week-2 (TBD)</a:t>
+              <a:t>Week-2 (OOP with Java-II)</a:t>
             </a:r>
           </a:p>
         </p:txBody>
@@ -3360,6 +6056,987 @@
                 <a:hlinkClick r:id="rId4"/>
               </a:rPr>
               <a:t>PPTX</a:t>
+            </a:r>
+          </a:p>
+        </p:txBody>
+      </p:sp>
+    </p:spTree>
+  </p:cSld>
+</p:sld>
+</file>
+
+<file path=ppt/slides/slide30.xml><?xml version="1.0" encoding="utf-8"?>
+<p:sld xmlns:a="http://schemas.openxmlformats.org/drawingml/2006/main" xmlns:r="http://schemas.openxmlformats.org/officeDocument/2006/relationships" xmlns:p="http://schemas.openxmlformats.org/presentationml/2006/main">
+  <p:cSld>
+    <p:spTree>
+      <p:nvGrpSpPr>
+        <p:cNvPr id="1" name=""/>
+        <p:cNvGrpSpPr/>
+        <p:nvPr/>
+      </p:nvGrpSpPr>
+      <p:grpSpPr>
+        <a:xfrm>
+          <a:off x="0" y="0"/>
+          <a:ext cx="0" cy="0"/>
+          <a:chOff x="0" y="0"/>
+          <a:chExt cx="0" cy="0"/>
+        </a:xfrm>
+      </p:grpSpPr>
+      <p:sp>
+        <p:nvSpPr>
+          <p:cNvPr id="2" name="Title 1"/>
+          <p:cNvSpPr>
+            <a:spLocks noGrp="1"/>
+          </p:cNvSpPr>
+          <p:nvPr>
+            <p:ph type="title"/>
+          </p:nvPr>
+        </p:nvSpPr>
+        <p:spPr/>
+        <p:txBody>
+          <a:bodyPr/>
+          <a:lstStyle/>
+          <a:p>
+            <a:pPr lvl="0" indent="0" marL="0">
+              <a:buNone/>
+            </a:pPr>
+            <a:r>
+              <a:rPr/>
+              <a:t>Example 3: Access superclass attribute</a:t>
+            </a:r>
+          </a:p>
+        </p:txBody>
+      </p:sp>
+      <p:sp>
+        <p:nvSpPr>
+          <p:cNvPr id="3" name="Content Placeholder 2"/>
+          <p:cNvSpPr>
+            <a:spLocks noGrp="1"/>
+          </p:cNvSpPr>
+          <p:nvPr>
+            <p:ph idx="1"/>
+          </p:nvPr>
+        </p:nvSpPr>
+        <p:spPr/>
+        <p:txBody>
+          <a:bodyPr/>
+          <a:lstStyle/>
+          <a:p>
+            <a:pPr lvl="0"/>
+            <a:r>
+              <a:rPr/>
+              <a:t>In this example, we have defined the same instance field </a:t>
+            </a:r>
+            <a:r>
+              <a:rPr>
+                <a:latin typeface="Courier"/>
+              </a:rPr>
+              <a:t>type</a:t>
+            </a:r>
+            <a:r>
+              <a:rPr/>
+              <a:t> in both the superclass </a:t>
+            </a:r>
+            <a:r>
+              <a:rPr>
+                <a:latin typeface="Courier"/>
+              </a:rPr>
+              <a:t>Animal</a:t>
+            </a:r>
+            <a:r>
+              <a:rPr/>
+              <a:t> and the subclass </a:t>
+            </a:r>
+            <a:r>
+              <a:rPr>
+                <a:latin typeface="Courier"/>
+              </a:rPr>
+              <a:t>Dog</a:t>
+            </a:r>
+            <a:r>
+              <a:rPr/>
+              <a:t>.</a:t>
+            </a:r>
+          </a:p>
+          <a:p>
+            <a:pPr lvl="0"/>
+            <a:r>
+              <a:rPr/>
+              <a:t>We then created an object </a:t>
+            </a:r>
+            <a:r>
+              <a:rPr>
+                <a:latin typeface="Courier"/>
+              </a:rPr>
+              <a:t>dog1</a:t>
+            </a:r>
+            <a:r>
+              <a:rPr/>
+              <a:t> of the Dog class. Then, the </a:t>
+            </a:r>
+            <a:r>
+              <a:rPr>
+                <a:latin typeface="Courier"/>
+              </a:rPr>
+              <a:t>printType()</a:t>
+            </a:r>
+            <a:r>
+              <a:rPr/>
+              <a:t> method is called using this object.</a:t>
+            </a:r>
+          </a:p>
+          <a:p>
+            <a:pPr lvl="1"/>
+            <a:r>
+              <a:rPr/>
+              <a:t>Inside the </a:t>
+            </a:r>
+            <a:r>
+              <a:rPr>
+                <a:latin typeface="Courier"/>
+              </a:rPr>
+              <a:t>printType()</a:t>
+            </a:r>
+            <a:r>
+              <a:rPr/>
+              <a:t> function,</a:t>
+            </a:r>
+          </a:p>
+          <a:p>
+            <a:pPr lvl="2"/>
+            <a:r>
+              <a:rPr>
+                <a:latin typeface="Courier"/>
+              </a:rPr>
+              <a:t>type</a:t>
+            </a:r>
+            <a:r>
+              <a:rPr/>
+              <a:t> refers to the attribute of the subclass </a:t>
+            </a:r>
+            <a:r>
+              <a:rPr>
+                <a:latin typeface="Courier"/>
+              </a:rPr>
+              <a:t>Dog</a:t>
+            </a:r>
+            <a:r>
+              <a:rPr/>
+              <a:t>.</a:t>
+            </a:r>
+          </a:p>
+          <a:p>
+            <a:pPr lvl="2"/>
+            <a:r>
+              <a:rPr>
+                <a:latin typeface="Courier"/>
+              </a:rPr>
+              <a:t>super.type</a:t>
+            </a:r>
+            <a:r>
+              <a:rPr/>
+              <a:t> refers to the attribute of the superclass Animal.</a:t>
+            </a:r>
+          </a:p>
+        </p:txBody>
+      </p:sp>
+    </p:spTree>
+  </p:cSld>
+</p:sld>
+</file>
+
+<file path=ppt/slides/slide31.xml><?xml version="1.0" encoding="utf-8"?>
+<p:sld xmlns:a="http://schemas.openxmlformats.org/drawingml/2006/main" xmlns:r="http://schemas.openxmlformats.org/officeDocument/2006/relationships" xmlns:p="http://schemas.openxmlformats.org/presentationml/2006/main">
+  <p:cSld>
+    <p:spTree>
+      <p:nvGrpSpPr>
+        <p:cNvPr id="1" name=""/>
+        <p:cNvGrpSpPr/>
+        <p:nvPr/>
+      </p:nvGrpSpPr>
+      <p:grpSpPr>
+        <a:xfrm>
+          <a:off x="0" y="0"/>
+          <a:ext cx="0" cy="0"/>
+          <a:chOff x="0" y="0"/>
+          <a:chExt cx="0" cy="0"/>
+        </a:xfrm>
+      </p:grpSpPr>
+      <p:sp>
+        <p:nvSpPr>
+          <p:cNvPr id="2" name="Title 1"/>
+          <p:cNvSpPr>
+            <a:spLocks noGrp="1"/>
+          </p:cNvSpPr>
+          <p:nvPr>
+            <p:ph type="title"/>
+          </p:nvPr>
+        </p:nvSpPr>
+        <p:spPr/>
+        <p:txBody>
+          <a:bodyPr/>
+          <a:lstStyle/>
+          <a:p>
+            <a:pPr lvl="0" indent="0" marL="0">
+              <a:buNone/>
+            </a:pPr>
+            <a:r>
+              <a:rPr/>
+              <a:t>Use of super() to access superclass constructor</a:t>
+            </a:r>
+          </a:p>
+        </p:txBody>
+      </p:sp>
+      <p:sp>
+        <p:nvSpPr>
+          <p:cNvPr id="3" name="Content Placeholder 2"/>
+          <p:cNvSpPr>
+            <a:spLocks noGrp="1"/>
+          </p:cNvSpPr>
+          <p:nvPr>
+            <p:ph idx="1"/>
+          </p:nvPr>
+        </p:nvSpPr>
+        <p:spPr/>
+        <p:txBody>
+          <a:bodyPr/>
+          <a:lstStyle/>
+          <a:p>
+            <a:pPr lvl="0"/>
+            <a:r>
+              <a:rPr/>
+              <a:t>As we know, when an object of a class is created, its default constructor is automatically called.</a:t>
+            </a:r>
+          </a:p>
+          <a:p>
+            <a:pPr lvl="0"/>
+            <a:r>
+              <a:rPr/>
+              <a:t>To explicitly call the superclass constructor from the subclass constructor, we use </a:t>
+            </a:r>
+            <a:r>
+              <a:rPr>
+                <a:latin typeface="Courier"/>
+              </a:rPr>
+              <a:t>super()</a:t>
+            </a:r>
+            <a:r>
+              <a:rPr/>
+              <a:t>. It’s a special form of the super keyword.</a:t>
+            </a:r>
+          </a:p>
+          <a:p>
+            <a:pPr lvl="0"/>
+            <a:r>
+              <a:rPr>
+                <a:latin typeface="Courier"/>
+              </a:rPr>
+              <a:t>super()</a:t>
+            </a:r>
+            <a:r>
+              <a:rPr/>
+              <a:t> can be used only inside the subclass constructor and must be the first statement.</a:t>
+            </a:r>
+          </a:p>
+        </p:txBody>
+      </p:sp>
+    </p:spTree>
+  </p:cSld>
+</p:sld>
+</file>
+
+<file path=ppt/slides/slide32.xml><?xml version="1.0" encoding="utf-8"?>
+<p:sld xmlns:a="http://schemas.openxmlformats.org/drawingml/2006/main" xmlns:r="http://schemas.openxmlformats.org/officeDocument/2006/relationships" xmlns:p="http://schemas.openxmlformats.org/presentationml/2006/main">
+  <p:cSld>
+    <p:spTree>
+      <p:nvGrpSpPr>
+        <p:cNvPr id="1" name=""/>
+        <p:cNvGrpSpPr/>
+        <p:nvPr/>
+      </p:nvGrpSpPr>
+      <p:grpSpPr>
+        <a:xfrm>
+          <a:off x="0" y="0"/>
+          <a:ext cx="0" cy="0"/>
+          <a:chOff x="0" y="0"/>
+          <a:chExt cx="0" cy="0"/>
+        </a:xfrm>
+      </p:grpSpPr>
+      <p:sp>
+        <p:nvSpPr>
+          <p:cNvPr id="2" name="Title 1"/>
+          <p:cNvSpPr>
+            <a:spLocks noGrp="1"/>
+          </p:cNvSpPr>
+          <p:nvPr>
+            <p:ph type="title"/>
+          </p:nvPr>
+        </p:nvSpPr>
+        <p:spPr/>
+        <p:txBody>
+          <a:bodyPr/>
+          <a:lstStyle/>
+          <a:p>
+            <a:pPr lvl="0" indent="0" marL="0">
+              <a:buNone/>
+            </a:pPr>
+            <a:r>
+              <a:rPr/>
+              <a:t>Example 4: Use of super()</a:t>
+            </a:r>
+          </a:p>
+        </p:txBody>
+      </p:sp>
+      <p:sp>
+        <p:nvSpPr>
+          <p:cNvPr id="3" name="Content Placeholder 2"/>
+          <p:cNvSpPr>
+            <a:spLocks noGrp="1"/>
+          </p:cNvSpPr>
+          <p:nvPr>
+            <p:ph idx="1"/>
+          </p:nvPr>
+        </p:nvSpPr>
+        <p:spPr/>
+        <p:txBody>
+          <a:bodyPr/>
+          <a:lstStyle/>
+          <a:p>
+            <a:pPr lvl="0" indent="0" marL="0">
+              <a:buNone/>
+            </a:pPr>
+            <a:r>
+              <a:rPr/>
+              <a:t>``` Java linenums=“1” class Animal {</a:t>
+            </a:r>
+          </a:p>
+          <a:p>
+            <a:pPr lvl="0" indent="0" marL="0">
+              <a:buNone/>
+            </a:pPr>
+            <a:r>
+              <a:rPr/>
+              <a:t>// default or no-arg constructor of class Animal Animal() { System.out.println(“I am an animal”); } }</a:t>
+            </a:r>
+          </a:p>
+          <a:p>
+            <a:pPr lvl="0" indent="0">
+              <a:buNone/>
+            </a:pPr>
+            <a:r>
+              <a:rPr>
+                <a:latin typeface="Courier"/>
+              </a:rPr>
+              <a:t>
+---
+## Example 4: Use of super()
+``` Java linenums="1"
+class Dog extends Animal {
+  // default or no-arg constructor of class Dog
+  Dog() {
+    // calling default constructor of the superclass
+    super();
+    System.out.println("I am a dog");
+  }
+}</a:t>
+            </a:r>
+          </a:p>
+        </p:txBody>
+      </p:sp>
+    </p:spTree>
+  </p:cSld>
+</p:sld>
+</file>
+
+<file path=ppt/slides/slide33.xml><?xml version="1.0" encoding="utf-8"?>
+<p:sld xmlns:a="http://schemas.openxmlformats.org/drawingml/2006/main" xmlns:r="http://schemas.openxmlformats.org/officeDocument/2006/relationships" xmlns:p="http://schemas.openxmlformats.org/presentationml/2006/main">
+  <p:cSld>
+    <p:spTree>
+      <p:nvGrpSpPr>
+        <p:cNvPr id="1" name=""/>
+        <p:cNvGrpSpPr/>
+        <p:nvPr/>
+      </p:nvGrpSpPr>
+      <p:grpSpPr>
+        <a:xfrm>
+          <a:off x="0" y="0"/>
+          <a:ext cx="0" cy="0"/>
+          <a:chOff x="0" y="0"/>
+          <a:chExt cx="0" cy="0"/>
+        </a:xfrm>
+      </p:grpSpPr>
+      <p:sp>
+        <p:nvSpPr>
+          <p:cNvPr id="2" name="Title 1"/>
+          <p:cNvSpPr>
+            <a:spLocks noGrp="1"/>
+          </p:cNvSpPr>
+          <p:nvPr>
+            <p:ph type="title"/>
+          </p:nvPr>
+        </p:nvSpPr>
+        <p:spPr/>
+        <p:txBody>
+          <a:bodyPr/>
+          <a:lstStyle/>
+          <a:p>
+            <a:pPr lvl="0" indent="0" marL="0">
+              <a:buNone/>
+            </a:pPr>
+            <a:r>
+              <a:rPr/>
+              <a:t>Example 4: Use of super()</a:t>
+            </a:r>
+          </a:p>
+        </p:txBody>
+      </p:sp>
+      <p:sp>
+        <p:nvSpPr>
+          <p:cNvPr id="3" name="Content Placeholder 2"/>
+          <p:cNvSpPr>
+            <a:spLocks noGrp="1"/>
+          </p:cNvSpPr>
+          <p:nvPr>
+            <p:ph idx="1"/>
+          </p:nvPr>
+        </p:nvSpPr>
+        <p:spPr/>
+        <p:txBody>
+          <a:bodyPr/>
+          <a:lstStyle/>
+          <a:p>
+            <a:pPr lvl="0" indent="0" marL="0">
+              <a:buNone/>
+            </a:pPr>
+            <a:r>
+              <a:rPr>
+                <a:latin typeface="Courier"/>
+              </a:rPr>
+              <a:t>Java linenums="1" class Main {   public static void main(String[] args) {     Dog dog1 = new Dog();   } }</a:t>
+            </a:r>
+          </a:p>
+        </p:txBody>
+      </p:sp>
+    </p:spTree>
+  </p:cSld>
+</p:sld>
+</file>
+
+<file path=ppt/slides/slide34.xml><?xml version="1.0" encoding="utf-8"?>
+<p:sld xmlns:a="http://schemas.openxmlformats.org/drawingml/2006/main" xmlns:r="http://schemas.openxmlformats.org/officeDocument/2006/relationships" xmlns:p="http://schemas.openxmlformats.org/presentationml/2006/main">
+  <p:cSld>
+    <p:spTree>
+      <p:nvGrpSpPr>
+        <p:cNvPr id="1" name=""/>
+        <p:cNvGrpSpPr/>
+        <p:nvPr/>
+      </p:nvGrpSpPr>
+      <p:grpSpPr>
+        <a:xfrm>
+          <a:off x="0" y="0"/>
+          <a:ext cx="0" cy="0"/>
+          <a:chOff x="0" y="0"/>
+          <a:chExt cx="0" cy="0"/>
+        </a:xfrm>
+      </p:grpSpPr>
+      <p:sp>
+        <p:nvSpPr>
+          <p:cNvPr id="2" name="Title 1"/>
+          <p:cNvSpPr>
+            <a:spLocks noGrp="1"/>
+          </p:cNvSpPr>
+          <p:nvPr>
+            <p:ph type="title"/>
+          </p:nvPr>
+        </p:nvSpPr>
+        <p:spPr/>
+        <p:txBody>
+          <a:bodyPr/>
+          <a:lstStyle/>
+          <a:p>
+            <a:pPr lvl="0" indent="0" marL="0">
+              <a:buNone/>
+            </a:pPr>
+            <a:r>
+              <a:rPr/>
+              <a:t>Example 4: Use of super()</a:t>
+            </a:r>
+          </a:p>
+        </p:txBody>
+      </p:sp>
+      <p:sp>
+        <p:nvSpPr>
+          <p:cNvPr id="3" name="Content Placeholder 2"/>
+          <p:cNvSpPr>
+            <a:spLocks noGrp="1"/>
+          </p:cNvSpPr>
+          <p:nvPr>
+            <p:ph idx="1"/>
+          </p:nvPr>
+        </p:nvSpPr>
+        <p:spPr/>
+        <p:txBody>
+          <a:bodyPr/>
+          <a:lstStyle/>
+          <a:p>
+            <a:pPr lvl="0"/>
+            <a:r>
+              <a:rPr/>
+              <a:t>when an object dog1 of Dog class is created, it automatically calls the default or no-arg constructor of that class.</a:t>
+            </a:r>
+          </a:p>
+          <a:p>
+            <a:pPr lvl="0"/>
+            <a:r>
+              <a:rPr/>
+              <a:t>Inside the subclass constructor, the super() statement calls the constructor of the superclass and executes the statements inside it. Hence, we get the output I am an animal.</a:t>
+            </a:r>
+          </a:p>
+        </p:txBody>
+      </p:sp>
+    </p:spTree>
+  </p:cSld>
+</p:sld>
+</file>
+
+<file path=ppt/slides/slide35.xml><?xml version="1.0" encoding="utf-8"?>
+<p:sld xmlns:a="http://schemas.openxmlformats.org/drawingml/2006/main" xmlns:r="http://schemas.openxmlformats.org/officeDocument/2006/relationships" xmlns:p="http://schemas.openxmlformats.org/presentationml/2006/main">
+  <p:cSld>
+    <p:spTree>
+      <p:nvGrpSpPr>
+        <p:cNvPr id="1" name=""/>
+        <p:cNvGrpSpPr/>
+        <p:nvPr/>
+      </p:nvGrpSpPr>
+      <p:grpSpPr>
+        <a:xfrm>
+          <a:off x="0" y="0"/>
+          <a:ext cx="0" cy="0"/>
+          <a:chOff x="0" y="0"/>
+          <a:chExt cx="0" cy="0"/>
+        </a:xfrm>
+      </p:grpSpPr>
+      <p:sp>
+        <p:nvSpPr>
+          <p:cNvPr id="2" name="Title 1"/>
+          <p:cNvSpPr>
+            <a:spLocks noGrp="1"/>
+          </p:cNvSpPr>
+          <p:nvPr>
+            <p:ph type="title"/>
+          </p:nvPr>
+        </p:nvSpPr>
+        <p:spPr/>
+        <p:txBody>
+          <a:bodyPr/>
+          <a:lstStyle/>
+          <a:p>
+            <a:pPr lvl="0" indent="0" marL="0">
+              <a:buNone/>
+            </a:pPr>
+            <a:r>
+              <a:rPr/>
+              <a:t>Example 4: Use of super()</a:t>
+            </a:r>
+          </a:p>
+        </p:txBody>
+      </p:sp>
+      <p:pic>
+        <p:nvPicPr>
+          <p:cNvPr descr="fig:  assets/super()-example.png" id="0" name="Picture 1"/>
+          <p:cNvPicPr>
+            <a:picLocks noGrp="1" noChangeAspect="1"/>
+          </p:cNvPicPr>
+          <p:nvPr/>
+        </p:nvPicPr>
+        <p:blipFill>
+          <a:blip r:embed="rId2"/>
+          <a:stretch>
+            <a:fillRect/>
+          </a:stretch>
+        </p:blipFill>
+        <p:spPr bwMode="auto">
+          <a:xfrm>
+            <a:off x="1562100" y="1600200"/>
+            <a:ext cx="6019800" cy="4013200"/>
+          </a:xfrm>
+          <a:prstGeom prst="rect">
+            <a:avLst/>
+          </a:prstGeom>
+          <a:noFill/>
+          <a:ln w="9525">
+            <a:noFill/>
+            <a:headEnd/>
+            <a:tailEnd/>
+          </a:ln>
+        </p:spPr>
+      </p:pic>
+      <p:sp>
+        <p:nvSpPr>
+          <p:cNvPr id="1" name="TextBox 3"/>
+          <p:cNvSpPr txBox="1"/>
+          <p:nvPr/>
+        </p:nvSpPr>
+        <p:spPr>
+          <a:xfrm>
+            <a:off x="457200" y="5613400"/>
+            <a:ext cx="8229600" cy="508000"/>
+          </a:xfrm>
+          <a:prstGeom prst="rect">
+            <a:avLst/>
+          </a:prstGeom>
+          <a:noFill/>
+        </p:spPr>
+        <p:txBody>
+          <a:bodyPr/>
+          <a:lstStyle/>
+          <a:p>
+            <a:pPr lvl="0" indent="0" marL="0" algn="ctr">
+              <a:buNone/>
+            </a:pPr>
+            <a:r>
+              <a:rPr/>
+              <a:t>bg right:50% h:400px</a:t>
+            </a:r>
+          </a:p>
+        </p:txBody>
+      </p:sp>
+    </p:spTree>
+  </p:cSld>
+</p:sld>
+</file>
+
+<file path=ppt/slides/slide36.xml><?xml version="1.0" encoding="utf-8"?>
+<p:sld xmlns:a="http://schemas.openxmlformats.org/drawingml/2006/main" xmlns:r="http://schemas.openxmlformats.org/officeDocument/2006/relationships" xmlns:p="http://schemas.openxmlformats.org/presentationml/2006/main">
+  <p:cSld>
+    <p:spTree>
+      <p:nvGrpSpPr>
+        <p:cNvPr id="1" name=""/>
+        <p:cNvGrpSpPr/>
+        <p:nvPr/>
+      </p:nvGrpSpPr>
+      <p:grpSpPr>
+        <a:xfrm>
+          <a:off x="0" y="0"/>
+          <a:ext cx="0" cy="0"/>
+          <a:chOff x="0" y="0"/>
+          <a:chExt cx="0" cy="0"/>
+        </a:xfrm>
+      </p:grpSpPr>
+      <p:sp>
+        <p:nvSpPr>
+          <p:cNvPr id="3" name="Content Placeholder 2"/>
+          <p:cNvSpPr>
+            <a:spLocks noGrp="1"/>
+          </p:cNvSpPr>
+          <p:nvPr>
+            <p:ph idx="1"/>
+          </p:nvPr>
+        </p:nvSpPr>
+        <p:spPr/>
+        <p:txBody>
+          <a:bodyPr/>
+          <a:lstStyle/>
+          <a:p>
+            <a:pPr lvl="0" indent="0" marL="0">
+              <a:buNone/>
+            </a:pPr>
+            <a:r>
+              <a:rPr/>
+              <a:t>The flow of the program then returns back to the subclass constructor and executes the remaining statements. Thus, I am a dog will be printed.</a:t>
+            </a:r>
+          </a:p>
+          <a:p>
+            <a:pPr lvl="0" indent="0" marL="0">
+              <a:buNone/>
+            </a:pPr>
+            <a:r>
+              <a:rPr/>
+              <a:t>However, using super() is not compulsory. Even if super() is not used in the subclass constructor, the compiler implicitly calls the default constructor of the superclass.</a:t>
+            </a:r>
+          </a:p>
+        </p:txBody>
+      </p:sp>
+    </p:spTree>
+  </p:cSld>
+</p:sld>
+</file>
+
+<file path=ppt/slides/slide37.xml><?xml version="1.0" encoding="utf-8"?>
+<p:sld xmlns:a="http://schemas.openxmlformats.org/drawingml/2006/main" xmlns:r="http://schemas.openxmlformats.org/officeDocument/2006/relationships" xmlns:p="http://schemas.openxmlformats.org/presentationml/2006/main">
+  <p:cSld>
+    <p:spTree>
+      <p:nvGrpSpPr>
+        <p:cNvPr id="1" name=""/>
+        <p:cNvGrpSpPr/>
+        <p:nvPr/>
+      </p:nvGrpSpPr>
+      <p:grpSpPr>
+        <a:xfrm>
+          <a:off x="0" y="0"/>
+          <a:ext cx="0" cy="0"/>
+          <a:chOff x="0" y="0"/>
+          <a:chExt cx="0" cy="0"/>
+        </a:xfrm>
+      </p:grpSpPr>
+      <p:sp>
+        <p:nvSpPr>
+          <p:cNvPr id="2" name="Title 1"/>
+          <p:cNvSpPr>
+            <a:spLocks noGrp="1"/>
+          </p:cNvSpPr>
+          <p:nvPr>
+            <p:ph type="title"/>
+          </p:nvPr>
+        </p:nvSpPr>
+        <p:spPr/>
+        <p:txBody>
+          <a:bodyPr/>
+          <a:lstStyle/>
+          <a:p>
+            <a:pPr lvl="0" indent="0" marL="0">
+              <a:buNone/>
+            </a:pPr>
+            <a:r>
+              <a:rPr/>
+              <a:t>Example 4: Use of super()</a:t>
+            </a:r>
+          </a:p>
+        </p:txBody>
+      </p:sp>
+      <p:sp>
+        <p:nvSpPr>
+          <p:cNvPr id="3" name="Content Placeholder 2"/>
+          <p:cNvSpPr>
+            <a:spLocks noGrp="1"/>
+          </p:cNvSpPr>
+          <p:nvPr>
+            <p:ph idx="1"/>
+          </p:nvPr>
+        </p:nvSpPr>
+        <p:spPr/>
+        <p:txBody>
+          <a:bodyPr/>
+          <a:lstStyle/>
+          <a:p>
+            <a:pPr lvl="0"/>
+            <a:r>
+              <a:rPr b="1"/>
+              <a:t>So, why use redundant code if the compiler automatically invokes super()?</a:t>
+            </a:r>
+          </a:p>
+          <a:p>
+            <a:pPr lvl="1"/>
+            <a:r>
+              <a:rPr/>
+              <a:t>It is required if the parameterized constructor (a constructor that takes arguments) of the superclass has to be called from the subclass constructor.</a:t>
+            </a:r>
+          </a:p>
+          <a:p>
+            <a:pPr lvl="0"/>
+            <a:r>
+              <a:rPr/>
+              <a:t>The parameterized super() must always be the first statement</a:t>
+            </a:r>
+          </a:p>
+          <a:p>
+            <a:pPr lvl="1"/>
+            <a:r>
+              <a:rPr/>
+              <a:t>in the body of the constructor of the subclass,</a:t>
+            </a:r>
+          </a:p>
+          <a:p>
+            <a:pPr lvl="1"/>
+            <a:r>
+              <a:rPr/>
+              <a:t>otherwise, we get a compilation error.</a:t>
+            </a:r>
+          </a:p>
+        </p:txBody>
+      </p:sp>
+    </p:spTree>
+  </p:cSld>
+</p:sld>
+</file>
+
+<file path=ppt/slides/slide38.xml><?xml version="1.0" encoding="utf-8"?>
+<p:sld xmlns:a="http://schemas.openxmlformats.org/drawingml/2006/main" xmlns:r="http://schemas.openxmlformats.org/officeDocument/2006/relationships" xmlns:p="http://schemas.openxmlformats.org/presentationml/2006/main">
+  <p:cSld>
+    <p:spTree>
+      <p:nvGrpSpPr>
+        <p:cNvPr id="1" name=""/>
+        <p:cNvGrpSpPr/>
+        <p:nvPr/>
+      </p:nvGrpSpPr>
+      <p:grpSpPr>
+        <a:xfrm>
+          <a:off x="0" y="0"/>
+          <a:ext cx="0" cy="0"/>
+          <a:chOff x="0" y="0"/>
+          <a:chExt cx="0" cy="0"/>
+        </a:xfrm>
+      </p:grpSpPr>
+      <p:sp>
+        <p:nvSpPr>
+          <p:cNvPr id="2" name="Title 1"/>
+          <p:cNvSpPr>
+            <a:spLocks noGrp="1"/>
+          </p:cNvSpPr>
+          <p:nvPr>
+            <p:ph type="title"/>
+          </p:nvPr>
+        </p:nvSpPr>
+        <p:spPr/>
+        <p:txBody>
+          <a:bodyPr/>
+          <a:lstStyle/>
+          <a:p>
+            <a:pPr lvl="0" indent="0" marL="0">
+              <a:buNone/>
+            </a:pPr>
+            <a:r>
+              <a:rPr/>
+              <a:t>Example 5: Call Parameterized Constructor Using super()</a:t>
+            </a:r>
+          </a:p>
+        </p:txBody>
+      </p:sp>
+      <p:sp>
+        <p:nvSpPr>
+          <p:cNvPr id="3" name="Content Placeholder 2"/>
+          <p:cNvSpPr>
+            <a:spLocks noGrp="1"/>
+          </p:cNvSpPr>
+          <p:nvPr>
+            <p:ph idx="1"/>
+          </p:nvPr>
+        </p:nvSpPr>
+        <p:spPr/>
+        <p:txBody>
+          <a:bodyPr/>
+          <a:lstStyle/>
+          <a:p>
+            <a:pPr lvl="0" indent="0" marL="0">
+              <a:buNone/>
+            </a:pPr>
+            <a:r>
+              <a:rPr/>
+              <a:t>``` Java linenums=“1” class Animal {</a:t>
+            </a:r>
+          </a:p>
+          <a:p>
+            <a:pPr lvl="0" indent="0" marL="0">
+              <a:buNone/>
+            </a:pPr>
+            <a:r>
+              <a:rPr/>
+              <a:t>// default or no-arg constructor Animal() { System.out.println(“I am an animal”); }</a:t>
+            </a:r>
+          </a:p>
+          <a:p>
+            <a:pPr lvl="0" indent="0" marL="0">
+              <a:buNone/>
+            </a:pPr>
+            <a:r>
+              <a:rPr/>
+              <a:t>// parameterized constructor Animal(String type) { System.out.println(“Type:”+type); } }</a:t>
+            </a:r>
+          </a:p>
+          <a:p>
+            <a:pPr lvl="0" indent="0">
+              <a:buNone/>
+            </a:pPr>
+            <a:r>
+              <a:rPr>
+                <a:latin typeface="Courier"/>
+              </a:rPr>
+              <a:t>
+---
+## Example 5: Call Parameterized Constructor Using super()
+``` Java linenums="1"
+class Dog extends Animal {
+  // default constructor
+  Dog() {
+    // calling parameterized constructor of the superclass
+    super("Animal");
+    System.out.println("I am a dog");
+  }
+}</a:t>
+            </a:r>
+          </a:p>
+        </p:txBody>
+      </p:sp>
+    </p:spTree>
+  </p:cSld>
+</p:sld>
+</file>
+
+<file path=ppt/slides/slide39.xml><?xml version="1.0" encoding="utf-8"?>
+<p:sld xmlns:a="http://schemas.openxmlformats.org/drawingml/2006/main" xmlns:r="http://schemas.openxmlformats.org/officeDocument/2006/relationships" xmlns:p="http://schemas.openxmlformats.org/presentationml/2006/main">
+  <p:cSld>
+    <p:spTree>
+      <p:nvGrpSpPr>
+        <p:cNvPr id="1" name=""/>
+        <p:cNvGrpSpPr/>
+        <p:nvPr/>
+      </p:nvGrpSpPr>
+      <p:grpSpPr>
+        <a:xfrm>
+          <a:off x="0" y="0"/>
+          <a:ext cx="0" cy="0"/>
+          <a:chOff x="0" y="0"/>
+          <a:chExt cx="0" cy="0"/>
+        </a:xfrm>
+      </p:grpSpPr>
+      <p:sp>
+        <p:nvSpPr>
+          <p:cNvPr id="2" name="Title 1"/>
+          <p:cNvSpPr>
+            <a:spLocks noGrp="1"/>
+          </p:cNvSpPr>
+          <p:nvPr>
+            <p:ph type="title"/>
+          </p:nvPr>
+        </p:nvSpPr>
+        <p:spPr/>
+        <p:txBody>
+          <a:bodyPr/>
+          <a:lstStyle/>
+          <a:p>
+            <a:pPr lvl="0" indent="0" marL="0">
+              <a:buNone/>
+            </a:pPr>
+            <a:r>
+              <a:rPr/>
+              <a:t>Example 5: Call Parameterized Constructor Using super()</a:t>
+            </a:r>
+          </a:p>
+        </p:txBody>
+      </p:sp>
+      <p:sp>
+        <p:nvSpPr>
+          <p:cNvPr id="3" name="Content Placeholder 2"/>
+          <p:cNvSpPr>
+            <a:spLocks noGrp="1"/>
+          </p:cNvSpPr>
+          <p:nvPr>
+            <p:ph idx="1"/>
+          </p:nvPr>
+        </p:nvSpPr>
+        <p:spPr/>
+        <p:txBody>
+          <a:bodyPr/>
+          <a:lstStyle/>
+          <a:p>
+            <a:pPr lvl="0" indent="0" marL="0">
+              <a:buNone/>
+            </a:pPr>
+            <a:r>
+              <a:rPr>
+                <a:latin typeface="Courier"/>
+              </a:rPr>
+              <a:t>Java linenums="1" class Main {   public static void main(String[] args) {     Dog dog1 = new Dog();   } }</a:t>
             </a:r>
           </a:p>
         </p:txBody>
@@ -3405,8 +7082,994 @@
               <a:buNone/>
             </a:pPr>
             <a:r>
-              <a:rPr/>
-              <a:t>Title</a:t>
+              <a:rPr b="1"/>
+              <a:t>OOP with Java-II</a:t>
+            </a:r>
+          </a:p>
+        </p:txBody>
+      </p:sp>
+    </p:spTree>
+  </p:cSld>
+</p:sld>
+</file>
+
+<file path=ppt/slides/slide40.xml><?xml version="1.0" encoding="utf-8"?>
+<p:sld xmlns:a="http://schemas.openxmlformats.org/drawingml/2006/main" xmlns:r="http://schemas.openxmlformats.org/officeDocument/2006/relationships" xmlns:p="http://schemas.openxmlformats.org/presentationml/2006/main">
+  <p:cSld>
+    <p:spTree>
+      <p:nvGrpSpPr>
+        <p:cNvPr id="1" name=""/>
+        <p:cNvGrpSpPr/>
+        <p:nvPr/>
+      </p:nvGrpSpPr>
+      <p:grpSpPr>
+        <a:xfrm>
+          <a:off x="0" y="0"/>
+          <a:ext cx="0" cy="0"/>
+          <a:chOff x="0" y="0"/>
+          <a:chExt cx="0" cy="0"/>
+        </a:xfrm>
+      </p:grpSpPr>
+      <p:sp>
+        <p:nvSpPr>
+          <p:cNvPr id="2" name="Title 1"/>
+          <p:cNvSpPr>
+            <a:spLocks noGrp="1"/>
+          </p:cNvSpPr>
+          <p:nvPr>
+            <p:ph type="title"/>
+          </p:nvPr>
+        </p:nvSpPr>
+        <p:spPr>
+          <a:xfrm>
+            <a:off x="457200" y="273050"/>
+            <a:ext cx="3008313" cy="1162050"/>
+          </a:xfrm>
+        </p:spPr>
+        <p:txBody>
+          <a:bodyPr/>
+          <a:lstStyle/>
+          <a:p>
+            <a:pPr lvl="0" indent="0" marL="0">
+              <a:buNone/>
+            </a:pPr>
+            <a:r>
+              <a:rPr/>
+              <a:t>Example 5: Call Parameterized Constructor Using super()</a:t>
+            </a:r>
+          </a:p>
+        </p:txBody>
+      </p:sp>
+      <p:sp>
+        <p:nvSpPr>
+          <p:cNvPr id="4" name="Text Placeholder 3"/>
+          <p:cNvSpPr>
+            <a:spLocks noGrp="1"/>
+          </p:cNvSpPr>
+          <p:nvPr>
+            <p:ph idx="2" sz="half" type="body"/>
+          </p:nvPr>
+        </p:nvSpPr>
+        <p:spPr/>
+        <p:txBody>
+          <a:bodyPr/>
+          <a:lstStyle/>
+          <a:p>
+            <a:pPr lvl="0" indent="0" marL="0">
+              <a:buNone/>
+            </a:pPr>
+            <a:r>
+              <a:rPr/>
+              <a:t>If a parameterized constructor has to be called, we need to explicitly define it in the subclass constructor.</a:t>
+            </a:r>
+          </a:p>
+        </p:txBody>
+      </p:sp>
+      <p:pic>
+        <p:nvPicPr>
+          <p:cNvPr descr="fig:  assets/parameterized-super-example.png" id="0" name="Picture 1"/>
+          <p:cNvPicPr>
+            <a:picLocks noGrp="1" noChangeAspect="1"/>
+          </p:cNvPicPr>
+          <p:nvPr/>
+        </p:nvPicPr>
+        <p:blipFill>
+          <a:blip r:embed="rId2"/>
+          <a:stretch>
+            <a:fillRect/>
+          </a:stretch>
+        </p:blipFill>
+        <p:spPr bwMode="auto">
+          <a:xfrm>
+            <a:off x="3568700" y="1231900"/>
+            <a:ext cx="5105400" cy="3403600"/>
+          </a:xfrm>
+          <a:prstGeom prst="rect">
+            <a:avLst/>
+          </a:prstGeom>
+          <a:noFill/>
+          <a:ln w="9525">
+            <a:noFill/>
+            <a:headEnd/>
+            <a:tailEnd/>
+          </a:ln>
+        </p:spPr>
+      </p:pic>
+      <p:sp>
+        <p:nvSpPr>
+          <p:cNvPr id="1" name="TextBox 3"/>
+          <p:cNvSpPr txBox="1"/>
+          <p:nvPr/>
+        </p:nvSpPr>
+        <p:spPr>
+          <a:xfrm>
+            <a:off x="3568700" y="5600700"/>
+            <a:ext cx="5105400" cy="508000"/>
+          </a:xfrm>
+          <a:prstGeom prst="rect">
+            <a:avLst/>
+          </a:prstGeom>
+          <a:noFill/>
+        </p:spPr>
+        <p:txBody>
+          <a:bodyPr/>
+          <a:lstStyle/>
+          <a:p>
+            <a:pPr lvl="0" indent="0" marL="0" algn="ctr">
+              <a:buNone/>
+            </a:pPr>
+            <a:r>
+              <a:rPr/>
+              <a:t>bg right:50% h:500px</a:t>
+            </a:r>
+          </a:p>
+        </p:txBody>
+      </p:sp>
+    </p:spTree>
+  </p:cSld>
+</p:sld>
+</file>
+
+<file path=ppt/slides/slide41.xml><?xml version="1.0" encoding="utf-8"?>
+<p:sld xmlns:a="http://schemas.openxmlformats.org/drawingml/2006/main" xmlns:r="http://schemas.openxmlformats.org/officeDocument/2006/relationships" xmlns:p="http://schemas.openxmlformats.org/presentationml/2006/main">
+  <p:cSld>
+    <p:spTree>
+      <p:nvGrpSpPr>
+        <p:cNvPr id="1" name=""/>
+        <p:cNvGrpSpPr/>
+        <p:nvPr/>
+      </p:nvGrpSpPr>
+      <p:grpSpPr>
+        <a:xfrm>
+          <a:off x="0" y="0"/>
+          <a:ext cx="0" cy="0"/>
+          <a:chOff x="0" y="0"/>
+          <a:chExt cx="0" cy="0"/>
+        </a:xfrm>
+      </p:grpSpPr>
+      <p:sp>
+        <p:nvSpPr>
+          <p:cNvPr id="2" name="Title 1"/>
+          <p:cNvSpPr>
+            <a:spLocks noGrp="1"/>
+          </p:cNvSpPr>
+          <p:nvPr>
+            <p:ph type="title"/>
+          </p:nvPr>
+        </p:nvSpPr>
+        <p:spPr/>
+        <p:txBody>
+          <a:bodyPr/>
+          <a:lstStyle/>
+          <a:p>
+            <a:pPr lvl="0" indent="0" marL="0">
+              <a:buNone/>
+            </a:pPr>
+            <a:r>
+              <a:rPr/>
+              <a:t>Example 5: Call Parameterized Constructor Using super()</a:t>
+            </a:r>
+          </a:p>
+        </p:txBody>
+      </p:sp>
+      <p:sp>
+        <p:nvSpPr>
+          <p:cNvPr id="3" name="Content Placeholder 2"/>
+          <p:cNvSpPr>
+            <a:spLocks noGrp="1"/>
+          </p:cNvSpPr>
+          <p:nvPr>
+            <p:ph idx="1"/>
+          </p:nvPr>
+        </p:nvSpPr>
+        <p:spPr/>
+        <p:txBody>
+          <a:bodyPr/>
+          <a:lstStyle/>
+          <a:p>
+            <a:pPr lvl="0" indent="0" marL="0">
+              <a:buNone/>
+            </a:pPr>
+            <a:r>
+              <a:rPr/>
+              <a:t>Note that in the above example, we explicitly called the parameterized constructor super(“Animal”). The compiler does not call the default constructor of the superclass in this case.</a:t>
+            </a:r>
+          </a:p>
+        </p:txBody>
+      </p:sp>
+    </p:spTree>
+  </p:cSld>
+</p:sld>
+</file>
+
+<file path=ppt/slides/slide42.xml><?xml version="1.0" encoding="utf-8"?>
+<p:sld xmlns:a="http://schemas.openxmlformats.org/drawingml/2006/main" xmlns:r="http://schemas.openxmlformats.org/officeDocument/2006/relationships" xmlns:p="http://schemas.openxmlformats.org/presentationml/2006/main">
+  <p:cSld>
+    <p:spTree>
+      <p:nvGrpSpPr>
+        <p:cNvPr id="1" name=""/>
+        <p:cNvGrpSpPr/>
+        <p:nvPr/>
+      </p:nvGrpSpPr>
+      <p:grpSpPr>
+        <a:xfrm>
+          <a:off x="0" y="0"/>
+          <a:ext cx="0" cy="0"/>
+          <a:chOff x="0" y="0"/>
+          <a:chExt cx="0" cy="0"/>
+        </a:xfrm>
+      </p:grpSpPr>
+      <p:sp>
+        <p:nvSpPr>
+          <p:cNvPr id="2" name="Title 1"/>
+          <p:cNvSpPr>
+            <a:spLocks noGrp="1"/>
+          </p:cNvSpPr>
+          <p:nvPr>
+            <p:ph type="title"/>
+          </p:nvPr>
+        </p:nvSpPr>
+        <p:spPr/>
+        <p:txBody>
+          <a:bodyPr/>
+          <a:lstStyle/>
+          <a:p>
+            <a:pPr lvl="0" indent="0" marL="0">
+              <a:buNone/>
+            </a:pPr>
+            <a:r>
+              <a:rPr b="1"/>
+              <a:t>Java final keyword</a:t>
+            </a:r>
+          </a:p>
+        </p:txBody>
+      </p:sp>
+    </p:spTree>
+  </p:cSld>
+</p:sld>
+</file>
+
+<file path=ppt/slides/slide43.xml><?xml version="1.0" encoding="utf-8"?>
+<p:sld xmlns:a="http://schemas.openxmlformats.org/drawingml/2006/main" xmlns:r="http://schemas.openxmlformats.org/officeDocument/2006/relationships" xmlns:p="http://schemas.openxmlformats.org/presentationml/2006/main">
+  <p:cSld>
+    <p:spTree>
+      <p:nvGrpSpPr>
+        <p:cNvPr id="1" name=""/>
+        <p:cNvGrpSpPr/>
+        <p:nvPr/>
+      </p:nvGrpSpPr>
+      <p:grpSpPr>
+        <a:xfrm>
+          <a:off x="0" y="0"/>
+          <a:ext cx="0" cy="0"/>
+          <a:chOff x="0" y="0"/>
+          <a:chExt cx="0" cy="0"/>
+        </a:xfrm>
+      </p:grpSpPr>
+      <p:sp>
+        <p:nvSpPr>
+          <p:cNvPr id="2" name="Title 1"/>
+          <p:cNvSpPr>
+            <a:spLocks noGrp="1"/>
+          </p:cNvSpPr>
+          <p:nvPr>
+            <p:ph type="title"/>
+          </p:nvPr>
+        </p:nvSpPr>
+        <p:spPr/>
+        <p:txBody>
+          <a:bodyPr/>
+          <a:lstStyle/>
+          <a:p>
+            <a:pPr lvl="0" indent="0" marL="0">
+              <a:buNone/>
+            </a:pPr>
+            <a:r>
+              <a:rPr/>
+              <a:t>Java final keyword</a:t>
+            </a:r>
+          </a:p>
+        </p:txBody>
+      </p:sp>
+      <p:sp>
+        <p:nvSpPr>
+          <p:cNvPr id="3" name="Content Placeholder 2"/>
+          <p:cNvSpPr>
+            <a:spLocks noGrp="1"/>
+          </p:cNvSpPr>
+          <p:nvPr>
+            <p:ph idx="1"/>
+          </p:nvPr>
+        </p:nvSpPr>
+        <p:spPr/>
+        <p:txBody>
+          <a:bodyPr/>
+          <a:lstStyle/>
+          <a:p>
+            <a:pPr lvl="0"/>
+            <a:r>
+              <a:rPr/>
+              <a:t>In java, the final is a keyword and it is used with the following things.</a:t>
+            </a:r>
+          </a:p>
+          <a:p>
+            <a:pPr lvl="1"/>
+            <a:r>
+              <a:rPr/>
+              <a:t>With variable (to create constant)</a:t>
+            </a:r>
+          </a:p>
+          <a:p>
+            <a:pPr lvl="1"/>
+            <a:r>
+              <a:rPr/>
+              <a:t>With method (to avoid method overriding)</a:t>
+            </a:r>
+          </a:p>
+          <a:p>
+            <a:pPr lvl="1"/>
+            <a:r>
+              <a:rPr/>
+              <a:t>With class (to avoid inheritance)</a:t>
+            </a:r>
+          </a:p>
+        </p:txBody>
+      </p:sp>
+    </p:spTree>
+  </p:cSld>
+</p:sld>
+</file>
+
+<file path=ppt/slides/slide44.xml><?xml version="1.0" encoding="utf-8"?>
+<p:sld xmlns:a="http://schemas.openxmlformats.org/drawingml/2006/main" xmlns:r="http://schemas.openxmlformats.org/officeDocument/2006/relationships" xmlns:p="http://schemas.openxmlformats.org/presentationml/2006/main">
+  <p:cSld>
+    <p:spTree>
+      <p:nvGrpSpPr>
+        <p:cNvPr id="1" name=""/>
+        <p:cNvGrpSpPr/>
+        <p:nvPr/>
+      </p:nvGrpSpPr>
+      <p:grpSpPr>
+        <a:xfrm>
+          <a:off x="0" y="0"/>
+          <a:ext cx="0" cy="0"/>
+          <a:chOff x="0" y="0"/>
+          <a:chExt cx="0" cy="0"/>
+        </a:xfrm>
+      </p:grpSpPr>
+      <p:sp>
+        <p:nvSpPr>
+          <p:cNvPr id="2" name="Title 1"/>
+          <p:cNvSpPr>
+            <a:spLocks noGrp="1"/>
+          </p:cNvSpPr>
+          <p:nvPr>
+            <p:ph type="title"/>
+          </p:nvPr>
+        </p:nvSpPr>
+        <p:spPr/>
+        <p:txBody>
+          <a:bodyPr/>
+          <a:lstStyle/>
+          <a:p>
+            <a:pPr lvl="0" indent="0" marL="0">
+              <a:buNone/>
+            </a:pPr>
+            <a:r>
+              <a:rPr/>
+              <a:t>Java final restrictions</a:t>
+            </a:r>
+          </a:p>
+        </p:txBody>
+      </p:sp>
+      <p:sp>
+        <p:nvSpPr>
+          <p:cNvPr id="3" name="Content Placeholder 2"/>
+          <p:cNvSpPr>
+            <a:spLocks noGrp="1"/>
+          </p:cNvSpPr>
+          <p:nvPr>
+            <p:ph idx="1"/>
+          </p:nvPr>
+        </p:nvSpPr>
+        <p:spPr/>
+        <p:txBody>
+          <a:bodyPr/>
+          <a:lstStyle/>
+          <a:p>
+            <a:pPr lvl="0"/>
+            <a:r>
+              <a:rPr/>
+              <a:t>the final variable cannot be reinitialized with another value</a:t>
+            </a:r>
+          </a:p>
+          <a:p>
+            <a:pPr lvl="0"/>
+            <a:r>
+              <a:rPr/>
+              <a:t>the final method cannot be overridden</a:t>
+            </a:r>
+          </a:p>
+          <a:p>
+            <a:pPr lvl="0"/>
+            <a:r>
+              <a:rPr/>
+              <a:t>the final class cannot be extended</a:t>
+            </a:r>
+          </a:p>
+        </p:txBody>
+      </p:sp>
+    </p:spTree>
+  </p:cSld>
+</p:sld>
+</file>
+
+<file path=ppt/slides/slide45.xml><?xml version="1.0" encoding="utf-8"?>
+<p:sld xmlns:a="http://schemas.openxmlformats.org/drawingml/2006/main" xmlns:r="http://schemas.openxmlformats.org/officeDocument/2006/relationships" xmlns:p="http://schemas.openxmlformats.org/presentationml/2006/main">
+  <p:cSld>
+    <p:spTree>
+      <p:nvGrpSpPr>
+        <p:cNvPr id="1" name=""/>
+        <p:cNvGrpSpPr/>
+        <p:nvPr/>
+      </p:nvGrpSpPr>
+      <p:grpSpPr>
+        <a:xfrm>
+          <a:off x="0" y="0"/>
+          <a:ext cx="0" cy="0"/>
+          <a:chOff x="0" y="0"/>
+          <a:chExt cx="0" cy="0"/>
+        </a:xfrm>
+      </p:grpSpPr>
+      <p:sp>
+        <p:nvSpPr>
+          <p:cNvPr id="2" name="Title 1"/>
+          <p:cNvSpPr>
+            <a:spLocks noGrp="1"/>
+          </p:cNvSpPr>
+          <p:nvPr>
+            <p:ph type="title"/>
+          </p:nvPr>
+        </p:nvSpPr>
+        <p:spPr/>
+        <p:txBody>
+          <a:bodyPr/>
+          <a:lstStyle/>
+          <a:p>
+            <a:pPr lvl="0" indent="0" marL="0">
+              <a:buNone/>
+            </a:pPr>
+            <a:r>
+              <a:rPr b="1"/>
+              <a:t>final</a:t>
+            </a:r>
+            <a:r>
+              <a:rPr/>
+              <a:t> with variables</a:t>
+            </a:r>
+          </a:p>
+        </p:txBody>
+      </p:sp>
+      <p:sp>
+        <p:nvSpPr>
+          <p:cNvPr id="3" name="Content Placeholder 2"/>
+          <p:cNvSpPr>
+            <a:spLocks noGrp="1"/>
+          </p:cNvSpPr>
+          <p:nvPr>
+            <p:ph idx="1"/>
+          </p:nvPr>
+        </p:nvSpPr>
+        <p:spPr/>
+        <p:txBody>
+          <a:bodyPr/>
+          <a:lstStyle/>
+          <a:p>
+            <a:pPr lvl="0"/>
+            <a:r>
+              <a:rPr/>
+              <a:t>When a variable defined with the final keyword,</a:t>
+            </a:r>
+          </a:p>
+          <a:p>
+            <a:pPr lvl="0"/>
+            <a:r>
+              <a:rPr/>
+              <a:t>it becomes a constant, and</a:t>
+            </a:r>
+          </a:p>
+          <a:p>
+            <a:pPr lvl="1"/>
+            <a:r>
+              <a:rPr/>
+              <a:t>it does not allow us to modify the value.</a:t>
+            </a:r>
+          </a:p>
+          <a:p>
+            <a:pPr lvl="0"/>
+            <a:r>
+              <a:rPr/>
+              <a:t>The variable defined with the final keyword allows only a one-time assignment,</a:t>
+            </a:r>
+          </a:p>
+          <a:p>
+            <a:pPr lvl="1"/>
+            <a:r>
+              <a:rPr/>
+              <a:t>once a value assigned to it,</a:t>
+            </a:r>
+          </a:p>
+          <a:p>
+            <a:pPr lvl="2"/>
+            <a:r>
+              <a:rPr/>
+              <a:t>never allows us to change it again.</a:t>
+            </a:r>
+          </a:p>
+        </p:txBody>
+      </p:sp>
+    </p:spTree>
+  </p:cSld>
+</p:sld>
+</file>
+
+<file path=ppt/slides/slide46.xml><?xml version="1.0" encoding="utf-8"?>
+<p:sld xmlns:a="http://schemas.openxmlformats.org/drawingml/2006/main" xmlns:r="http://schemas.openxmlformats.org/officeDocument/2006/relationships" xmlns:p="http://schemas.openxmlformats.org/presentationml/2006/main">
+  <p:cSld>
+    <p:spTree>
+      <p:nvGrpSpPr>
+        <p:cNvPr id="1" name=""/>
+        <p:cNvGrpSpPr/>
+        <p:nvPr/>
+      </p:nvGrpSpPr>
+      <p:grpSpPr>
+        <a:xfrm>
+          <a:off x="0" y="0"/>
+          <a:ext cx="0" cy="0"/>
+          <a:chOff x="0" y="0"/>
+          <a:chExt cx="0" cy="0"/>
+        </a:xfrm>
+      </p:grpSpPr>
+      <p:sp>
+        <p:nvSpPr>
+          <p:cNvPr id="2" name="Title 1"/>
+          <p:cNvSpPr>
+            <a:spLocks noGrp="1"/>
+          </p:cNvSpPr>
+          <p:nvPr>
+            <p:ph type="title"/>
+          </p:nvPr>
+        </p:nvSpPr>
+        <p:spPr/>
+        <p:txBody>
+          <a:bodyPr/>
+          <a:lstStyle/>
+          <a:p>
+            <a:pPr lvl="0" indent="0" marL="0">
+              <a:buNone/>
+            </a:pPr>
+            <a:r>
+              <a:rPr b="1"/>
+              <a:t>final</a:t>
+            </a:r>
+            <a:r>
+              <a:rPr/>
+              <a:t> with variables example-1</a:t>
+            </a:r>
+          </a:p>
+        </p:txBody>
+      </p:sp>
+      <p:sp>
+        <p:nvSpPr>
+          <p:cNvPr id="3" name="Content Placeholder 2"/>
+          <p:cNvSpPr>
+            <a:spLocks noGrp="1"/>
+          </p:cNvSpPr>
+          <p:nvPr>
+            <p:ph idx="1"/>
+          </p:nvPr>
+        </p:nvSpPr>
+        <p:spPr/>
+        <p:txBody>
+          <a:bodyPr/>
+          <a:lstStyle/>
+          <a:p>
+            <a:pPr lvl="0" indent="0" marL="0">
+              <a:buNone/>
+            </a:pPr>
+            <a:r>
+              <a:rPr>
+                <a:latin typeface="Courier"/>
+              </a:rPr>
+              <a:t>Java linenums="1" public class FinalVariableExample {     public static void main(String[] args) {         final int a = 10;         System.out.println("a = " + a);         a = 100;    // Can't be modified     } }</a:t>
+            </a:r>
+          </a:p>
+        </p:txBody>
+      </p:sp>
+    </p:spTree>
+  </p:cSld>
+</p:sld>
+</file>
+
+<file path=ppt/slides/slide47.xml><?xml version="1.0" encoding="utf-8"?>
+<p:sld xmlns:a="http://schemas.openxmlformats.org/drawingml/2006/main" xmlns:r="http://schemas.openxmlformats.org/officeDocument/2006/relationships" xmlns:p="http://schemas.openxmlformats.org/presentationml/2006/main">
+  <p:cSld>
+    <p:spTree>
+      <p:nvGrpSpPr>
+        <p:cNvPr id="1" name=""/>
+        <p:cNvGrpSpPr/>
+        <p:nvPr/>
+      </p:nvGrpSpPr>
+      <p:grpSpPr>
+        <a:xfrm>
+          <a:off x="0" y="0"/>
+          <a:ext cx="0" cy="0"/>
+          <a:chOff x="0" y="0"/>
+          <a:chExt cx="0" cy="0"/>
+        </a:xfrm>
+      </p:grpSpPr>
+      <p:sp>
+        <p:nvSpPr>
+          <p:cNvPr id="2" name="Title 1"/>
+          <p:cNvSpPr>
+            <a:spLocks noGrp="1"/>
+          </p:cNvSpPr>
+          <p:nvPr>
+            <p:ph type="title"/>
+          </p:nvPr>
+        </p:nvSpPr>
+        <p:spPr/>
+        <p:txBody>
+          <a:bodyPr/>
+          <a:lstStyle/>
+          <a:p>
+            <a:pPr lvl="0" indent="0" marL="0">
+              <a:buNone/>
+            </a:pPr>
+            <a:r>
+              <a:rPr b="1"/>
+              <a:t>final</a:t>
+            </a:r>
+            <a:r>
+              <a:rPr/>
+              <a:t> with variables example-2</a:t>
+            </a:r>
+          </a:p>
+        </p:txBody>
+      </p:sp>
+      <p:sp>
+        <p:nvSpPr>
+          <p:cNvPr id="3" name="Content Placeholder 2"/>
+          <p:cNvSpPr>
+            <a:spLocks noGrp="1"/>
+          </p:cNvSpPr>
+          <p:nvPr>
+            <p:ph idx="1"/>
+          </p:nvPr>
+        </p:nvSpPr>
+        <p:spPr/>
+        <p:txBody>
+          <a:bodyPr/>
+          <a:lstStyle/>
+          <a:p>
+            <a:pPr lvl="0" indent="0" marL="0">
+              <a:buNone/>
+            </a:pPr>
+            <a:r>
+              <a:rPr/>
+              <a:t>``` Java linenums=“1” class Main { public static void main(String[] args) {</a:t>
+            </a:r>
+          </a:p>
+          <a:p>
+            <a:pPr lvl="0" indent="0">
+              <a:buNone/>
+            </a:pPr>
+            <a:r>
+              <a:rPr>
+                <a:latin typeface="Courier"/>
+              </a:rPr>
+              <a:t>// create a final variable
+final int AGE = 32;
+// try to change the final variable
+AGE = 45;
+System.out.println("Age: " + AGE);</a:t>
+            </a:r>
+          </a:p>
+          <a:p>
+            <a:pPr lvl="0" indent="0" marL="0">
+              <a:buNone/>
+            </a:pPr>
+            <a:r>
+              <a:rPr/>
+              <a:t>} }</a:t>
+            </a:r>
+          </a:p>
+          <a:p>
+            <a:pPr lvl="0" indent="0">
+              <a:buNone/>
+            </a:pPr>
+            <a:r>
+              <a:rPr>
+                <a:latin typeface="Courier"/>
+              </a:rPr>
+              <a:t>
+---
+## **final** with variables recommendation
+- It is recommended to use uppercase to declare final variables in Java.
+---
+## **final** with methods
+- When a method defined with the final keyword, 
+  - it does not allow it to override. 
+- The final method extends to the child class, 
+  - but the child class can not override or re-define it. 
+- It must be used as it has implemented in the parent class.
+---
+## **final** with methods example-1
+``` Java linenums="1"
+class ParentClass{
+    int num = 10;
+    final void showData() {
+        System.out.println("Inside ParentClass showData() method");
+        System.out.println("num = " + num);
+    }
+}</a:t>
+            </a:r>
+          </a:p>
+        </p:txBody>
+      </p:sp>
+    </p:spTree>
+  </p:cSld>
+</p:sld>
+</file>
+
+<file path=ppt/slides/slide48.xml><?xml version="1.0" encoding="utf-8"?>
+<p:sld xmlns:a="http://schemas.openxmlformats.org/drawingml/2006/main" xmlns:r="http://schemas.openxmlformats.org/officeDocument/2006/relationships" xmlns:p="http://schemas.openxmlformats.org/presentationml/2006/main">
+  <p:cSld>
+    <p:spTree>
+      <p:nvGrpSpPr>
+        <p:cNvPr id="1" name=""/>
+        <p:cNvGrpSpPr/>
+        <p:nvPr/>
+      </p:nvGrpSpPr>
+      <p:grpSpPr>
+        <a:xfrm>
+          <a:off x="0" y="0"/>
+          <a:ext cx="0" cy="0"/>
+          <a:chOff x="0" y="0"/>
+          <a:chExt cx="0" cy="0"/>
+        </a:xfrm>
+      </p:grpSpPr>
+      <p:sp>
+        <p:nvSpPr>
+          <p:cNvPr id="2" name="Title 1"/>
+          <p:cNvSpPr>
+            <a:spLocks noGrp="1"/>
+          </p:cNvSpPr>
+          <p:nvPr>
+            <p:ph type="title"/>
+          </p:nvPr>
+        </p:nvSpPr>
+        <p:spPr/>
+        <p:txBody>
+          <a:bodyPr/>
+          <a:lstStyle/>
+          <a:p>
+            <a:pPr lvl="0" indent="0" marL="0">
+              <a:buNone/>
+            </a:pPr>
+            <a:r>
+              <a:rPr b="1"/>
+              <a:t>final</a:t>
+            </a:r>
+            <a:r>
+              <a:rPr/>
+              <a:t> with methods example-1</a:t>
+            </a:r>
+          </a:p>
+        </p:txBody>
+      </p:sp>
+      <p:sp>
+        <p:nvSpPr>
+          <p:cNvPr id="3" name="Content Placeholder 2"/>
+          <p:cNvSpPr>
+            <a:spLocks noGrp="1"/>
+          </p:cNvSpPr>
+          <p:nvPr>
+            <p:ph idx="1"/>
+          </p:nvPr>
+        </p:nvSpPr>
+        <p:spPr/>
+        <p:txBody>
+          <a:bodyPr/>
+          <a:lstStyle/>
+          <a:p>
+            <a:pPr lvl="0" indent="0" marL="0">
+              <a:buNone/>
+            </a:pPr>
+            <a:r>
+              <a:rPr/>
+              <a:t>``` Java linenums=“1” class ChildClass extends ParentClass{</a:t>
+            </a:r>
+          </a:p>
+          <a:p>
+            <a:pPr lvl="0" indent="0">
+              <a:buNone/>
+            </a:pPr>
+            <a:r>
+              <a:rPr>
+                <a:latin typeface="Courier"/>
+              </a:rPr>
+              <a:t>void showData() {
+    System.out.println("Inside ChildClass showData() method");
+    System.out.println("num = " + num);
+}</a:t>
+            </a:r>
+          </a:p>
+          <a:p>
+            <a:pPr lvl="0" indent="0" marL="0">
+              <a:buNone/>
+            </a:pPr>
+            <a:r>
+              <a:rPr/>
+              <a:t>}</a:t>
+            </a:r>
+          </a:p>
+          <a:p>
+            <a:pPr lvl="0" indent="0">
+              <a:buNone/>
+            </a:pPr>
+            <a:r>
+              <a:rPr>
+                <a:latin typeface="Courier"/>
+              </a:rPr>
+              <a:t>
+---
+## **final** with methods example-1
+``` Java linenums="1"
+public class FinalKeywordExample {
+    public static void main(String[] args) {
+        ChildClass obj = new ChildClass();
+        obj.showData();
+    }
+}</a:t>
+            </a:r>
+          </a:p>
+        </p:txBody>
+      </p:sp>
+    </p:spTree>
+  </p:cSld>
+</p:sld>
+</file>
+
+<file path=ppt/slides/slide49.xml><?xml version="1.0" encoding="utf-8"?>
+<p:sld xmlns:a="http://schemas.openxmlformats.org/drawingml/2006/main" xmlns:r="http://schemas.openxmlformats.org/officeDocument/2006/relationships" xmlns:p="http://schemas.openxmlformats.org/presentationml/2006/main">
+  <p:cSld>
+    <p:spTree>
+      <p:nvGrpSpPr>
+        <p:cNvPr id="1" name=""/>
+        <p:cNvGrpSpPr/>
+        <p:nvPr/>
+      </p:nvGrpSpPr>
+      <p:grpSpPr>
+        <a:xfrm>
+          <a:off x="0" y="0"/>
+          <a:ext cx="0" cy="0"/>
+          <a:chOff x="0" y="0"/>
+          <a:chExt cx="0" cy="0"/>
+        </a:xfrm>
+      </p:grpSpPr>
+      <p:sp>
+        <p:nvSpPr>
+          <p:cNvPr id="2" name="Title 1"/>
+          <p:cNvSpPr>
+            <a:spLocks noGrp="1"/>
+          </p:cNvSpPr>
+          <p:nvPr>
+            <p:ph type="title"/>
+          </p:nvPr>
+        </p:nvSpPr>
+        <p:spPr/>
+        <p:txBody>
+          <a:bodyPr/>
+          <a:lstStyle/>
+          <a:p>
+            <a:pPr lvl="0" indent="0" marL="0">
+              <a:buNone/>
+            </a:pPr>
+            <a:r>
+              <a:rPr b="1"/>
+              <a:t>final</a:t>
+            </a:r>
+            <a:r>
+              <a:rPr/>
+              <a:t> with methods example-2</a:t>
+            </a:r>
+          </a:p>
+        </p:txBody>
+      </p:sp>
+      <p:sp>
+        <p:nvSpPr>
+          <p:cNvPr id="3" name="Content Placeholder 2"/>
+          <p:cNvSpPr>
+            <a:spLocks noGrp="1"/>
+          </p:cNvSpPr>
+          <p:nvPr>
+            <p:ph idx="1"/>
+          </p:nvPr>
+        </p:nvSpPr>
+        <p:spPr/>
+        <p:txBody>
+          <a:bodyPr/>
+          <a:lstStyle/>
+          <a:p>
+            <a:pPr lvl="0" indent="0" marL="0">
+              <a:buNone/>
+            </a:pPr>
+            <a:r>
+              <a:rPr/>
+              <a:t>``` Java linenums=“1” class FinalDemo { // create a final method public final void display() { System.out.println(“This is a final method.”); } }</a:t>
+            </a:r>
+          </a:p>
+          <a:p>
+            <a:pPr lvl="0" indent="0" marL="0">
+              <a:buNone/>
+            </a:pPr>
+            <a:r>
+              <a:rPr/>
+              <a:t>class Main extends FinalDemo { // try to override final method public final void display() { System.out.println(“The final method is overridden.”); }</a:t>
+            </a:r>
+          </a:p>
+          <a:p>
+            <a:pPr lvl="0" indent="0" marL="0">
+              <a:buNone/>
+            </a:pPr>
+            <a:r>
+              <a:rPr/>
+              <a:t>public static void main(String[] args) { Main obj = new Main(); obj.display(); } }</a:t>
+            </a:r>
+          </a:p>
+          <a:p>
+            <a:pPr lvl="0" indent="0">
+              <a:buNone/>
+            </a:pPr>
+            <a:r>
+              <a:rPr>
+                <a:latin typeface="Courier"/>
+              </a:rPr>
+              <a:t>
+---
+## **final** with class
+- When a class defined with final keyword, it can not be extended by any other class.
+---
+## **final** with class example-1
+``` Java linenums="1"
+final class ParentClass{
+    int num = 10;
+    void showData() {
+        System.out.println("Inside ParentClass showData() method");
+        System.out.println("num = " + num);
+    }
+}</a:t>
             </a:r>
           </a:p>
         </p:txBody>
@@ -3453,7 +8116,7 @@
             </a:pPr>
             <a:r>
               <a:rPr/>
-              <a:t>Outline</a:t>
+              <a:t>Outline (1)</a:t>
             </a:r>
           </a:p>
         </p:txBody>
@@ -3473,12 +8136,1127 @@
           <a:bodyPr/>
           <a:lstStyle/>
           <a:p>
-            <a:pPr lvl="0" indent="0" marL="0">
-              <a:buNone/>
-            </a:pPr>
-            <a:r>
-              <a:rPr/>
-              <a:t>TBD</a:t>
+            <a:pPr lvl="0"/>
+            <a:r>
+              <a:rPr/>
+              <a:t>Java super Keyword</a:t>
+            </a:r>
+          </a:p>
+          <a:p>
+            <a:pPr lvl="0"/>
+            <a:r>
+              <a:rPr/>
+              <a:t>Java final Keyword</a:t>
+            </a:r>
+          </a:p>
+          <a:p>
+            <a:pPr lvl="0"/>
+            <a:r>
+              <a:rPr/>
+              <a:t>Java Polymorphism / Encapsulation</a:t>
+            </a:r>
+          </a:p>
+          <a:p>
+            <a:pPr lvl="0"/>
+            <a:r>
+              <a:rPr/>
+              <a:t>Java Method Overriding</a:t>
+            </a:r>
+          </a:p>
+          <a:p>
+            <a:pPr lvl="0"/>
+            <a:r>
+              <a:rPr/>
+              <a:t>Java Nested Inner Class</a:t>
+            </a:r>
+          </a:p>
+          <a:p>
+            <a:pPr lvl="0"/>
+            <a:r>
+              <a:rPr/>
+              <a:t>Java Static Class</a:t>
+            </a:r>
+          </a:p>
+          <a:p>
+            <a:pPr lvl="0"/>
+            <a:r>
+              <a:rPr/>
+              <a:t>Java Anonymous Class</a:t>
+            </a:r>
+          </a:p>
+        </p:txBody>
+      </p:sp>
+    </p:spTree>
+  </p:cSld>
+</p:sld>
+</file>
+
+<file path=ppt/slides/slide50.xml><?xml version="1.0" encoding="utf-8"?>
+<p:sld xmlns:a="http://schemas.openxmlformats.org/drawingml/2006/main" xmlns:r="http://schemas.openxmlformats.org/officeDocument/2006/relationships" xmlns:p="http://schemas.openxmlformats.org/presentationml/2006/main">
+  <p:cSld>
+    <p:spTree>
+      <p:nvGrpSpPr>
+        <p:cNvPr id="1" name=""/>
+        <p:cNvGrpSpPr/>
+        <p:nvPr/>
+      </p:nvGrpSpPr>
+      <p:grpSpPr>
+        <a:xfrm>
+          <a:off x="0" y="0"/>
+          <a:ext cx="0" cy="0"/>
+          <a:chOff x="0" y="0"/>
+          <a:chExt cx="0" cy="0"/>
+        </a:xfrm>
+      </p:grpSpPr>
+      <p:sp>
+        <p:nvSpPr>
+          <p:cNvPr id="2" name="Title 1"/>
+          <p:cNvSpPr>
+            <a:spLocks noGrp="1"/>
+          </p:cNvSpPr>
+          <p:nvPr>
+            <p:ph type="title"/>
+          </p:nvPr>
+        </p:nvSpPr>
+        <p:spPr/>
+        <p:txBody>
+          <a:bodyPr/>
+          <a:lstStyle/>
+          <a:p>
+            <a:pPr lvl="0" indent="0" marL="0">
+              <a:buNone/>
+            </a:pPr>
+            <a:r>
+              <a:rPr b="1"/>
+              <a:t>final</a:t>
+            </a:r>
+            <a:r>
+              <a:rPr/>
+              <a:t> with class example-1</a:t>
+            </a:r>
+          </a:p>
+        </p:txBody>
+      </p:sp>
+      <p:sp>
+        <p:nvSpPr>
+          <p:cNvPr id="3" name="Content Placeholder 2"/>
+          <p:cNvSpPr>
+            <a:spLocks noGrp="1"/>
+          </p:cNvSpPr>
+          <p:nvPr>
+            <p:ph idx="1"/>
+          </p:nvPr>
+        </p:nvSpPr>
+        <p:spPr/>
+        <p:txBody>
+          <a:bodyPr/>
+          <a:lstStyle/>
+          <a:p>
+            <a:pPr lvl="0" indent="0" marL="0">
+              <a:buNone/>
+            </a:pPr>
+            <a:r>
+              <a:rPr/>
+              <a:t>``` Java linenums=“1” class ChildClass extends ParentClass{</a:t>
+            </a:r>
+          </a:p>
+          <a:p>
+            <a:pPr lvl="0" indent="0" marL="0">
+              <a:buNone/>
+            </a:pPr>
+            <a:r>
+              <a:rPr/>
+              <a:t>}</a:t>
+            </a:r>
+          </a:p>
+          <a:p>
+            <a:pPr lvl="0" indent="0">
+              <a:buNone/>
+            </a:pPr>
+            <a:r>
+              <a:rPr>
+                <a:latin typeface="Courier"/>
+              </a:rPr>
+              <a:t>
+---
+## **final** with class example-1
+``` Java linenums="1"
+public class FinalKeywordExample {
+    public static void main(String[] args) {
+        ChildClass obj = new ChildClass();
+    }
+}</a:t>
+            </a:r>
+          </a:p>
+        </p:txBody>
+      </p:sp>
+    </p:spTree>
+  </p:cSld>
+</p:sld>
+</file>
+
+<file path=ppt/slides/slide51.xml><?xml version="1.0" encoding="utf-8"?>
+<p:sld xmlns:a="http://schemas.openxmlformats.org/drawingml/2006/main" xmlns:r="http://schemas.openxmlformats.org/officeDocument/2006/relationships" xmlns:p="http://schemas.openxmlformats.org/presentationml/2006/main">
+  <p:cSld>
+    <p:spTree>
+      <p:nvGrpSpPr>
+        <p:cNvPr id="1" name=""/>
+        <p:cNvGrpSpPr/>
+        <p:nvPr/>
+      </p:nvGrpSpPr>
+      <p:grpSpPr>
+        <a:xfrm>
+          <a:off x="0" y="0"/>
+          <a:ext cx="0" cy="0"/>
+          <a:chOff x="0" y="0"/>
+          <a:chExt cx="0" cy="0"/>
+        </a:xfrm>
+      </p:grpSpPr>
+      <p:sp>
+        <p:nvSpPr>
+          <p:cNvPr id="2" name="Title 1"/>
+          <p:cNvSpPr>
+            <a:spLocks noGrp="1"/>
+          </p:cNvSpPr>
+          <p:nvPr>
+            <p:ph type="title"/>
+          </p:nvPr>
+        </p:nvSpPr>
+        <p:spPr/>
+        <p:txBody>
+          <a:bodyPr/>
+          <a:lstStyle/>
+          <a:p>
+            <a:pPr lvl="0" indent="0" marL="0">
+              <a:buNone/>
+            </a:pPr>
+            <a:r>
+              <a:rPr b="1"/>
+              <a:t>final</a:t>
+            </a:r>
+            <a:r>
+              <a:rPr/>
+              <a:t> with class example-2</a:t>
+            </a:r>
+          </a:p>
+        </p:txBody>
+      </p:sp>
+      <p:sp>
+        <p:nvSpPr>
+          <p:cNvPr id="3" name="Content Placeholder 2"/>
+          <p:cNvSpPr>
+            <a:spLocks noGrp="1"/>
+          </p:cNvSpPr>
+          <p:nvPr>
+            <p:ph idx="1"/>
+          </p:nvPr>
+        </p:nvSpPr>
+        <p:spPr/>
+        <p:txBody>
+          <a:bodyPr/>
+          <a:lstStyle/>
+          <a:p>
+            <a:pPr lvl="0" indent="0" marL="0">
+              <a:buNone/>
+            </a:pPr>
+            <a:r>
+              <a:rPr/>
+              <a:t>``` Java linenums=“1” // create a final class final class FinalClass { public void display() { System.out.println(“This is a final method.”); } }</a:t>
+            </a:r>
+          </a:p>
+          <a:p>
+            <a:pPr lvl="0" indent="0" marL="0">
+              <a:buNone/>
+            </a:pPr>
+            <a:r>
+              <a:rPr/>
+              <a:t>// try to extend the final class class Main extends FinalClass { public void display() { System.out.println(“The final method is overridden.”); }</a:t>
+            </a:r>
+          </a:p>
+          <a:p>
+            <a:pPr lvl="0" indent="0" marL="0">
+              <a:buNone/>
+            </a:pPr>
+            <a:r>
+              <a:rPr/>
+              <a:t>public static void main(String[] args) { Main obj = new Main(); obj.display(); } }</a:t>
+            </a:r>
+          </a:p>
+          <a:p>
+            <a:pPr lvl="0" indent="0">
+              <a:buNone/>
+            </a:pPr>
+            <a:r>
+              <a:rPr>
+                <a:latin typeface="Courier"/>
+              </a:rPr>
+              <a:t>
+---
+## **Java Polymorphism**
+---
+## Java Polymorphism
+- The polymorphism is the process of defining same method with different implementation. That means creating multiple methods with different behaviors.
+- In java, polymorphism implemented using 
+  - method overloading and 
+  - method overriding.
+---
+## Ad hoc polymorphism
+- The ad hoc polymorphism is a technique used to define 
+  - the same method with different implementations and 
+  - different arguments. 
+- In a java programming language, ad hoc polymorphism carried out with 
+  - a method overloading concept.
+---
+## Ad hoc polymorphism
+- In ad hoc polymorphism the method binding happens at the time of compilation. 
+- Ad hoc polymorphism is also known as compile-time polymorphism. 
+- Every function call binded with the respective overloaded method based on the arguments.
+---
+## Ad hoc polymorphism
+- The ad hoc polymorphism implemented within the class only.
+---
+## Ad hoc polymorphism example-1
+``` Java linenums="1"
+import java.util.Arrays;
+public class AdHocPolymorphismExample {
+    void sorting(int[] list) {
+        Arrays.parallelSort(list);
+        System.out.println("Integers after sort: " + Arrays.toString(list) );
+    }
+    void sorting(String[] names) {
+        Arrays.parallelSort(names);
+        System.out.println("Names after sort: " + Arrays.toString(names) );     
+    }
+...
+</a:t>
+            </a:r>
+          </a:p>
+        </p:txBody>
+      </p:sp>
+    </p:spTree>
+  </p:cSld>
+</p:sld>
+</file>
+
+<file path=ppt/slides/slide52.xml><?xml version="1.0" encoding="utf-8"?>
+<p:sld xmlns:a="http://schemas.openxmlformats.org/drawingml/2006/main" xmlns:r="http://schemas.openxmlformats.org/officeDocument/2006/relationships" xmlns:p="http://schemas.openxmlformats.org/presentationml/2006/main">
+  <p:cSld>
+    <p:spTree>
+      <p:nvGrpSpPr>
+        <p:cNvPr id="1" name=""/>
+        <p:cNvGrpSpPr/>
+        <p:nvPr/>
+      </p:nvGrpSpPr>
+      <p:grpSpPr>
+        <a:xfrm>
+          <a:off x="0" y="0"/>
+          <a:ext cx="0" cy="0"/>
+          <a:chOff x="0" y="0"/>
+          <a:chExt cx="0" cy="0"/>
+        </a:xfrm>
+      </p:grpSpPr>
+      <p:sp>
+        <p:nvSpPr>
+          <p:cNvPr id="2" name="Title 1"/>
+          <p:cNvSpPr>
+            <a:spLocks noGrp="1"/>
+          </p:cNvSpPr>
+          <p:nvPr>
+            <p:ph type="title"/>
+          </p:nvPr>
+        </p:nvSpPr>
+        <p:spPr/>
+        <p:txBody>
+          <a:bodyPr/>
+          <a:lstStyle/>
+          <a:p>
+            <a:pPr lvl="0" indent="0" marL="0">
+              <a:buNone/>
+            </a:pPr>
+            <a:r>
+              <a:rPr/>
+              <a:t>Ad hoc polymorphism example-1</a:t>
+            </a:r>
+          </a:p>
+        </p:txBody>
+      </p:sp>
+      <p:sp>
+        <p:nvSpPr>
+          <p:cNvPr id="3" name="Content Placeholder 2"/>
+          <p:cNvSpPr>
+            <a:spLocks noGrp="1"/>
+          </p:cNvSpPr>
+          <p:nvPr>
+            <p:ph idx="1"/>
+          </p:nvPr>
+        </p:nvSpPr>
+        <p:spPr/>
+        <p:txBody>
+          <a:bodyPr/>
+          <a:lstStyle/>
+          <a:p>
+            <a:pPr lvl="0" indent="0" marL="0">
+              <a:buNone/>
+            </a:pPr>
+            <a:r>
+              <a:rPr/>
+              <a:t>``` Java linenums=“1” … public static void main(String[] args) {</a:t>
+            </a:r>
+          </a:p>
+          <a:p>
+            <a:pPr lvl="0" indent="0">
+              <a:buNone/>
+            </a:pPr>
+            <a:r>
+              <a:rPr>
+                <a:latin typeface="Courier"/>
+              </a:rPr>
+              <a:t>    AdHocPolymorphismExample obj = new AdHocPolymorphismExample();
+    int list[] = {2, 3, 1, 5, 4};
+    obj.sorting(list);  // Calling with integer array
+    String[] names = {"rama", "raja", "shyam", "seeta"};
+    obj.sorting(names); // Calling with String array
+}</a:t>
+            </a:r>
+          </a:p>
+          <a:p>
+            <a:pPr lvl="0" indent="0" marL="0">
+              <a:buNone/>
+            </a:pPr>
+            <a:r>
+              <a:rPr/>
+              <a:t>}</a:t>
+            </a:r>
+          </a:p>
+          <a:p>
+            <a:pPr lvl="0" indent="0">
+              <a:buNone/>
+            </a:pPr>
+            <a:r>
+              <a:rPr>
+                <a:latin typeface="Courier"/>
+              </a:rPr>
+              <a:t>
+---
+## Pure polymorphism
+- The pure polymorphism is a technique used to define the same method with the same arguments but different implementations. 
+- In a java programming language, pure polymorphism carried out with 
+  - a method overriding concept.
+---
+## Pure polymorphism
+- In pure polymorphism, the method binding happens at run time. 
+  - Pure polymorphism is also known as run-time polymorphism. 
+  - Every function call binding with the respective overridden method based on the object reference.
+- When a child class has a definition for a member function of the parent class, 
+  - the parent class function is said to be overridden.
+---
+## Pure polymorphism
+- The pure polymorphism implemented in the inheritance concept only.
+---
+## Pure polymorphism example-1
+``` Java linenums="1"
+class ParentClass{
+    int num = 10;
+    void showData() {
+        System.out.println("Inside ParentClass showData() method");
+        System.out.println("num = " + num);
+    }
+}</a:t>
+            </a:r>
+          </a:p>
+        </p:txBody>
+      </p:sp>
+    </p:spTree>
+  </p:cSld>
+</p:sld>
+</file>
+
+<file path=ppt/slides/slide53.xml><?xml version="1.0" encoding="utf-8"?>
+<p:sld xmlns:a="http://schemas.openxmlformats.org/drawingml/2006/main" xmlns:r="http://schemas.openxmlformats.org/officeDocument/2006/relationships" xmlns:p="http://schemas.openxmlformats.org/presentationml/2006/main">
+  <p:cSld>
+    <p:spTree>
+      <p:nvGrpSpPr>
+        <p:cNvPr id="1" name=""/>
+        <p:cNvGrpSpPr/>
+        <p:nvPr/>
+      </p:nvGrpSpPr>
+      <p:grpSpPr>
+        <a:xfrm>
+          <a:off x="0" y="0"/>
+          <a:ext cx="0" cy="0"/>
+          <a:chOff x="0" y="0"/>
+          <a:chExt cx="0" cy="0"/>
+        </a:xfrm>
+      </p:grpSpPr>
+      <p:sp>
+        <p:nvSpPr>
+          <p:cNvPr id="2" name="Title 1"/>
+          <p:cNvSpPr>
+            <a:spLocks noGrp="1"/>
+          </p:cNvSpPr>
+          <p:nvPr>
+            <p:ph type="title"/>
+          </p:nvPr>
+        </p:nvSpPr>
+        <p:spPr/>
+        <p:txBody>
+          <a:bodyPr/>
+          <a:lstStyle/>
+          <a:p>
+            <a:pPr lvl="0" indent="0" marL="0">
+              <a:buNone/>
+            </a:pPr>
+            <a:r>
+              <a:rPr/>
+              <a:t>Pure polymorphism example-1</a:t>
+            </a:r>
+          </a:p>
+        </p:txBody>
+      </p:sp>
+      <p:sp>
+        <p:nvSpPr>
+          <p:cNvPr id="3" name="Content Placeholder 2"/>
+          <p:cNvSpPr>
+            <a:spLocks noGrp="1"/>
+          </p:cNvSpPr>
+          <p:nvPr>
+            <p:ph idx="1"/>
+          </p:nvPr>
+        </p:nvSpPr>
+        <p:spPr/>
+        <p:txBody>
+          <a:bodyPr/>
+          <a:lstStyle/>
+          <a:p>
+            <a:pPr lvl="0" indent="0" marL="0">
+              <a:buNone/>
+            </a:pPr>
+            <a:r>
+              <a:rPr/>
+              <a:t>``` Java linenums=“1” class ChildClass extends ParentClass{</a:t>
+            </a:r>
+          </a:p>
+          <a:p>
+            <a:pPr lvl="0" indent="0">
+              <a:buNone/>
+            </a:pPr>
+            <a:r>
+              <a:rPr>
+                <a:latin typeface="Courier"/>
+              </a:rPr>
+              <a:t>void showData() {
+    System.out.println("Inside ChildClass showData() method");
+    System.out.println("num = " + num);
+}</a:t>
+            </a:r>
+          </a:p>
+          <a:p>
+            <a:pPr lvl="0" indent="0" marL="0">
+              <a:buNone/>
+            </a:pPr>
+            <a:r>
+              <a:rPr/>
+              <a:t>}</a:t>
+            </a:r>
+          </a:p>
+          <a:p>
+            <a:pPr lvl="0" indent="0">
+              <a:buNone/>
+            </a:pPr>
+            <a:r>
+              <a:rPr>
+                <a:latin typeface="Courier"/>
+              </a:rPr>
+              <a:t>
+---
+## Pure polymorphism example-1
+``` Java linenums="1"
+public class PurePolymorphism {
+    public static void main(String[] args) {
+        ParentClass obj = new ParentClass();
+        obj.showData();
+        obj = new ChildClass();
+        obj.showData();
+    }
+}</a:t>
+            </a:r>
+          </a:p>
+        </p:txBody>
+      </p:sp>
+    </p:spTree>
+  </p:cSld>
+</p:sld>
+</file>
+
+<file path=ppt/slides/slide54.xml><?xml version="1.0" encoding="utf-8"?>
+<p:sld xmlns:a="http://schemas.openxmlformats.org/drawingml/2006/main" xmlns:r="http://schemas.openxmlformats.org/officeDocument/2006/relationships" xmlns:p="http://schemas.openxmlformats.org/presentationml/2006/main">
+  <p:cSld>
+    <p:spTree>
+      <p:nvGrpSpPr>
+        <p:cNvPr id="1" name=""/>
+        <p:cNvGrpSpPr/>
+        <p:nvPr/>
+      </p:nvGrpSpPr>
+      <p:grpSpPr>
+        <a:xfrm>
+          <a:off x="0" y="0"/>
+          <a:ext cx="0" cy="0"/>
+          <a:chOff x="0" y="0"/>
+          <a:chExt cx="0" cy="0"/>
+        </a:xfrm>
+      </p:grpSpPr>
+      <p:sp>
+        <p:nvSpPr>
+          <p:cNvPr id="2" name="Title 1"/>
+          <p:cNvSpPr>
+            <a:spLocks noGrp="1"/>
+          </p:cNvSpPr>
+          <p:nvPr>
+            <p:ph type="title"/>
+          </p:nvPr>
+        </p:nvSpPr>
+        <p:spPr/>
+        <p:txBody>
+          <a:bodyPr/>
+          <a:lstStyle/>
+          <a:p>
+            <a:pPr lvl="0" indent="0" marL="0">
+              <a:buNone/>
+            </a:pPr>
+            <a:r>
+              <a:rPr/>
+              <a:t>Java Method Overriding</a:t>
+            </a:r>
+          </a:p>
+        </p:txBody>
+      </p:sp>
+      <p:sp>
+        <p:nvSpPr>
+          <p:cNvPr id="3" name="Content Placeholder 2"/>
+          <p:cNvSpPr>
+            <a:spLocks noGrp="1"/>
+          </p:cNvSpPr>
+          <p:nvPr>
+            <p:ph idx="1"/>
+          </p:nvPr>
+        </p:nvSpPr>
+        <p:spPr/>
+        <p:txBody>
+          <a:bodyPr/>
+          <a:lstStyle/>
+          <a:p>
+            <a:pPr lvl="0"/>
+            <a:r>
+              <a:rPr/>
+              <a:t>During inheritance in Java, if the same method is present in both the superclass and the subclass.</a:t>
+            </a:r>
+          </a:p>
+          <a:p>
+            <a:pPr lvl="1"/>
+            <a:r>
+              <a:rPr/>
+              <a:t>Then, the method in the subclass overrides the same method in the superclass. This is called method overriding.</a:t>
+            </a:r>
+          </a:p>
+        </p:txBody>
+      </p:sp>
+    </p:spTree>
+  </p:cSld>
+</p:sld>
+</file>
+
+<file path=ppt/slides/slide55.xml><?xml version="1.0" encoding="utf-8"?>
+<p:sld xmlns:a="http://schemas.openxmlformats.org/drawingml/2006/main" xmlns:r="http://schemas.openxmlformats.org/officeDocument/2006/relationships" xmlns:p="http://schemas.openxmlformats.org/presentationml/2006/main">
+  <p:cSld>
+    <p:spTree>
+      <p:nvGrpSpPr>
+        <p:cNvPr id="1" name=""/>
+        <p:cNvGrpSpPr/>
+        <p:nvPr/>
+      </p:nvGrpSpPr>
+      <p:grpSpPr>
+        <a:xfrm>
+          <a:off x="0" y="0"/>
+          <a:ext cx="0" cy="0"/>
+          <a:chOff x="0" y="0"/>
+          <a:chExt cx="0" cy="0"/>
+        </a:xfrm>
+      </p:grpSpPr>
+      <p:sp>
+        <p:nvSpPr>
+          <p:cNvPr id="2" name="Title 1"/>
+          <p:cNvSpPr>
+            <a:spLocks noGrp="1"/>
+          </p:cNvSpPr>
+          <p:nvPr>
+            <p:ph type="title"/>
+          </p:nvPr>
+        </p:nvSpPr>
+        <p:spPr/>
+        <p:txBody>
+          <a:bodyPr/>
+          <a:lstStyle/>
+          <a:p>
+            <a:pPr lvl="0" indent="0" marL="0">
+              <a:buNone/>
+            </a:pPr>
+            <a:r>
+              <a:rPr/>
+              <a:t>Polymorphism using method overriding example-2</a:t>
+            </a:r>
+          </a:p>
+        </p:txBody>
+      </p:sp>
+      <p:sp>
+        <p:nvSpPr>
+          <p:cNvPr id="3" name="Content Placeholder 2"/>
+          <p:cNvSpPr>
+            <a:spLocks noGrp="1"/>
+          </p:cNvSpPr>
+          <p:nvPr>
+            <p:ph idx="1"/>
+          </p:nvPr>
+        </p:nvSpPr>
+        <p:spPr/>
+        <p:txBody>
+          <a:bodyPr/>
+          <a:lstStyle/>
+          <a:p>
+            <a:pPr lvl="0" indent="0" marL="0">
+              <a:buNone/>
+            </a:pPr>
+            <a:r>
+              <a:rPr/>
+              <a:t>``` Java linenums=“1” class Language { public void displayInfo() { System.out.println(“Common English Language”); } }</a:t>
+            </a:r>
+          </a:p>
+          <a:p>
+            <a:pPr lvl="0" indent="0" marL="0">
+              <a:buNone/>
+            </a:pPr>
+            <a:r>
+              <a:rPr/>
+              <a:t>class Java extends Language { @Override public void displayInfo() { System.out.println(“Java Programming Language”); } }</a:t>
+            </a:r>
+          </a:p>
+          <a:p>
+            <a:pPr lvl="0" indent="0">
+              <a:buNone/>
+            </a:pPr>
+            <a:r>
+              <a:rPr>
+                <a:latin typeface="Courier"/>
+              </a:rPr>
+              <a:t>--- 
+## Polymorphism using method overriding example-2
+``` Java linenums="1"
+class Main {
+  public static void main(String[] args) {
+    // create an object of Java class
+    Java j1 = new Java();
+    j1.displayInfo();
+    // create an object of Language class
+    Language l1 = new Language();
+    l1.displayInfo();
+  }
+}</a:t>
+            </a:r>
+          </a:p>
+        </p:txBody>
+      </p:sp>
+    </p:spTree>
+  </p:cSld>
+</p:sld>
+</file>
+
+<file path=ppt/slides/slide56.xml><?xml version="1.0" encoding="utf-8"?>
+<p:sld xmlns:a="http://schemas.openxmlformats.org/drawingml/2006/main" xmlns:r="http://schemas.openxmlformats.org/officeDocument/2006/relationships" xmlns:p="http://schemas.openxmlformats.org/presentationml/2006/main">
+  <p:cSld>
+    <p:spTree>
+      <p:nvGrpSpPr>
+        <p:cNvPr id="1" name=""/>
+        <p:cNvGrpSpPr/>
+        <p:nvPr/>
+      </p:nvGrpSpPr>
+      <p:grpSpPr>
+        <a:xfrm>
+          <a:off x="0" y="0"/>
+          <a:ext cx="0" cy="0"/>
+          <a:chOff x="0" y="0"/>
+          <a:chExt cx="0" cy="0"/>
+        </a:xfrm>
+      </p:grpSpPr>
+      <p:sp>
+        <p:nvSpPr>
+          <p:cNvPr id="2" name="Title 1"/>
+          <p:cNvSpPr>
+            <a:spLocks noGrp="1"/>
+          </p:cNvSpPr>
+          <p:nvPr>
+            <p:ph type="title"/>
+          </p:nvPr>
+        </p:nvSpPr>
+        <p:spPr/>
+        <p:txBody>
+          <a:bodyPr/>
+          <a:lstStyle/>
+          <a:p>
+            <a:pPr lvl="0" indent="0" marL="0">
+              <a:buNone/>
+            </a:pPr>
+            <a:r>
+              <a:rPr/>
+              <a:t>Polymorphism using method overriding example-2</a:t>
+            </a:r>
+          </a:p>
+        </p:txBody>
+      </p:sp>
+      <p:pic>
+        <p:nvPicPr>
+          <p:cNvPr descr="fig:  assets/java-polymorphism-implementation.png" id="0" name="Picture 1"/>
+          <p:cNvPicPr>
+            <a:picLocks noGrp="1" noChangeAspect="1"/>
+          </p:cNvPicPr>
+          <p:nvPr/>
+        </p:nvPicPr>
+        <p:blipFill>
+          <a:blip r:embed="rId2"/>
+          <a:stretch>
+            <a:fillRect/>
+          </a:stretch>
+        </p:blipFill>
+        <p:spPr bwMode="auto">
+          <a:xfrm>
+            <a:off x="1562100" y="1600200"/>
+            <a:ext cx="6019800" cy="4013200"/>
+          </a:xfrm>
+          <a:prstGeom prst="rect">
+            <a:avLst/>
+          </a:prstGeom>
+          <a:noFill/>
+          <a:ln w="9525">
+            <a:noFill/>
+            <a:headEnd/>
+            <a:tailEnd/>
+          </a:ln>
+        </p:spPr>
+      </p:pic>
+      <p:sp>
+        <p:nvSpPr>
+          <p:cNvPr id="1" name="TextBox 3"/>
+          <p:cNvSpPr txBox="1"/>
+          <p:nvPr/>
+        </p:nvSpPr>
+        <p:spPr>
+          <a:xfrm>
+            <a:off x="457200" y="5613400"/>
+            <a:ext cx="8229600" cy="508000"/>
+          </a:xfrm>
+          <a:prstGeom prst="rect">
+            <a:avLst/>
+          </a:prstGeom>
+          <a:noFill/>
+        </p:spPr>
+        <p:txBody>
+          <a:bodyPr/>
+          <a:lstStyle/>
+          <a:p>
+            <a:pPr lvl="0" indent="0" marL="0" algn="ctr">
+              <a:buNone/>
+            </a:pPr>
+            <a:r>
+              <a:rPr/>
+              <a:t>center h:450px</a:t>
+            </a:r>
+          </a:p>
+        </p:txBody>
+      </p:sp>
+    </p:spTree>
+  </p:cSld>
+</p:sld>
+</file>
+
+<file path=ppt/slides/slide57.xml><?xml version="1.0" encoding="utf-8"?>
+<p:sld xmlns:a="http://schemas.openxmlformats.org/drawingml/2006/main" xmlns:r="http://schemas.openxmlformats.org/officeDocument/2006/relationships" xmlns:p="http://schemas.openxmlformats.org/presentationml/2006/main">
+  <p:cSld>
+    <p:spTree>
+      <p:nvGrpSpPr>
+        <p:cNvPr id="1" name=""/>
+        <p:cNvGrpSpPr/>
+        <p:nvPr/>
+      </p:nvGrpSpPr>
+      <p:grpSpPr>
+        <a:xfrm>
+          <a:off x="0" y="0"/>
+          <a:ext cx="0" cy="0"/>
+          <a:chOff x="0" y="0"/>
+          <a:chExt cx="0" cy="0"/>
+        </a:xfrm>
+      </p:grpSpPr>
+      <p:sp>
+        <p:nvSpPr>
+          <p:cNvPr id="2" name="Title 1"/>
+          <p:cNvSpPr>
+            <a:spLocks noGrp="1"/>
+          </p:cNvSpPr>
+          <p:nvPr>
+            <p:ph type="title"/>
+          </p:nvPr>
+        </p:nvSpPr>
+        <p:spPr/>
+        <p:txBody>
+          <a:bodyPr/>
+          <a:lstStyle/>
+          <a:p>
+            <a:pPr lvl="0" indent="0" marL="0">
+              <a:buNone/>
+            </a:pPr>
+            <a:r>
+              <a:rPr/>
+              <a:t>Java Method Overloading</a:t>
+            </a:r>
+          </a:p>
+        </p:txBody>
+      </p:sp>
+      <p:sp>
+        <p:nvSpPr>
+          <p:cNvPr id="3" name="Content Placeholder 2"/>
+          <p:cNvSpPr>
+            <a:spLocks noGrp="1"/>
+          </p:cNvSpPr>
+          <p:nvPr>
+            <p:ph idx="1"/>
+          </p:nvPr>
+        </p:nvSpPr>
+        <p:spPr/>
+        <p:txBody>
+          <a:bodyPr/>
+          <a:lstStyle/>
+          <a:p>
+            <a:pPr lvl="0" indent="0" marL="0">
+              <a:buNone/>
+            </a:pPr>
+            <a:r>
+              <a:rPr/>
+              <a:t>In a Java class, we can create methods with the same name if they differ in parameters. For example</a:t>
+            </a:r>
+          </a:p>
+          <a:p>
+            <a:pPr lvl="0" indent="0" marL="0">
+              <a:buNone/>
+            </a:pPr>
+            <a:r>
+              <a:rPr>
+                <a:latin typeface="Courier"/>
+              </a:rPr>
+              <a:t>Java linenums="1" void func() { ... } void func(int a) { ... } float func(double a) { ... } float func(int a, float b) { ... }</a:t>
+            </a:r>
+          </a:p>
+          <a:p>
+            <a:pPr lvl="0" indent="0" marL="0">
+              <a:buNone/>
+            </a:pPr>
+            <a:r>
+              <a:rPr/>
+              <a:t>This is known as method overloading in Java. Here, the same method will perform different operations based on the parameter.</a:t>
+            </a:r>
+          </a:p>
+        </p:txBody>
+      </p:sp>
+    </p:spTree>
+  </p:cSld>
+</p:sld>
+</file>
+
+<file path=ppt/slides/slide58.xml><?xml version="1.0" encoding="utf-8"?>
+<p:sld xmlns:a="http://schemas.openxmlformats.org/drawingml/2006/main" xmlns:r="http://schemas.openxmlformats.org/officeDocument/2006/relationships" xmlns:p="http://schemas.openxmlformats.org/presentationml/2006/main">
+  <p:cSld>
+    <p:spTree>
+      <p:nvGrpSpPr>
+        <p:cNvPr id="1" name=""/>
+        <p:cNvGrpSpPr/>
+        <p:nvPr/>
+      </p:nvGrpSpPr>
+      <p:grpSpPr>
+        <a:xfrm>
+          <a:off x="0" y="0"/>
+          <a:ext cx="0" cy="0"/>
+          <a:chOff x="0" y="0"/>
+          <a:chExt cx="0" cy="0"/>
+        </a:xfrm>
+      </p:grpSpPr>
+      <p:sp>
+        <p:nvSpPr>
+          <p:cNvPr id="2" name="Title 1"/>
+          <p:cNvSpPr>
+            <a:spLocks noGrp="1"/>
+          </p:cNvSpPr>
+          <p:nvPr>
+            <p:ph type="title"/>
+          </p:nvPr>
+        </p:nvSpPr>
+        <p:spPr/>
+        <p:txBody>
+          <a:bodyPr/>
+          <a:lstStyle/>
+          <a:p>
+            <a:pPr lvl="0" indent="0" marL="0">
+              <a:buNone/>
+            </a:pPr>
+            <a:r>
+              <a:rPr/>
+              <a:t>Polymorphism using method overloading example-3</a:t>
+            </a:r>
+          </a:p>
+        </p:txBody>
+      </p:sp>
+      <p:sp>
+        <p:nvSpPr>
+          <p:cNvPr id="3" name="Content Placeholder 2"/>
+          <p:cNvSpPr>
+            <a:spLocks noGrp="1"/>
+          </p:cNvSpPr>
+          <p:nvPr>
+            <p:ph idx="1"/>
+          </p:nvPr>
+        </p:nvSpPr>
+        <p:spPr/>
+        <p:txBody>
+          <a:bodyPr/>
+          <a:lstStyle/>
+          <a:p>
+            <a:pPr lvl="0" indent="0" marL="0">
+              <a:buNone/>
+            </a:pPr>
+            <a:r>
+              <a:rPr/>
+              <a:t>``` Java linenums=“1” class Pattern {</a:t>
+            </a:r>
+          </a:p>
+          <a:p>
+            <a:pPr lvl="0" indent="0" marL="0">
+              <a:buNone/>
+            </a:pPr>
+            <a:r>
+              <a:rPr/>
+              <a:t>// method without parameter public void display() { for (int i = 0; i &lt; 10; i++) { System.out.print(“*“); } }</a:t>
+            </a:r>
+          </a:p>
+          <a:p>
+            <a:pPr lvl="0" indent="0" marL="0">
+              <a:buNone/>
+            </a:pPr>
+            <a:r>
+              <a:rPr/>
+              <a:t>// method with single parameter public void display(char symbol) { for (int i = 0; i &lt; 10; i++) { System.out.print(symbol); } } }</a:t>
+            </a:r>
+          </a:p>
+          <a:p>
+            <a:pPr lvl="0" indent="0">
+              <a:buNone/>
+            </a:pPr>
+            <a:r>
+              <a:rPr>
+                <a:latin typeface="Courier"/>
+              </a:rPr>
+              <a:t>
+---
+##  Polymorphism using method overloading example-3
+``` Java linenums="1"
+class Main {
+  public static void main(String[] args) {
+    Pattern d1 = new Pattern();
+    // call method without any argument
+    d1.display();
+    System.out.println("\n");
+    // call method with a single argument
+    d1.display('#');
+  }
+}</a:t>
+            </a:r>
+          </a:p>
+        </p:txBody>
+      </p:sp>
+    </p:spTree>
+  </p:cSld>
+</p:sld>
+</file>
+
+<file path=ppt/slides/slide59.xml><?xml version="1.0" encoding="utf-8"?>
+<p:sld xmlns:a="http://schemas.openxmlformats.org/drawingml/2006/main" xmlns:r="http://schemas.openxmlformats.org/officeDocument/2006/relationships" xmlns:p="http://schemas.openxmlformats.org/presentationml/2006/main">
+  <p:cSld>
+    <p:spTree>
+      <p:nvGrpSpPr>
+        <p:cNvPr id="1" name=""/>
+        <p:cNvGrpSpPr/>
+        <p:nvPr/>
+      </p:nvGrpSpPr>
+      <p:grpSpPr>
+        <a:xfrm>
+          <a:off x="0" y="0"/>
+          <a:ext cx="0" cy="0"/>
+          <a:chOff x="0" y="0"/>
+          <a:chExt cx="0" cy="0"/>
+        </a:xfrm>
+      </p:grpSpPr>
+      <p:sp>
+        <p:nvSpPr>
+          <p:cNvPr id="2" name="Title 1"/>
+          <p:cNvSpPr>
+            <a:spLocks noGrp="1"/>
+          </p:cNvSpPr>
+          <p:nvPr>
+            <p:ph type="title"/>
+          </p:nvPr>
+        </p:nvSpPr>
+        <p:spPr/>
+        <p:txBody>
+          <a:bodyPr/>
+          <a:lstStyle/>
+          <a:p>
+            <a:pPr lvl="0" indent="0" marL="0">
+              <a:buNone/>
+            </a:pPr>
+            <a:r>
+              <a:rPr/>
+              <a:t>Polymorphic Variables</a:t>
+            </a:r>
+          </a:p>
+        </p:txBody>
+      </p:sp>
+      <p:sp>
+        <p:nvSpPr>
+          <p:cNvPr id="3" name="Content Placeholder 2"/>
+          <p:cNvSpPr>
+            <a:spLocks noGrp="1"/>
+          </p:cNvSpPr>
+          <p:nvPr>
+            <p:ph idx="1"/>
+          </p:nvPr>
+        </p:nvSpPr>
+        <p:spPr/>
+        <p:txBody>
+          <a:bodyPr/>
+          <a:lstStyle/>
+          <a:p>
+            <a:pPr lvl="0"/>
+            <a:r>
+              <a:rPr/>
+              <a:t>A variable is called polymorphic if it refers to different values under different conditions.</a:t>
+            </a:r>
+          </a:p>
+          <a:p>
+            <a:pPr lvl="0"/>
+            <a:r>
+              <a:rPr/>
+              <a:t>Object variables (instance variables) represent the behavior of polymorphic variables in Java.</a:t>
+            </a:r>
+          </a:p>
+          <a:p>
+            <a:pPr lvl="0"/>
+            <a:r>
+              <a:rPr/>
+              <a:t>It is because object variables of a class can refer to objects of its class as well as objects of its subclasses.</a:t>
             </a:r>
           </a:p>
         </p:txBody>
@@ -3525,6 +9303,2477 @@
             </a:pPr>
             <a:r>
               <a:rPr/>
+              <a:t>Outline (2)</a:t>
+            </a:r>
+          </a:p>
+        </p:txBody>
+      </p:sp>
+      <p:sp>
+        <p:nvSpPr>
+          <p:cNvPr id="3" name="Content Placeholder 2"/>
+          <p:cNvSpPr>
+            <a:spLocks noGrp="1"/>
+          </p:cNvSpPr>
+          <p:nvPr>
+            <p:ph idx="1"/>
+          </p:nvPr>
+        </p:nvSpPr>
+        <p:spPr/>
+        <p:txBody>
+          <a:bodyPr/>
+          <a:lstStyle/>
+          <a:p>
+            <a:pPr lvl="0"/>
+            <a:r>
+              <a:rPr/>
+              <a:t>Java Enums / Enum-Constructor / Enum-String</a:t>
+            </a:r>
+          </a:p>
+          <a:p>
+            <a:pPr lvl="0"/>
+            <a:r>
+              <a:rPr/>
+              <a:t>Java Abstract Class</a:t>
+            </a:r>
+          </a:p>
+          <a:p>
+            <a:pPr lvl="0"/>
+            <a:r>
+              <a:rPr/>
+              <a:t>Java Object Class</a:t>
+            </a:r>
+          </a:p>
+          <a:p>
+            <a:pPr lvl="0"/>
+            <a:r>
+              <a:rPr/>
+              <a:t>Java Forms of Inheritance</a:t>
+            </a:r>
+          </a:p>
+          <a:p>
+            <a:pPr lvl="0"/>
+            <a:r>
+              <a:rPr/>
+              <a:t>Java Benefits and Costs of Inheritance</a:t>
+            </a:r>
+          </a:p>
+          <a:p>
+            <a:pPr lvl="0"/>
+            <a:r>
+              <a:rPr/>
+              <a:t>Java Packages</a:t>
+            </a:r>
+          </a:p>
+          <a:p>
+            <a:pPr lvl="0"/>
+            <a:r>
+              <a:rPr/>
+              <a:t>Java Access Protection in Packages</a:t>
+            </a:r>
+          </a:p>
+        </p:txBody>
+      </p:sp>
+    </p:spTree>
+  </p:cSld>
+</p:sld>
+</file>
+
+<file path=ppt/slides/slide60.xml><?xml version="1.0" encoding="utf-8"?>
+<p:sld xmlns:a="http://schemas.openxmlformats.org/drawingml/2006/main" xmlns:r="http://schemas.openxmlformats.org/officeDocument/2006/relationships" xmlns:p="http://schemas.openxmlformats.org/presentationml/2006/main">
+  <p:cSld>
+    <p:spTree>
+      <p:nvGrpSpPr>
+        <p:cNvPr id="1" name=""/>
+        <p:cNvGrpSpPr/>
+        <p:nvPr/>
+      </p:nvGrpSpPr>
+      <p:grpSpPr>
+        <a:xfrm>
+          <a:off x="0" y="0"/>
+          <a:ext cx="0" cy="0"/>
+          <a:chOff x="0" y="0"/>
+          <a:chExt cx="0" cy="0"/>
+        </a:xfrm>
+      </p:grpSpPr>
+      <p:sp>
+        <p:nvSpPr>
+          <p:cNvPr id="2" name="Title 1"/>
+          <p:cNvSpPr>
+            <a:spLocks noGrp="1"/>
+          </p:cNvSpPr>
+          <p:nvPr>
+            <p:ph type="title"/>
+          </p:nvPr>
+        </p:nvSpPr>
+        <p:spPr/>
+        <p:txBody>
+          <a:bodyPr/>
+          <a:lstStyle/>
+          <a:p>
+            <a:pPr lvl="0" indent="0" marL="0">
+              <a:buNone/>
+            </a:pPr>
+            <a:r>
+              <a:rPr/>
+              <a:t>Polymorphic Variables Example-1</a:t>
+            </a:r>
+          </a:p>
+        </p:txBody>
+      </p:sp>
+      <p:sp>
+        <p:nvSpPr>
+          <p:cNvPr id="3" name="Content Placeholder 2"/>
+          <p:cNvSpPr>
+            <a:spLocks noGrp="1"/>
+          </p:cNvSpPr>
+          <p:nvPr>
+            <p:ph idx="1"/>
+          </p:nvPr>
+        </p:nvSpPr>
+        <p:spPr/>
+        <p:txBody>
+          <a:bodyPr/>
+          <a:lstStyle/>
+          <a:p>
+            <a:pPr lvl="0" indent="0" marL="0">
+              <a:buNone/>
+            </a:pPr>
+            <a:r>
+              <a:rPr>
+                <a:latin typeface="Courier"/>
+              </a:rPr>
+              <a:t>Java linenums="1" class ProgrammingLanguage {   public void display() {     System.out.println("I am Programming Language.");   } }</a:t>
+            </a:r>
+          </a:p>
+        </p:txBody>
+      </p:sp>
+    </p:spTree>
+  </p:cSld>
+</p:sld>
+</file>
+
+<file path=ppt/slides/slide61.xml><?xml version="1.0" encoding="utf-8"?>
+<p:sld xmlns:a="http://schemas.openxmlformats.org/drawingml/2006/main" xmlns:r="http://schemas.openxmlformats.org/officeDocument/2006/relationships" xmlns:p="http://schemas.openxmlformats.org/presentationml/2006/main">
+  <p:cSld>
+    <p:spTree>
+      <p:nvGrpSpPr>
+        <p:cNvPr id="1" name=""/>
+        <p:cNvGrpSpPr/>
+        <p:nvPr/>
+      </p:nvGrpSpPr>
+      <p:grpSpPr>
+        <a:xfrm>
+          <a:off x="0" y="0"/>
+          <a:ext cx="0" cy="0"/>
+          <a:chOff x="0" y="0"/>
+          <a:chExt cx="0" cy="0"/>
+        </a:xfrm>
+      </p:grpSpPr>
+      <p:sp>
+        <p:nvSpPr>
+          <p:cNvPr id="2" name="Title 1"/>
+          <p:cNvSpPr>
+            <a:spLocks noGrp="1"/>
+          </p:cNvSpPr>
+          <p:nvPr>
+            <p:ph type="title"/>
+          </p:nvPr>
+        </p:nvSpPr>
+        <p:spPr/>
+        <p:txBody>
+          <a:bodyPr/>
+          <a:lstStyle/>
+          <a:p>
+            <a:pPr lvl="0" indent="0" marL="0">
+              <a:buNone/>
+            </a:pPr>
+            <a:r>
+              <a:rPr/>
+              <a:t>Polymorphic Variables Example-1</a:t>
+            </a:r>
+          </a:p>
+        </p:txBody>
+      </p:sp>
+      <p:sp>
+        <p:nvSpPr>
+          <p:cNvPr id="3" name="Content Placeholder 2"/>
+          <p:cNvSpPr>
+            <a:spLocks noGrp="1"/>
+          </p:cNvSpPr>
+          <p:nvPr>
+            <p:ph idx="1"/>
+          </p:nvPr>
+        </p:nvSpPr>
+        <p:spPr/>
+        <p:txBody>
+          <a:bodyPr/>
+          <a:lstStyle/>
+          <a:p>
+            <a:pPr lvl="0" indent="0" marL="0">
+              <a:buNone/>
+            </a:pPr>
+            <a:r>
+              <a:rPr>
+                <a:latin typeface="Courier"/>
+              </a:rPr>
+              <a:t>Java linenums="1" class Java extends ProgrammingLanguage {   @Override   public void display() {     System.out.println("I am Object-Oriented Programming Language.");   } }</a:t>
+            </a:r>
+          </a:p>
+        </p:txBody>
+      </p:sp>
+    </p:spTree>
+  </p:cSld>
+</p:sld>
+</file>
+
+<file path=ppt/slides/slide62.xml><?xml version="1.0" encoding="utf-8"?>
+<p:sld xmlns:a="http://schemas.openxmlformats.org/drawingml/2006/main" xmlns:r="http://schemas.openxmlformats.org/officeDocument/2006/relationships" xmlns:p="http://schemas.openxmlformats.org/presentationml/2006/main">
+  <p:cSld>
+    <p:spTree>
+      <p:nvGrpSpPr>
+        <p:cNvPr id="1" name=""/>
+        <p:cNvGrpSpPr/>
+        <p:nvPr/>
+      </p:nvGrpSpPr>
+      <p:grpSpPr>
+        <a:xfrm>
+          <a:off x="0" y="0"/>
+          <a:ext cx="0" cy="0"/>
+          <a:chOff x="0" y="0"/>
+          <a:chExt cx="0" cy="0"/>
+        </a:xfrm>
+      </p:grpSpPr>
+      <p:sp>
+        <p:nvSpPr>
+          <p:cNvPr id="2" name="Title 1"/>
+          <p:cNvSpPr>
+            <a:spLocks noGrp="1"/>
+          </p:cNvSpPr>
+          <p:nvPr>
+            <p:ph type="title"/>
+          </p:nvPr>
+        </p:nvSpPr>
+        <p:spPr/>
+        <p:txBody>
+          <a:bodyPr/>
+          <a:lstStyle/>
+          <a:p>
+            <a:pPr lvl="0" indent="0" marL="0">
+              <a:buNone/>
+            </a:pPr>
+            <a:r>
+              <a:rPr/>
+              <a:t>Polymorphic Variables Example-1</a:t>
+            </a:r>
+          </a:p>
+        </p:txBody>
+      </p:sp>
+      <p:sp>
+        <p:nvSpPr>
+          <p:cNvPr id="3" name="Content Placeholder 2"/>
+          <p:cNvSpPr>
+            <a:spLocks noGrp="1"/>
+          </p:cNvSpPr>
+          <p:nvPr>
+            <p:ph idx="1"/>
+          </p:nvPr>
+        </p:nvSpPr>
+        <p:spPr/>
+        <p:txBody>
+          <a:bodyPr/>
+          <a:lstStyle/>
+          <a:p>
+            <a:pPr lvl="0" indent="0" marL="0">
+              <a:buNone/>
+            </a:pPr>
+            <a:r>
+              <a:rPr/>
+              <a:t>``` Java linenums=“1” class Main { public static void main(String[] args) {</a:t>
+            </a:r>
+          </a:p>
+          <a:p>
+            <a:pPr lvl="0" indent="0">
+              <a:buNone/>
+            </a:pPr>
+            <a:r>
+              <a:rPr>
+                <a:latin typeface="Courier"/>
+              </a:rPr>
+              <a:t>// declare an object variable
+ProgrammingLanguage pl;
+// create object of ProgrammingLanguage
+pl = new ProgrammingLanguage();
+pl.display();
+// create object of Java class
+pl = new Java();
+pl.display();</a:t>
+            </a:r>
+          </a:p>
+          <a:p>
+            <a:pPr lvl="0" indent="0" marL="0">
+              <a:buNone/>
+            </a:pPr>
+            <a:r>
+              <a:rPr/>
+              <a:t>} }</a:t>
+            </a:r>
+          </a:p>
+          <a:p>
+            <a:pPr lvl="0" indent="0">
+              <a:buNone/>
+            </a:pPr>
+            <a:r>
+              <a:rPr>
+                <a:latin typeface="Courier"/>
+              </a:rPr>
+              <a:t>
+---
+## **Java Encapsulation**
+---
+## Java Encapsulation
+- It prevents outer classes from accessing and changing fields and methods of a class. This also helps to achieve data hiding
+---
+## Java Encapsulation Example
+``` Java linenums="1"
+class Area {
+  // fields to calculate area
+  int length;
+  int breadth;
+  // constructor to initialize values
+  Area(int length, int breadth) {
+    this.length = length;
+    this.breadth = breadth;
+  }
+  // method to calculate area
+  public void getArea() {
+    int area = length * breadth;
+    System.out.println("Area: " + area);
+  }
+}</a:t>
+            </a:r>
+          </a:p>
+        </p:txBody>
+      </p:sp>
+    </p:spTree>
+  </p:cSld>
+</p:sld>
+</file>
+
+<file path=ppt/slides/slide63.xml><?xml version="1.0" encoding="utf-8"?>
+<p:sld xmlns:a="http://schemas.openxmlformats.org/drawingml/2006/main" xmlns:r="http://schemas.openxmlformats.org/officeDocument/2006/relationships" xmlns:p="http://schemas.openxmlformats.org/presentationml/2006/main">
+  <p:cSld>
+    <p:spTree>
+      <p:nvGrpSpPr>
+        <p:cNvPr id="1" name=""/>
+        <p:cNvGrpSpPr/>
+        <p:nvPr/>
+      </p:nvGrpSpPr>
+      <p:grpSpPr>
+        <a:xfrm>
+          <a:off x="0" y="0"/>
+          <a:ext cx="0" cy="0"/>
+          <a:chOff x="0" y="0"/>
+          <a:chExt cx="0" cy="0"/>
+        </a:xfrm>
+      </p:grpSpPr>
+      <p:sp>
+        <p:nvSpPr>
+          <p:cNvPr id="2" name="Title 1"/>
+          <p:cNvSpPr>
+            <a:spLocks noGrp="1"/>
+          </p:cNvSpPr>
+          <p:nvPr>
+            <p:ph type="title"/>
+          </p:nvPr>
+        </p:nvSpPr>
+        <p:spPr/>
+        <p:txBody>
+          <a:bodyPr/>
+          <a:lstStyle/>
+          <a:p>
+            <a:pPr lvl="0" indent="0" marL="0">
+              <a:buNone/>
+            </a:pPr>
+            <a:r>
+              <a:rPr/>
+              <a:t>Java Encapsulation Example</a:t>
+            </a:r>
+          </a:p>
+        </p:txBody>
+      </p:sp>
+      <p:sp>
+        <p:nvSpPr>
+          <p:cNvPr id="3" name="Content Placeholder 2"/>
+          <p:cNvSpPr>
+            <a:spLocks noGrp="1"/>
+          </p:cNvSpPr>
+          <p:nvPr>
+            <p:ph idx="1"/>
+          </p:nvPr>
+        </p:nvSpPr>
+        <p:spPr/>
+        <p:txBody>
+          <a:bodyPr/>
+          <a:lstStyle/>
+          <a:p>
+            <a:pPr lvl="0" indent="0" marL="0">
+              <a:buNone/>
+            </a:pPr>
+            <a:r>
+              <a:rPr/>
+              <a:t>``` Java linenums=“1” class Main { public static void main(String[] args) {</a:t>
+            </a:r>
+          </a:p>
+          <a:p>
+            <a:pPr lvl="0" indent="0">
+              <a:buNone/>
+            </a:pPr>
+            <a:r>
+              <a:rPr>
+                <a:latin typeface="Courier"/>
+              </a:rPr>
+              <a:t>// create object of Area
+// pass value of length and breadth
+Area rectangle = new Area(5, 6);
+rectangle.getArea();</a:t>
+            </a:r>
+          </a:p>
+          <a:p>
+            <a:pPr lvl="0" indent="0" marL="0">
+              <a:buNone/>
+            </a:pPr>
+            <a:r>
+              <a:rPr/>
+              <a:t>} }</a:t>
+            </a:r>
+          </a:p>
+          <a:p>
+            <a:pPr lvl="0" indent="0">
+              <a:buNone/>
+            </a:pPr>
+            <a:r>
+              <a:rPr>
+                <a:latin typeface="Courier"/>
+              </a:rPr>
+              <a:t>
+---
+## Why Encapsulation?
+- In Java, encapsulation helps us to keep 
+  - related 
+    - fields and 
+    - methods together, 
+  - which makes our code cleaner and easy to read.
+---
+## Why Encapsulation?
+- It helps to control the values of our data fields
+``` Java linenums="1"
+class Person {
+  private int age;
+  public void setAge(int age) {
+    if (age &gt;= 0) {
+      this.age = age;
+    }
+  }
+}</a:t>
+            </a:r>
+          </a:p>
+        </p:txBody>
+      </p:sp>
+    </p:spTree>
+  </p:cSld>
+</p:sld>
+</file>
+
+<file path=ppt/slides/slide64.xml><?xml version="1.0" encoding="utf-8"?>
+<p:sld xmlns:a="http://schemas.openxmlformats.org/drawingml/2006/main" xmlns:r="http://schemas.openxmlformats.org/officeDocument/2006/relationships" xmlns:p="http://schemas.openxmlformats.org/presentationml/2006/main">
+  <p:cSld>
+    <p:spTree>
+      <p:nvGrpSpPr>
+        <p:cNvPr id="1" name=""/>
+        <p:cNvGrpSpPr/>
+        <p:nvPr/>
+      </p:nvGrpSpPr>
+      <p:grpSpPr>
+        <a:xfrm>
+          <a:off x="0" y="0"/>
+          <a:ext cx="0" cy="0"/>
+          <a:chOff x="0" y="0"/>
+          <a:chExt cx="0" cy="0"/>
+        </a:xfrm>
+      </p:grpSpPr>
+      <p:sp>
+        <p:nvSpPr>
+          <p:cNvPr id="2" name="Title 1"/>
+          <p:cNvSpPr>
+            <a:spLocks noGrp="1"/>
+          </p:cNvSpPr>
+          <p:nvPr>
+            <p:ph type="title"/>
+          </p:nvPr>
+        </p:nvSpPr>
+        <p:spPr/>
+        <p:txBody>
+          <a:bodyPr/>
+          <a:lstStyle/>
+          <a:p>
+            <a:pPr lvl="0" indent="0" marL="0">
+              <a:buNone/>
+            </a:pPr>
+            <a:r>
+              <a:rPr/>
+              <a:t>Why Encapsulation?</a:t>
+            </a:r>
+          </a:p>
+        </p:txBody>
+      </p:sp>
+      <p:sp>
+        <p:nvSpPr>
+          <p:cNvPr id="3" name="Content Placeholder 2"/>
+          <p:cNvSpPr>
+            <a:spLocks noGrp="1"/>
+          </p:cNvSpPr>
+          <p:nvPr>
+            <p:ph idx="1"/>
+          </p:nvPr>
+        </p:nvSpPr>
+        <p:spPr/>
+        <p:txBody>
+          <a:bodyPr/>
+          <a:lstStyle/>
+          <a:p>
+            <a:pPr lvl="0"/>
+            <a:r>
+              <a:rPr/>
+              <a:t>The getter and setter methods provide</a:t>
+            </a:r>
+          </a:p>
+          <a:p>
+            <a:pPr lvl="1"/>
+            <a:r>
+              <a:rPr/>
+              <a:t>read-only or</a:t>
+            </a:r>
+          </a:p>
+          <a:p>
+            <a:pPr lvl="1"/>
+            <a:r>
+              <a:rPr/>
+              <a:t>write-only</a:t>
+            </a:r>
+          </a:p>
+          <a:p>
+            <a:pPr lvl="0"/>
+            <a:r>
+              <a:rPr/>
+              <a:t>access to our class fields</a:t>
+            </a:r>
+          </a:p>
+          <a:p>
+            <a:pPr lvl="0" indent="0" marL="0">
+              <a:buNone/>
+            </a:pPr>
+            <a:r>
+              <a:rPr>
+                <a:latin typeface="Courier"/>
+              </a:rPr>
+              <a:t>Java linenums="1" getName()  // provides read-only access setName() // provides write-only access</a:t>
+            </a:r>
+            <a:r>
+              <a:rPr/>
+              <a:t> —</a:t>
+            </a:r>
+          </a:p>
+        </p:txBody>
+      </p:sp>
+    </p:spTree>
+  </p:cSld>
+</p:sld>
+</file>
+
+<file path=ppt/slides/slide65.xml><?xml version="1.0" encoding="utf-8"?>
+<p:sld xmlns:a="http://schemas.openxmlformats.org/drawingml/2006/main" xmlns:r="http://schemas.openxmlformats.org/officeDocument/2006/relationships" xmlns:p="http://schemas.openxmlformats.org/presentationml/2006/main">
+  <p:cSld>
+    <p:spTree>
+      <p:nvGrpSpPr>
+        <p:cNvPr id="1" name=""/>
+        <p:cNvGrpSpPr/>
+        <p:nvPr/>
+      </p:nvGrpSpPr>
+      <p:grpSpPr>
+        <a:xfrm>
+          <a:off x="0" y="0"/>
+          <a:ext cx="0" cy="0"/>
+          <a:chOff x="0" y="0"/>
+          <a:chExt cx="0" cy="0"/>
+        </a:xfrm>
+      </p:grpSpPr>
+      <p:sp>
+        <p:nvSpPr>
+          <p:cNvPr id="2" name="Title 1"/>
+          <p:cNvSpPr>
+            <a:spLocks noGrp="1"/>
+          </p:cNvSpPr>
+          <p:nvPr>
+            <p:ph type="title"/>
+          </p:nvPr>
+        </p:nvSpPr>
+        <p:spPr/>
+        <p:txBody>
+          <a:bodyPr/>
+          <a:lstStyle/>
+          <a:p>
+            <a:pPr lvl="0" indent="0" marL="0">
+              <a:buNone/>
+            </a:pPr>
+            <a:r>
+              <a:rPr/>
+              <a:t>Why Encapsulation?</a:t>
+            </a:r>
+          </a:p>
+        </p:txBody>
+      </p:sp>
+      <p:sp>
+        <p:nvSpPr>
+          <p:cNvPr id="3" name="Content Placeholder 2"/>
+          <p:cNvSpPr>
+            <a:spLocks noGrp="1"/>
+          </p:cNvSpPr>
+          <p:nvPr>
+            <p:ph idx="1"/>
+          </p:nvPr>
+        </p:nvSpPr>
+        <p:spPr/>
+        <p:txBody>
+          <a:bodyPr/>
+          <a:lstStyle/>
+          <a:p>
+            <a:pPr lvl="0"/>
+            <a:r>
+              <a:rPr/>
+              <a:t>It helps to decouple components of a system.</a:t>
+            </a:r>
+          </a:p>
+          <a:p>
+            <a:pPr lvl="1"/>
+            <a:r>
+              <a:rPr/>
+              <a:t>For example,</a:t>
+            </a:r>
+          </a:p>
+          <a:p>
+            <a:pPr lvl="2"/>
+            <a:r>
+              <a:rPr/>
+              <a:t>we can encapsulate code into multiple bundles.</a:t>
+            </a:r>
+          </a:p>
+          <a:p>
+            <a:pPr lvl="0"/>
+            <a:r>
+              <a:rPr/>
+              <a:t>These decoupled components (bundle)</a:t>
+            </a:r>
+          </a:p>
+          <a:p>
+            <a:pPr lvl="1"/>
+            <a:r>
+              <a:rPr/>
+              <a:t>can be developed,</a:t>
+            </a:r>
+          </a:p>
+          <a:p>
+            <a:pPr lvl="1"/>
+            <a:r>
+              <a:rPr/>
+              <a:t>tested, and</a:t>
+            </a:r>
+          </a:p>
+          <a:p>
+            <a:pPr lvl="1"/>
+            <a:r>
+              <a:rPr/>
+              <a:t>debugged independently and concurrently.</a:t>
+            </a:r>
+          </a:p>
+          <a:p>
+            <a:pPr lvl="0"/>
+            <a:r>
+              <a:rPr/>
+              <a:t>And, any changes in a particular component</a:t>
+            </a:r>
+          </a:p>
+          <a:p>
+            <a:pPr lvl="1"/>
+            <a:r>
+              <a:rPr/>
+              <a:t>do not have any effect on other components.</a:t>
+            </a:r>
+          </a:p>
+        </p:txBody>
+      </p:sp>
+    </p:spTree>
+  </p:cSld>
+</p:sld>
+</file>
+
+<file path=ppt/slides/slide66.xml><?xml version="1.0" encoding="utf-8"?>
+<p:sld xmlns:a="http://schemas.openxmlformats.org/drawingml/2006/main" xmlns:r="http://schemas.openxmlformats.org/officeDocument/2006/relationships" xmlns:p="http://schemas.openxmlformats.org/presentationml/2006/main">
+  <p:cSld>
+    <p:spTree>
+      <p:nvGrpSpPr>
+        <p:cNvPr id="1" name=""/>
+        <p:cNvGrpSpPr/>
+        <p:nvPr/>
+      </p:nvGrpSpPr>
+      <p:grpSpPr>
+        <a:xfrm>
+          <a:off x="0" y="0"/>
+          <a:ext cx="0" cy="0"/>
+          <a:chOff x="0" y="0"/>
+          <a:chExt cx="0" cy="0"/>
+        </a:xfrm>
+      </p:grpSpPr>
+      <p:sp>
+        <p:nvSpPr>
+          <p:cNvPr id="2" name="Title 1"/>
+          <p:cNvSpPr>
+            <a:spLocks noGrp="1"/>
+          </p:cNvSpPr>
+          <p:nvPr>
+            <p:ph type="title"/>
+          </p:nvPr>
+        </p:nvSpPr>
+        <p:spPr/>
+        <p:txBody>
+          <a:bodyPr/>
+          <a:lstStyle/>
+          <a:p>
+            <a:pPr lvl="0" indent="0" marL="0">
+              <a:buNone/>
+            </a:pPr>
+            <a:r>
+              <a:rPr/>
+              <a:t>Why Encapsulation?</a:t>
+            </a:r>
+          </a:p>
+        </p:txBody>
+      </p:sp>
+      <p:sp>
+        <p:nvSpPr>
+          <p:cNvPr id="3" name="Content Placeholder 2"/>
+          <p:cNvSpPr>
+            <a:spLocks noGrp="1"/>
+          </p:cNvSpPr>
+          <p:nvPr>
+            <p:ph idx="1"/>
+          </p:nvPr>
+        </p:nvSpPr>
+        <p:spPr/>
+        <p:txBody>
+          <a:bodyPr/>
+          <a:lstStyle/>
+          <a:p>
+            <a:pPr lvl="0"/>
+            <a:r>
+              <a:rPr/>
+              <a:t>We can also achieve data hiding using encapsulation.</a:t>
+            </a:r>
+          </a:p>
+          <a:p>
+            <a:pPr lvl="0"/>
+            <a:r>
+              <a:rPr/>
+              <a:t>In the next example,</a:t>
+            </a:r>
+          </a:p>
+          <a:p>
+            <a:pPr lvl="1"/>
+            <a:r>
+              <a:rPr/>
+              <a:t>if we change the length and breadth variable into private,</a:t>
+            </a:r>
+          </a:p>
+          <a:p>
+            <a:pPr lvl="1"/>
+            <a:r>
+              <a:rPr/>
+              <a:t>then the access to these fields is restricted.</a:t>
+            </a:r>
+          </a:p>
+          <a:p>
+            <a:pPr lvl="0"/>
+            <a:r>
+              <a:rPr/>
+              <a:t>And, they are kept hidden from outer classes.</a:t>
+            </a:r>
+          </a:p>
+          <a:p>
+            <a:pPr lvl="1"/>
+            <a:r>
+              <a:rPr/>
+              <a:t>This is called data hiding.</a:t>
+            </a:r>
+          </a:p>
+        </p:txBody>
+      </p:sp>
+    </p:spTree>
+  </p:cSld>
+</p:sld>
+</file>
+
+<file path=ppt/slides/slide67.xml><?xml version="1.0" encoding="utf-8"?>
+<p:sld xmlns:a="http://schemas.openxmlformats.org/drawingml/2006/main" xmlns:r="http://schemas.openxmlformats.org/officeDocument/2006/relationships" xmlns:p="http://schemas.openxmlformats.org/presentationml/2006/main">
+  <p:cSld>
+    <p:spTree>
+      <p:nvGrpSpPr>
+        <p:cNvPr id="1" name=""/>
+        <p:cNvGrpSpPr/>
+        <p:nvPr/>
+      </p:nvGrpSpPr>
+      <p:grpSpPr>
+        <a:xfrm>
+          <a:off x="0" y="0"/>
+          <a:ext cx="0" cy="0"/>
+          <a:chOff x="0" y="0"/>
+          <a:chExt cx="0" cy="0"/>
+        </a:xfrm>
+      </p:grpSpPr>
+      <p:sp>
+        <p:nvSpPr>
+          <p:cNvPr id="2" name="Title 1"/>
+          <p:cNvSpPr>
+            <a:spLocks noGrp="1"/>
+          </p:cNvSpPr>
+          <p:nvPr>
+            <p:ph type="title"/>
+          </p:nvPr>
+        </p:nvSpPr>
+        <p:spPr/>
+        <p:txBody>
+          <a:bodyPr/>
+          <a:lstStyle/>
+          <a:p>
+            <a:pPr lvl="0" indent="0" marL="0">
+              <a:buNone/>
+            </a:pPr>
+            <a:r>
+              <a:rPr/>
+              <a:t>Why Encapsulation?</a:t>
+            </a:r>
+          </a:p>
+        </p:txBody>
+      </p:sp>
+      <p:sp>
+        <p:nvSpPr>
+          <p:cNvPr id="3" name="Content Placeholder 2"/>
+          <p:cNvSpPr>
+            <a:spLocks noGrp="1"/>
+          </p:cNvSpPr>
+          <p:nvPr>
+            <p:ph idx="1"/>
+          </p:nvPr>
+        </p:nvSpPr>
+        <p:spPr/>
+        <p:txBody>
+          <a:bodyPr/>
+          <a:lstStyle/>
+          <a:p>
+            <a:pPr lvl="0" indent="0" marL="0">
+              <a:buNone/>
+            </a:pPr>
+            <a:r>
+              <a:rPr/>
+              <a:t>``` Java linenums=“1” class Area {</a:t>
+            </a:r>
+          </a:p>
+          <a:p>
+            <a:pPr lvl="0" indent="0" marL="0">
+              <a:buNone/>
+            </a:pPr>
+            <a:r>
+              <a:rPr/>
+              <a:t>// fields to calculate area int length; int breadth;</a:t>
+            </a:r>
+          </a:p>
+          <a:p>
+            <a:pPr lvl="0" indent="0" marL="0">
+              <a:buNone/>
+            </a:pPr>
+            <a:r>
+              <a:rPr/>
+              <a:t>// constructor to initialize values Area(int length, int breadth) { this.length = length; this.breadth = breadth; }</a:t>
+            </a:r>
+          </a:p>
+          <a:p>
+            <a:pPr lvl="0" indent="0" marL="0">
+              <a:buNone/>
+            </a:pPr>
+            <a:r>
+              <a:rPr/>
+              <a:t>// method to calculate area public void getArea() { int area = length * breadth; System.out.println(“Area:” + area); } }</a:t>
+            </a:r>
+          </a:p>
+          <a:p>
+            <a:pPr lvl="0" indent="0">
+              <a:buNone/>
+            </a:pPr>
+            <a:r>
+              <a:rPr>
+                <a:latin typeface="Courier"/>
+              </a:rPr>
+              <a:t>
+---
+## Why Encapsulation?
+``` Java linenums="1"
+class Main {
+  public static void main(String[] args) {
+    // create object of Area
+    // pass value of length and breadth
+    Area rectangle = new Area(5, 6);
+    rectangle.getArea();
+  }
+}</a:t>
+            </a:r>
+          </a:p>
+        </p:txBody>
+      </p:sp>
+    </p:spTree>
+  </p:cSld>
+</p:sld>
+</file>
+
+<file path=ppt/slides/slide68.xml><?xml version="1.0" encoding="utf-8"?>
+<p:sld xmlns:a="http://schemas.openxmlformats.org/drawingml/2006/main" xmlns:r="http://schemas.openxmlformats.org/officeDocument/2006/relationships" xmlns:p="http://schemas.openxmlformats.org/presentationml/2006/main">
+  <p:cSld>
+    <p:spTree>
+      <p:nvGrpSpPr>
+        <p:cNvPr id="1" name=""/>
+        <p:cNvGrpSpPr/>
+        <p:nvPr/>
+      </p:nvGrpSpPr>
+      <p:grpSpPr>
+        <a:xfrm>
+          <a:off x="0" y="0"/>
+          <a:ext cx="0" cy="0"/>
+          <a:chOff x="0" y="0"/>
+          <a:chExt cx="0" cy="0"/>
+        </a:xfrm>
+      </p:grpSpPr>
+      <p:sp>
+        <p:nvSpPr>
+          <p:cNvPr id="2" name="Title 1"/>
+          <p:cNvSpPr>
+            <a:spLocks noGrp="1"/>
+          </p:cNvSpPr>
+          <p:nvPr>
+            <p:ph type="title"/>
+          </p:nvPr>
+        </p:nvSpPr>
+        <p:spPr/>
+        <p:txBody>
+          <a:bodyPr/>
+          <a:lstStyle/>
+          <a:p>
+            <a:pPr lvl="0" indent="0" marL="0">
+              <a:buNone/>
+            </a:pPr>
+            <a:r>
+              <a:rPr/>
+              <a:t>Data Hiding</a:t>
+            </a:r>
+          </a:p>
+        </p:txBody>
+      </p:sp>
+      <p:sp>
+        <p:nvSpPr>
+          <p:cNvPr id="3" name="Content Placeholder 2"/>
+          <p:cNvSpPr>
+            <a:spLocks noGrp="1"/>
+          </p:cNvSpPr>
+          <p:nvPr>
+            <p:ph idx="1"/>
+          </p:nvPr>
+        </p:nvSpPr>
+        <p:spPr/>
+        <p:txBody>
+          <a:bodyPr/>
+          <a:lstStyle/>
+          <a:p>
+            <a:pPr lvl="0"/>
+            <a:r>
+              <a:rPr/>
+              <a:t>Data hiding is a way of restricting the access of our data members by hiding the implementation details.</a:t>
+            </a:r>
+          </a:p>
+          <a:p>
+            <a:pPr lvl="0"/>
+            <a:r>
+              <a:rPr/>
+              <a:t>Encapsulation also provides a way for data hiding.</a:t>
+            </a:r>
+          </a:p>
+          <a:p>
+            <a:pPr lvl="0"/>
+            <a:r>
+              <a:rPr/>
+              <a:t>We can use access modifiers to achieve data hiding</a:t>
+            </a:r>
+          </a:p>
+        </p:txBody>
+      </p:sp>
+    </p:spTree>
+  </p:cSld>
+</p:sld>
+</file>
+
+<file path=ppt/slides/slide69.xml><?xml version="1.0" encoding="utf-8"?>
+<p:sld xmlns:a="http://schemas.openxmlformats.org/drawingml/2006/main" xmlns:r="http://schemas.openxmlformats.org/officeDocument/2006/relationships" xmlns:p="http://schemas.openxmlformats.org/presentationml/2006/main">
+  <p:cSld>
+    <p:spTree>
+      <p:nvGrpSpPr>
+        <p:cNvPr id="1" name=""/>
+        <p:cNvGrpSpPr/>
+        <p:nvPr/>
+      </p:nvGrpSpPr>
+      <p:grpSpPr>
+        <a:xfrm>
+          <a:off x="0" y="0"/>
+          <a:ext cx="0" cy="0"/>
+          <a:chOff x="0" y="0"/>
+          <a:chExt cx="0" cy="0"/>
+        </a:xfrm>
+      </p:grpSpPr>
+      <p:sp>
+        <p:nvSpPr>
+          <p:cNvPr id="2" name="Title 1"/>
+          <p:cNvSpPr>
+            <a:spLocks noGrp="1"/>
+          </p:cNvSpPr>
+          <p:nvPr>
+            <p:ph type="title"/>
+          </p:nvPr>
+        </p:nvSpPr>
+        <p:spPr/>
+        <p:txBody>
+          <a:bodyPr/>
+          <a:lstStyle/>
+          <a:p>
+            <a:pPr lvl="0" indent="0" marL="0">
+              <a:buNone/>
+            </a:pPr>
+            <a:r>
+              <a:rPr/>
+              <a:t>Data hiding using the private specifier example</a:t>
+            </a:r>
+          </a:p>
+        </p:txBody>
+      </p:sp>
+      <p:sp>
+        <p:nvSpPr>
+          <p:cNvPr id="3" name="Content Placeholder 2"/>
+          <p:cNvSpPr>
+            <a:spLocks noGrp="1"/>
+          </p:cNvSpPr>
+          <p:nvPr>
+            <p:ph idx="1"/>
+          </p:nvPr>
+        </p:nvSpPr>
+        <p:spPr/>
+        <p:txBody>
+          <a:bodyPr/>
+          <a:lstStyle/>
+          <a:p>
+            <a:pPr lvl="0"/>
+            <a:r>
+              <a:rPr/>
+              <a:t>Making </a:t>
+            </a:r>
+            <a:r>
+              <a:rPr>
+                <a:latin typeface="Courier"/>
+              </a:rPr>
+              <a:t>age</a:t>
+            </a:r>
+            <a:r>
+              <a:rPr/>
+              <a:t> private allowed us to restrict unauthorized access from outside the class. This is data hiding.</a:t>
+            </a:r>
+          </a:p>
+        </p:txBody>
+      </p:sp>
+    </p:spTree>
+  </p:cSld>
+</p:sld>
+</file>
+
+<file path=ppt/slides/slide7.xml><?xml version="1.0" encoding="utf-8"?>
+<p:sld xmlns:a="http://schemas.openxmlformats.org/drawingml/2006/main" xmlns:r="http://schemas.openxmlformats.org/officeDocument/2006/relationships" xmlns:p="http://schemas.openxmlformats.org/presentationml/2006/main">
+  <p:cSld>
+    <p:spTree>
+      <p:nvGrpSpPr>
+        <p:cNvPr id="1" name=""/>
+        <p:cNvGrpSpPr/>
+        <p:nvPr/>
+      </p:nvGrpSpPr>
+      <p:grpSpPr>
+        <a:xfrm>
+          <a:off x="0" y="0"/>
+          <a:ext cx="0" cy="0"/>
+          <a:chOff x="0" y="0"/>
+          <a:chExt cx="0" cy="0"/>
+        </a:xfrm>
+      </p:grpSpPr>
+      <p:sp>
+        <p:nvSpPr>
+          <p:cNvPr id="2" name="Title 1"/>
+          <p:cNvSpPr>
+            <a:spLocks noGrp="1"/>
+          </p:cNvSpPr>
+          <p:nvPr>
+            <p:ph type="title"/>
+          </p:nvPr>
+        </p:nvSpPr>
+        <p:spPr/>
+        <p:txBody>
+          <a:bodyPr/>
+          <a:lstStyle/>
+          <a:p>
+            <a:pPr lvl="0" indent="0" marL="0">
+              <a:buNone/>
+            </a:pPr>
+            <a:r>
+              <a:rPr b="1"/>
+              <a:t>Java super keyword</a:t>
+            </a:r>
+          </a:p>
+        </p:txBody>
+      </p:sp>
+    </p:spTree>
+  </p:cSld>
+</p:sld>
+</file>
+
+<file path=ppt/slides/slide70.xml><?xml version="1.0" encoding="utf-8"?>
+<p:sld xmlns:a="http://schemas.openxmlformats.org/drawingml/2006/main" xmlns:r="http://schemas.openxmlformats.org/officeDocument/2006/relationships" xmlns:p="http://schemas.openxmlformats.org/presentationml/2006/main">
+  <p:cSld>
+    <p:spTree>
+      <p:nvGrpSpPr>
+        <p:cNvPr id="1" name=""/>
+        <p:cNvGrpSpPr/>
+        <p:nvPr/>
+      </p:nvGrpSpPr>
+      <p:grpSpPr>
+        <a:xfrm>
+          <a:off x="0" y="0"/>
+          <a:ext cx="0" cy="0"/>
+          <a:chOff x="0" y="0"/>
+          <a:chExt cx="0" cy="0"/>
+        </a:xfrm>
+      </p:grpSpPr>
+      <p:sp>
+        <p:nvSpPr>
+          <p:cNvPr id="2" name="Title 1"/>
+          <p:cNvSpPr>
+            <a:spLocks noGrp="1"/>
+          </p:cNvSpPr>
+          <p:nvPr>
+            <p:ph type="title"/>
+          </p:nvPr>
+        </p:nvSpPr>
+        <p:spPr/>
+        <p:txBody>
+          <a:bodyPr/>
+          <a:lstStyle/>
+          <a:p>
+            <a:pPr lvl="0" indent="0" marL="0">
+              <a:buNone/>
+            </a:pPr>
+            <a:r>
+              <a:rPr/>
+              <a:t>Data hiding using the private specifier example</a:t>
+            </a:r>
+          </a:p>
+        </p:txBody>
+      </p:sp>
+      <p:sp>
+        <p:nvSpPr>
+          <p:cNvPr id="3" name="Content Placeholder 2"/>
+          <p:cNvSpPr>
+            <a:spLocks noGrp="1"/>
+          </p:cNvSpPr>
+          <p:nvPr>
+            <p:ph idx="1"/>
+          </p:nvPr>
+        </p:nvSpPr>
+        <p:spPr/>
+        <p:txBody>
+          <a:bodyPr/>
+          <a:lstStyle/>
+          <a:p>
+            <a:pPr lvl="0" indent="0" marL="0">
+              <a:buNone/>
+            </a:pPr>
+            <a:r>
+              <a:rPr/>
+              <a:t>``` Java linenums=“1” class Person {</a:t>
+            </a:r>
+          </a:p>
+          <a:p>
+            <a:pPr lvl="0" indent="0" marL="0">
+              <a:buNone/>
+            </a:pPr>
+            <a:r>
+              <a:rPr/>
+              <a:t>// private field private int age;</a:t>
+            </a:r>
+          </a:p>
+          <a:p>
+            <a:pPr lvl="0" indent="0" marL="0">
+              <a:buNone/>
+            </a:pPr>
+            <a:r>
+              <a:rPr/>
+              <a:t>// getter method public int getAge() { return age; }</a:t>
+            </a:r>
+          </a:p>
+          <a:p>
+            <a:pPr lvl="0" indent="0" marL="0">
+              <a:buNone/>
+            </a:pPr>
+            <a:r>
+              <a:rPr/>
+              <a:t>// setter method public void setAge(int age) { this.age = age; } }</a:t>
+            </a:r>
+          </a:p>
+          <a:p>
+            <a:pPr lvl="0" indent="0">
+              <a:buNone/>
+            </a:pPr>
+            <a:r>
+              <a:rPr>
+                <a:latin typeface="Courier"/>
+              </a:rPr>
+              <a:t>
+---
+## Data hiding using the private specifier example
+``` Java linenums="1"
+class Main {
+  public static void main(String[] args) {
+    // create an object of Person
+    Person p1 = new Person();
+    // change age using setter
+    p1.setAge(24);
+    // access age using getter
+    System.out.println("My age is " + p1.getAge());
+  }
+}</a:t>
+            </a:r>
+          </a:p>
+        </p:txBody>
+      </p:sp>
+    </p:spTree>
+  </p:cSld>
+</p:sld>
+</file>
+
+<file path=ppt/slides/slide71.xml><?xml version="1.0" encoding="utf-8"?>
+<p:sld xmlns:a="http://schemas.openxmlformats.org/drawingml/2006/main" xmlns:r="http://schemas.openxmlformats.org/officeDocument/2006/relationships" xmlns:p="http://schemas.openxmlformats.org/presentationml/2006/main">
+  <p:cSld>
+    <p:spTree>
+      <p:nvGrpSpPr>
+        <p:cNvPr id="1" name=""/>
+        <p:cNvGrpSpPr/>
+        <p:nvPr/>
+      </p:nvGrpSpPr>
+      <p:grpSpPr>
+        <a:xfrm>
+          <a:off x="0" y="0"/>
+          <a:ext cx="0" cy="0"/>
+          <a:chOff x="0" y="0"/>
+          <a:chExt cx="0" cy="0"/>
+        </a:xfrm>
+      </p:grpSpPr>
+      <p:sp>
+        <p:nvSpPr>
+          <p:cNvPr id="2" name="Title 1"/>
+          <p:cNvSpPr>
+            <a:spLocks noGrp="1"/>
+          </p:cNvSpPr>
+          <p:nvPr>
+            <p:ph type="title"/>
+          </p:nvPr>
+        </p:nvSpPr>
+        <p:spPr/>
+        <p:txBody>
+          <a:bodyPr/>
+          <a:lstStyle/>
+          <a:p>
+            <a:pPr lvl="0" indent="0" marL="0">
+              <a:buNone/>
+            </a:pPr>
+            <a:r>
+              <a:rPr b="1"/>
+              <a:t>Java Method Overriding</a:t>
+            </a:r>
+          </a:p>
+        </p:txBody>
+      </p:sp>
+    </p:spTree>
+  </p:cSld>
+</p:sld>
+</file>
+
+<file path=ppt/slides/slide72.xml><?xml version="1.0" encoding="utf-8"?>
+<p:sld xmlns:a="http://schemas.openxmlformats.org/drawingml/2006/main" xmlns:r="http://schemas.openxmlformats.org/officeDocument/2006/relationships" xmlns:p="http://schemas.openxmlformats.org/presentationml/2006/main">
+  <p:cSld>
+    <p:spTree>
+      <p:nvGrpSpPr>
+        <p:cNvPr id="1" name=""/>
+        <p:cNvGrpSpPr/>
+        <p:nvPr/>
+      </p:nvGrpSpPr>
+      <p:grpSpPr>
+        <a:xfrm>
+          <a:off x="0" y="0"/>
+          <a:ext cx="0" cy="0"/>
+          <a:chOff x="0" y="0"/>
+          <a:chExt cx="0" cy="0"/>
+        </a:xfrm>
+      </p:grpSpPr>
+      <p:sp>
+        <p:nvSpPr>
+          <p:cNvPr id="2" name="Title 1"/>
+          <p:cNvSpPr>
+            <a:spLocks noGrp="1"/>
+          </p:cNvSpPr>
+          <p:nvPr>
+            <p:ph type="title"/>
+          </p:nvPr>
+        </p:nvSpPr>
+        <p:spPr/>
+        <p:txBody>
+          <a:bodyPr/>
+          <a:lstStyle/>
+          <a:p>
+            <a:pPr lvl="0" indent="0" marL="0">
+              <a:buNone/>
+            </a:pPr>
+            <a:r>
+              <a:rPr/>
+              <a:t>Java Method Overriding</a:t>
+            </a:r>
+          </a:p>
+        </p:txBody>
+      </p:sp>
+      <p:sp>
+        <p:nvSpPr>
+          <p:cNvPr id="3" name="Content Placeholder 2"/>
+          <p:cNvSpPr>
+            <a:spLocks noGrp="1"/>
+          </p:cNvSpPr>
+          <p:nvPr>
+            <p:ph idx="1"/>
+          </p:nvPr>
+        </p:nvSpPr>
+        <p:spPr/>
+        <p:txBody>
+          <a:bodyPr/>
+          <a:lstStyle/>
+          <a:p>
+            <a:pPr lvl="0"/>
+            <a:r>
+              <a:rPr/>
+              <a:t>The method overriding is the process of re-defining a method in a child class that is already defined in the parent class.</a:t>
+            </a:r>
+          </a:p>
+          <a:p>
+            <a:pPr lvl="0"/>
+            <a:r>
+              <a:rPr/>
+              <a:t>When both parent and child classes have the same method, then that method is said to be the overriding method.</a:t>
+            </a:r>
+          </a:p>
+          <a:p>
+            <a:pPr lvl="0"/>
+            <a:r>
+              <a:rPr/>
+              <a:t>The method overriding enables the child class to change the implementation of the method which aquired from parent class according to its requirement.</a:t>
+            </a:r>
+          </a:p>
+        </p:txBody>
+      </p:sp>
+    </p:spTree>
+  </p:cSld>
+</p:sld>
+</file>
+
+<file path=ppt/slides/slide73.xml><?xml version="1.0" encoding="utf-8"?>
+<p:sld xmlns:a="http://schemas.openxmlformats.org/drawingml/2006/main" xmlns:r="http://schemas.openxmlformats.org/officeDocument/2006/relationships" xmlns:p="http://schemas.openxmlformats.org/presentationml/2006/main">
+  <p:cSld>
+    <p:spTree>
+      <p:nvGrpSpPr>
+        <p:cNvPr id="1" name=""/>
+        <p:cNvGrpSpPr/>
+        <p:nvPr/>
+      </p:nvGrpSpPr>
+      <p:grpSpPr>
+        <a:xfrm>
+          <a:off x="0" y="0"/>
+          <a:ext cx="0" cy="0"/>
+          <a:chOff x="0" y="0"/>
+          <a:chExt cx="0" cy="0"/>
+        </a:xfrm>
+      </p:grpSpPr>
+      <p:sp>
+        <p:nvSpPr>
+          <p:cNvPr id="2" name="Title 1"/>
+          <p:cNvSpPr>
+            <a:spLocks noGrp="1"/>
+          </p:cNvSpPr>
+          <p:nvPr>
+            <p:ph type="title"/>
+          </p:nvPr>
+        </p:nvSpPr>
+        <p:spPr/>
+        <p:txBody>
+          <a:bodyPr/>
+          <a:lstStyle/>
+          <a:p>
+            <a:pPr lvl="0" indent="0" marL="0">
+              <a:buNone/>
+            </a:pPr>
+            <a:r>
+              <a:rPr/>
+              <a:t>Java Method Overriding</a:t>
+            </a:r>
+          </a:p>
+        </p:txBody>
+      </p:sp>
+      <p:sp>
+        <p:nvSpPr>
+          <p:cNvPr id="3" name="Content Placeholder 2"/>
+          <p:cNvSpPr>
+            <a:spLocks noGrp="1"/>
+          </p:cNvSpPr>
+          <p:nvPr>
+            <p:ph idx="1"/>
+          </p:nvPr>
+        </p:nvSpPr>
+        <p:spPr/>
+        <p:txBody>
+          <a:bodyPr/>
+          <a:lstStyle/>
+          <a:p>
+            <a:pPr lvl="0" indent="0" marL="0">
+              <a:buNone/>
+            </a:pPr>
+            <a:r>
+              <a:rPr/>
+              <a:t>The method overriding is also known as - dynamic method dispatch or - run time polymorphism or - pure polymorphism.</a:t>
+            </a:r>
+          </a:p>
+        </p:txBody>
+      </p:sp>
+    </p:spTree>
+  </p:cSld>
+</p:sld>
+</file>
+
+<file path=ppt/slides/slide74.xml><?xml version="1.0" encoding="utf-8"?>
+<p:sld xmlns:a="http://schemas.openxmlformats.org/drawingml/2006/main" xmlns:r="http://schemas.openxmlformats.org/officeDocument/2006/relationships" xmlns:p="http://schemas.openxmlformats.org/presentationml/2006/main">
+  <p:cSld>
+    <p:spTree>
+      <p:nvGrpSpPr>
+        <p:cNvPr id="1" name=""/>
+        <p:cNvGrpSpPr/>
+        <p:nvPr/>
+      </p:nvGrpSpPr>
+      <p:grpSpPr>
+        <a:xfrm>
+          <a:off x="0" y="0"/>
+          <a:ext cx="0" cy="0"/>
+          <a:chOff x="0" y="0"/>
+          <a:chExt cx="0" cy="0"/>
+        </a:xfrm>
+      </p:grpSpPr>
+      <p:sp>
+        <p:nvSpPr>
+          <p:cNvPr id="2" name="Title 1"/>
+          <p:cNvSpPr>
+            <a:spLocks noGrp="1"/>
+          </p:cNvSpPr>
+          <p:nvPr>
+            <p:ph type="title"/>
+          </p:nvPr>
+        </p:nvSpPr>
+        <p:spPr/>
+        <p:txBody>
+          <a:bodyPr/>
+          <a:lstStyle/>
+          <a:p>
+            <a:pPr lvl="0" indent="0" marL="0">
+              <a:buNone/>
+            </a:pPr>
+            <a:r>
+              <a:rPr/>
+              <a:t>Java Method Overriding Example</a:t>
+            </a:r>
+          </a:p>
+        </p:txBody>
+      </p:sp>
+      <p:sp>
+        <p:nvSpPr>
+          <p:cNvPr id="3" name="Content Placeholder 2"/>
+          <p:cNvSpPr>
+            <a:spLocks noGrp="1"/>
+          </p:cNvSpPr>
+          <p:nvPr>
+            <p:ph idx="1"/>
+          </p:nvPr>
+        </p:nvSpPr>
+        <p:spPr/>
+        <p:txBody>
+          <a:bodyPr/>
+          <a:lstStyle/>
+          <a:p>
+            <a:pPr lvl="0" indent="0" marL="0">
+              <a:buNone/>
+            </a:pPr>
+            <a:r>
+              <a:rPr/>
+              <a:t>``` Java linenums=“1” class ParentClass{</a:t>
+            </a:r>
+          </a:p>
+          <a:p>
+            <a:pPr lvl="0" indent="0">
+              <a:buNone/>
+            </a:pPr>
+            <a:r>
+              <a:rPr>
+                <a:latin typeface="Courier"/>
+              </a:rPr>
+              <a:t>int num = 10;
+void showData() {
+    System.out.println("Inside ParentClass showData() method");
+    System.out.println("num = " + num);
+}</a:t>
+            </a:r>
+          </a:p>
+          <a:p>
+            <a:pPr lvl="0" indent="0" marL="0">
+              <a:buNone/>
+            </a:pPr>
+            <a:r>
+              <a:rPr/>
+              <a:t>}</a:t>
+            </a:r>
+          </a:p>
+          <a:p>
+            <a:pPr lvl="0" indent="0">
+              <a:buNone/>
+            </a:pPr>
+            <a:r>
+              <a:rPr>
+                <a:latin typeface="Courier"/>
+              </a:rPr>
+              <a:t>
+---
+## Java Method Overriding Example
+``` Java linenums="1"
+class ChildClass extends ParentClass{
+    void showData() {
+        System.out.println("Inside ChildClass showData() method");
+        System.out.println("num = " + num);
+    }
+}</a:t>
+            </a:r>
+          </a:p>
+        </p:txBody>
+      </p:sp>
+    </p:spTree>
+  </p:cSld>
+</p:sld>
+</file>
+
+<file path=ppt/slides/slide75.xml><?xml version="1.0" encoding="utf-8"?>
+<p:sld xmlns:a="http://schemas.openxmlformats.org/drawingml/2006/main" xmlns:r="http://schemas.openxmlformats.org/officeDocument/2006/relationships" xmlns:p="http://schemas.openxmlformats.org/presentationml/2006/main">
+  <p:cSld>
+    <p:spTree>
+      <p:nvGrpSpPr>
+        <p:cNvPr id="1" name=""/>
+        <p:cNvGrpSpPr/>
+        <p:nvPr/>
+      </p:nvGrpSpPr>
+      <p:grpSpPr>
+        <a:xfrm>
+          <a:off x="0" y="0"/>
+          <a:ext cx="0" cy="0"/>
+          <a:chOff x="0" y="0"/>
+          <a:chExt cx="0" cy="0"/>
+        </a:xfrm>
+      </p:grpSpPr>
+      <p:sp>
+        <p:nvSpPr>
+          <p:cNvPr id="2" name="Title 1"/>
+          <p:cNvSpPr>
+            <a:spLocks noGrp="1"/>
+          </p:cNvSpPr>
+          <p:nvPr>
+            <p:ph type="title"/>
+          </p:nvPr>
+        </p:nvSpPr>
+        <p:spPr/>
+        <p:txBody>
+          <a:bodyPr/>
+          <a:lstStyle/>
+          <a:p>
+            <a:pPr lvl="0" indent="0" marL="0">
+              <a:buNone/>
+            </a:pPr>
+            <a:r>
+              <a:rPr/>
+              <a:t>Java Method Overriding Example</a:t>
+            </a:r>
+          </a:p>
+        </p:txBody>
+      </p:sp>
+      <p:sp>
+        <p:nvSpPr>
+          <p:cNvPr id="3" name="Content Placeholder 2"/>
+          <p:cNvSpPr>
+            <a:spLocks noGrp="1"/>
+          </p:cNvSpPr>
+          <p:nvPr>
+            <p:ph idx="1"/>
+          </p:nvPr>
+        </p:nvSpPr>
+        <p:spPr/>
+        <p:txBody>
+          <a:bodyPr/>
+          <a:lstStyle/>
+          <a:p>
+            <a:pPr lvl="0" indent="0" marL="0">
+              <a:buNone/>
+            </a:pPr>
+            <a:r>
+              <a:rPr/>
+              <a:t>``` Java linenums=“1” public class PurePolymorphism {</a:t>
+            </a:r>
+          </a:p>
+          <a:p>
+            <a:pPr lvl="0" indent="0">
+              <a:buNone/>
+            </a:pPr>
+            <a:r>
+              <a:rPr>
+                <a:latin typeface="Courier"/>
+              </a:rPr>
+              <a:t>public static void main(String[] args) {
+    ParentClass obj = new ParentClass();
+    obj.showData();
+    obj = new ChildClass();
+    obj.showData();
+}</a:t>
+            </a:r>
+          </a:p>
+          <a:p>
+            <a:pPr lvl="0" indent="0" marL="0">
+              <a:buNone/>
+            </a:pPr>
+            <a:r>
+              <a:rPr/>
+              <a:t>}</a:t>
+            </a:r>
+          </a:p>
+          <a:p>
+            <a:pPr lvl="0" indent="0">
+              <a:buNone/>
+            </a:pPr>
+            <a:r>
+              <a:rPr>
+                <a:latin typeface="Courier"/>
+              </a:rPr>
+              <a:t>
+---
+## Rules for method overriding
+While overriding a method, we must follow the below list of rules.
+- Static methods can not be overridden.
+- Final methods can not be overridden.
+- Private methods can not be overridden.
+- Constructor can not be overridden.
+- An abstract method must be overridden.
+- Use super keyword to invoke overridden method from child class.
+---
+## Rules for method overriding
+- The return type of the overriding method must be same as the parent has it.
+- The access specifier of the overriding method can be changed, but the visibility must increase but not decrease. For example, a protected method in the parent class can be made public, but not private, in the child class.
+---
+## Rules for method overriding
+- If the overridden method does not throw an exception in the parent class, then the child class overriding method can only throw the unchecked exception, throwing a checked exception is not allowed.
+- If the parent class overridden method does throw an exception, then the child class overriding method can only throw the same, or subclass exception, or it may not throw any exception.
+---
+## Method Overriding Example
+``` Java linenums="1"
+class Animal {
+   public void displayInfo() {
+      System.out.println("I am an animal.");
+   }
+}
+class Dog extends Animal {
+   @Override
+   public void displayInfo() {
+      System.out.println("I am a dog.");
+   }
+}
+class Main {
+   public static void main(String[] args) {
+      Dog d1 = new Dog();
+      d1.displayInfo();
+   }
+}</a:t>
+            </a:r>
+          </a:p>
+        </p:txBody>
+      </p:sp>
+    </p:spTree>
+  </p:cSld>
+</p:sld>
+</file>
+
+<file path=ppt/slides/slide76.xml><?xml version="1.0" encoding="utf-8"?>
+<p:sld xmlns:a="http://schemas.openxmlformats.org/drawingml/2006/main" xmlns:r="http://schemas.openxmlformats.org/officeDocument/2006/relationships" xmlns:p="http://schemas.openxmlformats.org/presentationml/2006/main">
+  <p:cSld>
+    <p:spTree>
+      <p:nvGrpSpPr>
+        <p:cNvPr id="1" name=""/>
+        <p:cNvGrpSpPr/>
+        <p:nvPr/>
+      </p:nvGrpSpPr>
+      <p:grpSpPr>
+        <a:xfrm>
+          <a:off x="0" y="0"/>
+          <a:ext cx="0" cy="0"/>
+          <a:chOff x="0" y="0"/>
+          <a:chExt cx="0" cy="0"/>
+        </a:xfrm>
+      </p:grpSpPr>
+      <p:sp>
+        <p:nvSpPr>
+          <p:cNvPr id="2" name="Title 1"/>
+          <p:cNvSpPr>
+            <a:spLocks noGrp="1"/>
+          </p:cNvSpPr>
+          <p:nvPr>
+            <p:ph type="title"/>
+          </p:nvPr>
+        </p:nvSpPr>
+        <p:spPr/>
+        <p:txBody>
+          <a:bodyPr/>
+          <a:lstStyle/>
+          <a:p>
+            <a:pPr lvl="0" indent="0" marL="0">
+              <a:buNone/>
+            </a:pPr>
+            <a:r>
+              <a:rPr/>
+              <a:t>Method Overriding Example</a:t>
+            </a:r>
+          </a:p>
+        </p:txBody>
+      </p:sp>
+      <p:sp>
+        <p:nvSpPr>
+          <p:cNvPr id="3" name="Content Placeholder 2"/>
+          <p:cNvSpPr>
+            <a:spLocks noGrp="1"/>
+          </p:cNvSpPr>
+          <p:nvPr>
+            <p:ph idx="1"/>
+          </p:nvPr>
+        </p:nvSpPr>
+        <p:spPr/>
+        <p:txBody>
+          <a:bodyPr/>
+          <a:lstStyle/>
+          <a:p>
+            <a:pPr lvl="0"/>
+            <a:r>
+              <a:rPr/>
+              <a:t>annotations are the metadata that we used to provide information to the compiler</a:t>
+            </a:r>
+          </a:p>
+          <a:p>
+            <a:pPr lvl="0"/>
+            <a:r>
+              <a:rPr/>
+              <a:t>It is not mandatory to use @Override. However, when we use this, the method should follow all the rules of overriding. Otherwise, the compiler will generate an error.</a:t>
+            </a:r>
+          </a:p>
+        </p:txBody>
+      </p:sp>
+    </p:spTree>
+  </p:cSld>
+</p:sld>
+</file>
+
+<file path=ppt/slides/slide77.xml><?xml version="1.0" encoding="utf-8"?>
+<p:sld xmlns:a="http://schemas.openxmlformats.org/drawingml/2006/main" xmlns:r="http://schemas.openxmlformats.org/officeDocument/2006/relationships" xmlns:p="http://schemas.openxmlformats.org/presentationml/2006/main">
+  <p:cSld>
+    <p:spTree>
+      <p:nvGrpSpPr>
+        <p:cNvPr id="1" name=""/>
+        <p:cNvGrpSpPr/>
+        <p:nvPr/>
+      </p:nvGrpSpPr>
+      <p:grpSpPr>
+        <a:xfrm>
+          <a:off x="0" y="0"/>
+          <a:ext cx="0" cy="0"/>
+          <a:chOff x="0" y="0"/>
+          <a:chExt cx="0" cy="0"/>
+        </a:xfrm>
+      </p:grpSpPr>
+      <p:sp>
+        <p:nvSpPr>
+          <p:cNvPr id="2" name="Title 1"/>
+          <p:cNvSpPr>
+            <a:spLocks noGrp="1"/>
+          </p:cNvSpPr>
+          <p:nvPr>
+            <p:ph type="title"/>
+          </p:nvPr>
+        </p:nvSpPr>
+        <p:spPr/>
+        <p:txBody>
+          <a:bodyPr/>
+          <a:lstStyle/>
+          <a:p>
+            <a:pPr lvl="0" indent="0" marL="0">
+              <a:buNone/>
+            </a:pPr>
+            <a:r>
+              <a:rPr/>
+              <a:t>Method Overriding Example</a:t>
+            </a:r>
+          </a:p>
+        </p:txBody>
+      </p:sp>
+      <p:pic>
+        <p:nvPicPr>
+          <p:cNvPr descr="fig:  assets/method-overriding-in-java.png" id="0" name="Picture 1"/>
+          <p:cNvPicPr>
+            <a:picLocks noGrp="1" noChangeAspect="1"/>
+          </p:cNvPicPr>
+          <p:nvPr/>
+        </p:nvPicPr>
+        <p:blipFill>
+          <a:blip r:embed="rId2"/>
+          <a:stretch>
+            <a:fillRect/>
+          </a:stretch>
+        </p:blipFill>
+        <p:spPr bwMode="auto">
+          <a:xfrm>
+            <a:off x="1562100" y="1600200"/>
+            <a:ext cx="6019800" cy="4013200"/>
+          </a:xfrm>
+          <a:prstGeom prst="rect">
+            <a:avLst/>
+          </a:prstGeom>
+          <a:noFill/>
+          <a:ln w="9525">
+            <a:noFill/>
+            <a:headEnd/>
+            <a:tailEnd/>
+          </a:ln>
+        </p:spPr>
+      </p:pic>
+      <p:sp>
+        <p:nvSpPr>
+          <p:cNvPr id="1" name="TextBox 3"/>
+          <p:cNvSpPr txBox="1"/>
+          <p:nvPr/>
+        </p:nvSpPr>
+        <p:spPr>
+          <a:xfrm>
+            <a:off x="457200" y="5613400"/>
+            <a:ext cx="8229600" cy="508000"/>
+          </a:xfrm>
+          <a:prstGeom prst="rect">
+            <a:avLst/>
+          </a:prstGeom>
+          <a:noFill/>
+        </p:spPr>
+        <p:txBody>
+          <a:bodyPr/>
+          <a:lstStyle/>
+          <a:p>
+            <a:pPr lvl="0" indent="0" marL="0" algn="ctr">
+              <a:buNone/>
+            </a:pPr>
+            <a:r>
+              <a:rPr/>
+              <a:t>center h:450px</a:t>
+            </a:r>
+          </a:p>
+        </p:txBody>
+      </p:sp>
+    </p:spTree>
+  </p:cSld>
+</p:sld>
+</file>
+
+<file path=ppt/slides/slide78.xml><?xml version="1.0" encoding="utf-8"?>
+<p:sld xmlns:a="http://schemas.openxmlformats.org/drawingml/2006/main" xmlns:r="http://schemas.openxmlformats.org/officeDocument/2006/relationships" xmlns:p="http://schemas.openxmlformats.org/presentationml/2006/main">
+  <p:cSld>
+    <p:spTree>
+      <p:nvGrpSpPr>
+        <p:cNvPr id="1" name=""/>
+        <p:cNvGrpSpPr/>
+        <p:nvPr/>
+      </p:nvGrpSpPr>
+      <p:grpSpPr>
+        <a:xfrm>
+          <a:off x="0" y="0"/>
+          <a:ext cx="0" cy="0"/>
+          <a:chOff x="0" y="0"/>
+          <a:chExt cx="0" cy="0"/>
+        </a:xfrm>
+      </p:grpSpPr>
+      <p:sp>
+        <p:nvSpPr>
+          <p:cNvPr id="2" name="Title 1"/>
+          <p:cNvSpPr>
+            <a:spLocks noGrp="1"/>
+          </p:cNvSpPr>
+          <p:nvPr>
+            <p:ph type="title"/>
+          </p:nvPr>
+        </p:nvSpPr>
+        <p:spPr/>
+        <p:txBody>
+          <a:bodyPr/>
+          <a:lstStyle/>
+          <a:p>
+            <a:pPr lvl="0" indent="0" marL="0">
+              <a:buNone/>
+            </a:pPr>
+            <a:r>
+              <a:rPr/>
+              <a:t>super Keyword in Java Overriding</a:t>
+            </a:r>
+          </a:p>
+        </p:txBody>
+      </p:sp>
+      <p:sp>
+        <p:nvSpPr>
+          <p:cNvPr id="3" name="Content Placeholder 2"/>
+          <p:cNvSpPr>
+            <a:spLocks noGrp="1"/>
+          </p:cNvSpPr>
+          <p:nvPr>
+            <p:ph idx="1"/>
+          </p:nvPr>
+        </p:nvSpPr>
+        <p:spPr/>
+        <p:txBody>
+          <a:bodyPr/>
+          <a:lstStyle/>
+          <a:p>
+            <a:pPr lvl="0"/>
+            <a:r>
+              <a:rPr/>
+              <a:t>Can we access the method of the superclass after overriding?</a:t>
+            </a:r>
+          </a:p>
+          <a:p>
+            <a:pPr lvl="1"/>
+            <a:r>
+              <a:rPr/>
+              <a:t>The answer is Yes. To access the method of the superclass from the subclass, we use the super keyword</a:t>
+            </a:r>
+          </a:p>
+        </p:txBody>
+      </p:sp>
+    </p:spTree>
+  </p:cSld>
+</p:sld>
+</file>
+
+<file path=ppt/slides/slide79.xml><?xml version="1.0" encoding="utf-8"?>
+<p:sld xmlns:a="http://schemas.openxmlformats.org/drawingml/2006/main" xmlns:r="http://schemas.openxmlformats.org/officeDocument/2006/relationships" xmlns:p="http://schemas.openxmlformats.org/presentationml/2006/main">
+  <p:cSld>
+    <p:spTree>
+      <p:nvGrpSpPr>
+        <p:cNvPr id="1" name=""/>
+        <p:cNvGrpSpPr/>
+        <p:nvPr/>
+      </p:nvGrpSpPr>
+      <p:grpSpPr>
+        <a:xfrm>
+          <a:off x="0" y="0"/>
+          <a:ext cx="0" cy="0"/>
+          <a:chOff x="0" y="0"/>
+          <a:chExt cx="0" cy="0"/>
+        </a:xfrm>
+      </p:grpSpPr>
+      <p:sp>
+        <p:nvSpPr>
+          <p:cNvPr id="2" name="Title 1"/>
+          <p:cNvSpPr>
+            <a:spLocks noGrp="1"/>
+          </p:cNvSpPr>
+          <p:nvPr>
+            <p:ph type="title"/>
+          </p:nvPr>
+        </p:nvSpPr>
+        <p:spPr/>
+        <p:txBody>
+          <a:bodyPr/>
+          <a:lstStyle/>
+          <a:p>
+            <a:pPr lvl="0" indent="0" marL="0">
+              <a:buNone/>
+            </a:pPr>
+            <a:r>
+              <a:rPr/>
+              <a:t>Use of super Keyword Example</a:t>
+            </a:r>
+          </a:p>
+        </p:txBody>
+      </p:sp>
+      <p:sp>
+        <p:nvSpPr>
+          <p:cNvPr id="3" name="Content Placeholder 2"/>
+          <p:cNvSpPr>
+            <a:spLocks noGrp="1"/>
+          </p:cNvSpPr>
+          <p:nvPr>
+            <p:ph idx="1"/>
+          </p:nvPr>
+        </p:nvSpPr>
+        <p:spPr/>
+        <p:txBody>
+          <a:bodyPr/>
+          <a:lstStyle/>
+          <a:p>
+            <a:pPr lvl="0" indent="0" marL="0">
+              <a:buNone/>
+            </a:pPr>
+            <a:r>
+              <a:rPr/>
+              <a:t>``` Java linenums=“1” class Animal { public void displayInfo() { System.out.println(“I am an animal.”); } }</a:t>
+            </a:r>
+          </a:p>
+          <a:p>
+            <a:pPr lvl="0" indent="0" marL="0">
+              <a:buNone/>
+            </a:pPr>
+            <a:r>
+              <a:rPr/>
+              <a:t>class Dog extends Animal { public void displayInfo() { super.displayInfo(); System.out.println(“I am a dog.”); } }</a:t>
+            </a:r>
+          </a:p>
+          <a:p>
+            <a:pPr lvl="0" indent="0" marL="0">
+              <a:buNone/>
+            </a:pPr>
+            <a:r>
+              <a:rPr/>
+              <a:t>class Main { public static void main(String[] args) { Dog d1 = new Dog(); d1.displayInfo(); } }</a:t>
+            </a:r>
+          </a:p>
+          <a:p>
+            <a:pPr lvl="0" indent="0">
+              <a:buNone/>
+            </a:pPr>
+            <a:r>
+              <a:rPr>
+                <a:latin typeface="Courier"/>
+              </a:rPr>
+              <a:t>
+---
+## Use of super Keyword Example
+- In the above example, the subclass Dog overrides the method displayInfo() of the superclass Animal.
+- When we call the method displayInfo() using the d1 object of the Dog subclass, the method inside the Dog subclass is called; the method inside the superclass is not called
+- Inside displayInfo() of the Dog subclass, we have used super.displayInfo() to call displayInfo() of the superclass.
+---
+## Use of super Keyword Example
+- note that constructors in Java are not inherited. Hence, there is no such thing as constructor overriding in Java.
+- However, we can call the constructor of the superclass from its subclasses. For that, we use super()
+---
+## Access Specifiers in Method Overriding
+- The same method declared in the superclass and its subclasses can have different access specifiers. However, there is a restriction.
+- We can only use those access specifiers in subclasses that provide larger access than the access specifier of the superclass. For example,
+- Suppose, a method myClass() in the superclass is declared protected. Then, the same method myClass() in the subclass can be either public or protected, but not private.
+---
+## Access Specifier in Overriding Example
+``` Java linenums="1"
+class Animal {
+   protected void displayInfo() {
+      System.out.println("I am an animal.");
+   }
+}
+class Dog extends Animal {
+   public void displayInfo() {
+      System.out.println("I am a dog.");
+   }
+}
+class Main {
+   public static void main(String[] args) {
+      Dog d1 = new Dog();
+      d1.displayInfo();
+   }
+}</a:t>
+            </a:r>
+          </a:p>
+        </p:txBody>
+      </p:sp>
+    </p:spTree>
+  </p:cSld>
+</p:sld>
+</file>
+
+<file path=ppt/slides/slide8.xml><?xml version="1.0" encoding="utf-8"?>
+<p:sld xmlns:a="http://schemas.openxmlformats.org/drawingml/2006/main" xmlns:r="http://schemas.openxmlformats.org/officeDocument/2006/relationships" xmlns:p="http://schemas.openxmlformats.org/presentationml/2006/main">
+  <p:cSld>
+    <p:spTree>
+      <p:nvGrpSpPr>
+        <p:cNvPr id="1" name=""/>
+        <p:cNvGrpSpPr/>
+        <p:nvPr/>
+      </p:nvGrpSpPr>
+      <p:grpSpPr>
+        <a:xfrm>
+          <a:off x="0" y="0"/>
+          <a:ext cx="0" cy="0"/>
+          <a:chOff x="0" y="0"/>
+          <a:chExt cx="0" cy="0"/>
+        </a:xfrm>
+      </p:grpSpPr>
+      <p:sp>
+        <p:nvSpPr>
+          <p:cNvPr id="2" name="Title 1"/>
+          <p:cNvSpPr>
+            <a:spLocks noGrp="1"/>
+          </p:cNvSpPr>
+          <p:nvPr>
+            <p:ph type="title"/>
+          </p:nvPr>
+        </p:nvSpPr>
+        <p:spPr/>
+        <p:txBody>
+          <a:bodyPr/>
+          <a:lstStyle/>
+          <a:p>
+            <a:pPr lvl="0" indent="0" marL="0">
+              <a:buNone/>
+            </a:pPr>
+            <a:r>
+              <a:rPr/>
+              <a:t>Java super keyword</a:t>
+            </a:r>
+          </a:p>
+        </p:txBody>
+      </p:sp>
+      <p:sp>
+        <p:nvSpPr>
+          <p:cNvPr id="3" name="Content Placeholder 2"/>
+          <p:cNvSpPr>
+            <a:spLocks noGrp="1"/>
+          </p:cNvSpPr>
+          <p:nvPr>
+            <p:ph idx="1"/>
+          </p:nvPr>
+        </p:nvSpPr>
+        <p:spPr/>
+        <p:txBody>
+          <a:bodyPr/>
+          <a:lstStyle/>
+          <a:p>
+            <a:pPr lvl="0"/>
+            <a:r>
+              <a:rPr/>
+              <a:t>In java, </a:t>
+            </a:r>
+            <a:r>
+              <a:rPr>
+                <a:latin typeface="Courier"/>
+              </a:rPr>
+              <a:t>super</a:t>
+            </a:r>
+            <a:r>
+              <a:rPr/>
+              <a:t> is a keyword used to refers to the </a:t>
+            </a:r>
+            <a:r>
+              <a:rPr b="1"/>
+              <a:t>parent class object</a:t>
+            </a:r>
+            <a:r>
+              <a:rPr/>
+              <a:t>.</a:t>
+            </a:r>
+          </a:p>
+          <a:p>
+            <a:pPr lvl="0"/>
+            <a:r>
+              <a:rPr/>
+              <a:t>The </a:t>
+            </a:r>
+            <a:r>
+              <a:rPr>
+                <a:latin typeface="Courier"/>
+              </a:rPr>
+              <a:t>super</a:t>
+            </a:r>
+            <a:r>
+              <a:rPr/>
+              <a:t> keyword came into existence to solve the </a:t>
+            </a:r>
+            <a:r>
+              <a:rPr i="1"/>
+              <a:t>naming conflicts</a:t>
+            </a:r>
+            <a:r>
+              <a:rPr/>
+              <a:t> in the inheritance.</a:t>
+            </a:r>
+          </a:p>
+          <a:p>
+            <a:pPr lvl="0"/>
+            <a:r>
+              <a:rPr/>
+              <a:t>When both parent class and child class have members with the same name,</a:t>
+            </a:r>
+          </a:p>
+          <a:p>
+            <a:pPr lvl="1"/>
+            <a:r>
+              <a:rPr/>
+              <a:t>then the super keyword is used to refer to the parent class version.</a:t>
+            </a:r>
+          </a:p>
+        </p:txBody>
+      </p:sp>
+    </p:spTree>
+  </p:cSld>
+</p:sld>
+</file>
+
+<file path=ppt/slides/slide80.xml><?xml version="1.0" encoding="utf-8"?>
+<p:sld xmlns:a="http://schemas.openxmlformats.org/drawingml/2006/main" xmlns:r="http://schemas.openxmlformats.org/officeDocument/2006/relationships" xmlns:p="http://schemas.openxmlformats.org/presentationml/2006/main">
+  <p:cSld>
+    <p:spTree>
+      <p:nvGrpSpPr>
+        <p:cNvPr id="1" name=""/>
+        <p:cNvGrpSpPr/>
+        <p:nvPr/>
+      </p:nvGrpSpPr>
+      <p:grpSpPr>
+        <a:xfrm>
+          <a:off x="0" y="0"/>
+          <a:ext cx="0" cy="0"/>
+          <a:chOff x="0" y="0"/>
+          <a:chExt cx="0" cy="0"/>
+        </a:xfrm>
+      </p:grpSpPr>
+      <p:sp>
+        <p:nvSpPr>
+          <p:cNvPr id="2" name="Title 1"/>
+          <p:cNvSpPr>
+            <a:spLocks noGrp="1"/>
+          </p:cNvSpPr>
+          <p:nvPr>
+            <p:ph type="title"/>
+          </p:nvPr>
+        </p:nvSpPr>
+        <p:spPr/>
+        <p:txBody>
+          <a:bodyPr/>
+          <a:lstStyle/>
+          <a:p>
+            <a:pPr lvl="0" indent="0" marL="0">
+              <a:buNone/>
+            </a:pPr>
+            <a:r>
+              <a:rPr/>
+              <a:t>Access Specifier in Overriding Example</a:t>
+            </a:r>
+          </a:p>
+        </p:txBody>
+      </p:sp>
+      <p:sp>
+        <p:nvSpPr>
+          <p:cNvPr id="3" name="Content Placeholder 2"/>
+          <p:cNvSpPr>
+            <a:spLocks noGrp="1"/>
+          </p:cNvSpPr>
+          <p:nvPr>
+            <p:ph idx="1"/>
+          </p:nvPr>
+        </p:nvSpPr>
+        <p:spPr/>
+        <p:txBody>
+          <a:bodyPr/>
+          <a:lstStyle/>
+          <a:p>
+            <a:pPr lvl="0"/>
+            <a:r>
+              <a:rPr/>
+              <a:t>In the above example, the subclass Dog overrides the method displayInfo() of the superclass Animal.</a:t>
+            </a:r>
+          </a:p>
+          <a:p>
+            <a:pPr lvl="0"/>
+            <a:r>
+              <a:rPr/>
+              <a:t>Whenever we call displayInfo() using the d1 (object of the subclass), the method inside the subclass is called.</a:t>
+            </a:r>
+          </a:p>
+          <a:p>
+            <a:pPr lvl="0"/>
+            <a:r>
+              <a:rPr/>
+              <a:t>Notice that, the displayInfo() is declared protected in the Animal superclass. The same method has the public access specifier in the Dog subclass.</a:t>
+            </a:r>
+          </a:p>
+          <a:p>
+            <a:pPr lvl="0"/>
+            <a:r>
+              <a:rPr/>
+              <a:t>This is possible because the public provides larger access than the protected.</a:t>
+            </a:r>
+          </a:p>
+        </p:txBody>
+      </p:sp>
+    </p:spTree>
+  </p:cSld>
+</p:sld>
+</file>
+
+<file path=ppt/slides/slide81.xml><?xml version="1.0" encoding="utf-8"?>
+<p:sld xmlns:a="http://schemas.openxmlformats.org/drawingml/2006/main" xmlns:r="http://schemas.openxmlformats.org/officeDocument/2006/relationships" xmlns:p="http://schemas.openxmlformats.org/presentationml/2006/main">
+  <p:cSld>
+    <p:spTree>
+      <p:nvGrpSpPr>
+        <p:cNvPr id="1" name=""/>
+        <p:cNvGrpSpPr/>
+        <p:nvPr/>
+      </p:nvGrpSpPr>
+      <p:grpSpPr>
+        <a:xfrm>
+          <a:off x="0" y="0"/>
+          <a:ext cx="0" cy="0"/>
+          <a:chOff x="0" y="0"/>
+          <a:chExt cx="0" cy="0"/>
+        </a:xfrm>
+      </p:grpSpPr>
+      <p:sp>
+        <p:nvSpPr>
+          <p:cNvPr id="2" name="Title 1"/>
+          <p:cNvSpPr>
+            <a:spLocks noGrp="1"/>
+          </p:cNvSpPr>
+          <p:nvPr>
+            <p:ph type="title"/>
+          </p:nvPr>
+        </p:nvSpPr>
+        <p:spPr/>
+        <p:txBody>
+          <a:bodyPr/>
+          <a:lstStyle/>
+          <a:p>
+            <a:pPr lvl="0" indent="0" marL="0">
+              <a:buNone/>
+            </a:pPr>
+            <a:r>
+              <a:rPr/>
+              <a:t>Overriding Abstract Methods</a:t>
+            </a:r>
+          </a:p>
+        </p:txBody>
+      </p:sp>
+      <p:sp>
+        <p:nvSpPr>
+          <p:cNvPr id="3" name="Content Placeholder 2"/>
+          <p:cNvSpPr>
+            <a:spLocks noGrp="1"/>
+          </p:cNvSpPr>
+          <p:nvPr>
+            <p:ph idx="1"/>
+          </p:nvPr>
+        </p:nvSpPr>
+        <p:spPr/>
+        <p:txBody>
+          <a:bodyPr/>
+          <a:lstStyle/>
+          <a:p>
+            <a:pPr lvl="0"/>
+            <a:r>
+              <a:rPr/>
+              <a:t>In Java, abstract classes are created to be the superclass of other classes.</a:t>
+            </a:r>
+          </a:p>
+          <a:p>
+            <a:pPr lvl="0"/>
+            <a:r>
+              <a:rPr/>
+              <a:t>And, if a class contains an abstract method,</a:t>
+            </a:r>
+          </a:p>
+          <a:p>
+            <a:pPr lvl="1"/>
+            <a:r>
+              <a:rPr/>
+              <a:t>it is mandatory to override it.</a:t>
+            </a:r>
+          </a:p>
+        </p:txBody>
+      </p:sp>
+    </p:spTree>
+  </p:cSld>
+</p:sld>
+</file>
+
+<file path=ppt/slides/slide82.xml><?xml version="1.0" encoding="utf-8"?>
+<p:sld xmlns:a="http://schemas.openxmlformats.org/drawingml/2006/main" xmlns:r="http://schemas.openxmlformats.org/officeDocument/2006/relationships" xmlns:p="http://schemas.openxmlformats.org/presentationml/2006/main">
+  <p:cSld>
+    <p:spTree>
+      <p:nvGrpSpPr>
+        <p:cNvPr id="1" name=""/>
+        <p:cNvGrpSpPr/>
+        <p:nvPr/>
+      </p:nvGrpSpPr>
+      <p:grpSpPr>
+        <a:xfrm>
+          <a:off x="0" y="0"/>
+          <a:ext cx="0" cy="0"/>
+          <a:chOff x="0" y="0"/>
+          <a:chExt cx="0" cy="0"/>
+        </a:xfrm>
+      </p:grpSpPr>
+      <p:sp>
+        <p:nvSpPr>
+          <p:cNvPr id="2" name="Title 1"/>
+          <p:cNvSpPr>
+            <a:spLocks noGrp="1"/>
+          </p:cNvSpPr>
+          <p:nvPr>
+            <p:ph type="title"/>
+          </p:nvPr>
+        </p:nvSpPr>
+        <p:spPr/>
+        <p:txBody>
+          <a:bodyPr/>
+          <a:lstStyle/>
+          <a:p>
+            <a:pPr lvl="0" indent="0" marL="0">
+              <a:buNone/>
+            </a:pPr>
+            <a:r>
+              <a:rPr/>
               <a:t>References</a:t>
             </a:r>
           </a:p>
@@ -3545,12 +11794,538 @@
           <a:bodyPr/>
           <a:lstStyle/>
           <a:p>
-            <a:pPr lvl="0" indent="0" marL="0">
-              <a:buNone/>
-            </a:pPr>
-            <a:r>
-              <a:rPr/>
-              <a:t>TBD</a:t>
+            <a:pPr lvl="0"/>
+            <a:r>
+              <a:rPr>
+                <a:hlinkClick r:id="rId2"/>
+              </a:rPr>
+              <a:t>BtechSmartClass-super Keyword</a:t>
+            </a:r>
+          </a:p>
+          <a:p>
+            <a:pPr lvl="0"/>
+            <a:r>
+              <a:rPr>
+                <a:hlinkClick r:id="rId3"/>
+              </a:rPr>
+              <a:t>Programiz-super Keyword</a:t>
+            </a:r>
+          </a:p>
+          <a:p>
+            <a:pPr lvl="0"/>
+            <a:r>
+              <a:rPr>
+                <a:hlinkClick r:id="rId4"/>
+              </a:rPr>
+              <a:t>BtechSmartClass-Java final Keyword</a:t>
+            </a:r>
+          </a:p>
+          <a:p>
+            <a:pPr lvl="0"/>
+            <a:r>
+              <a:rPr>
+                <a:hlinkClick r:id="rId5"/>
+              </a:rPr>
+              <a:t>Programiz-final Keyword</a:t>
+            </a:r>
+          </a:p>
+          <a:p>
+            <a:pPr lvl="0"/>
+            <a:r>
+              <a:rPr>
+                <a:hlinkClick r:id="rId6"/>
+              </a:rPr>
+              <a:t>BtechSmartClass-java Polymorphism</a:t>
+            </a:r>
+          </a:p>
+          <a:p>
+            <a:pPr lvl="0"/>
+            <a:r>
+              <a:rPr>
+                <a:hlinkClick r:id="rId7"/>
+              </a:rPr>
+              <a:t>Programiz-Polymorphism</a:t>
+            </a:r>
+          </a:p>
+          <a:p>
+            <a:pPr lvl="0"/>
+            <a:r>
+              <a:rPr>
+                <a:hlinkClick r:id="rId8"/>
+              </a:rPr>
+              <a:t>Programiz-Encapsulation</a:t>
+            </a:r>
+          </a:p>
+          <a:p>
+            <a:pPr lvl="0"/>
+            <a:r>
+              <a:rPr>
+                <a:hlinkClick r:id="rId9"/>
+              </a:rPr>
+              <a:t>BtechSmartClass-Java Method Overriding</a:t>
+            </a:r>
+          </a:p>
+        </p:txBody>
+      </p:sp>
+    </p:spTree>
+  </p:cSld>
+</p:sld>
+</file>
+
+<file path=ppt/slides/slide83.xml><?xml version="1.0" encoding="utf-8"?>
+<p:sld xmlns:a="http://schemas.openxmlformats.org/drawingml/2006/main" xmlns:r="http://schemas.openxmlformats.org/officeDocument/2006/relationships" xmlns:p="http://schemas.openxmlformats.org/presentationml/2006/main">
+  <p:cSld>
+    <p:spTree>
+      <p:nvGrpSpPr>
+        <p:cNvPr id="1" name=""/>
+        <p:cNvGrpSpPr/>
+        <p:nvPr/>
+      </p:nvGrpSpPr>
+      <p:grpSpPr>
+        <a:xfrm>
+          <a:off x="0" y="0"/>
+          <a:ext cx="0" cy="0"/>
+          <a:chOff x="0" y="0"/>
+          <a:chExt cx="0" cy="0"/>
+        </a:xfrm>
+      </p:grpSpPr>
+      <p:sp>
+        <p:nvSpPr>
+          <p:cNvPr id="2" name="Title 1"/>
+          <p:cNvSpPr>
+            <a:spLocks noGrp="1"/>
+          </p:cNvSpPr>
+          <p:nvPr>
+            <p:ph type="title"/>
+          </p:nvPr>
+        </p:nvSpPr>
+        <p:spPr/>
+        <p:txBody>
+          <a:bodyPr/>
+          <a:lstStyle/>
+          <a:p>
+            <a:pPr lvl="0" indent="0" marL="0">
+              <a:buNone/>
+            </a:pPr>
+            <a:r>
+              <a:rPr/>
+              <a:t>References</a:t>
+            </a:r>
+          </a:p>
+        </p:txBody>
+      </p:sp>
+      <p:sp>
+        <p:nvSpPr>
+          <p:cNvPr id="3" name="Content Placeholder 2"/>
+          <p:cNvSpPr>
+            <a:spLocks noGrp="1"/>
+          </p:cNvSpPr>
+          <p:nvPr>
+            <p:ph idx="1"/>
+          </p:nvPr>
+        </p:nvSpPr>
+        <p:spPr/>
+        <p:txBody>
+          <a:bodyPr/>
+          <a:lstStyle/>
+          <a:p>
+            <a:pPr lvl="0"/>
+            <a:r>
+              <a:rPr>
+                <a:hlinkClick r:id="rId2"/>
+              </a:rPr>
+              <a:t>Programiz-Method Overriding</a:t>
+            </a:r>
+          </a:p>
+          <a:p>
+            <a:pPr lvl="0"/>
+            <a:r>
+              <a:rPr>
+                <a:hlinkClick r:id="rId3"/>
+              </a:rPr>
+              <a:t>Programiz-Nested Inner Class</a:t>
+            </a:r>
+          </a:p>
+          <a:p>
+            <a:pPr lvl="0"/>
+            <a:r>
+              <a:rPr>
+                <a:hlinkClick r:id="rId4"/>
+              </a:rPr>
+              <a:t>Programiz-Static Class</a:t>
+            </a:r>
+          </a:p>
+          <a:p>
+            <a:pPr lvl="0"/>
+            <a:r>
+              <a:rPr>
+                <a:hlinkClick r:id="rId5"/>
+              </a:rPr>
+              <a:t>Programiz-Anonymous Class</a:t>
+            </a:r>
+          </a:p>
+          <a:p>
+            <a:pPr lvl="0"/>
+            <a:r>
+              <a:rPr>
+                <a:hlinkClick r:id="rId6"/>
+              </a:rPr>
+              <a:t>Programiz-enums</a:t>
+            </a:r>
+          </a:p>
+          <a:p>
+            <a:pPr lvl="0"/>
+            <a:r>
+              <a:rPr>
+                <a:hlinkClick r:id="rId7"/>
+              </a:rPr>
+              <a:t>Programiz-enum constructor</a:t>
+            </a:r>
+          </a:p>
+          <a:p>
+            <a:pPr lvl="0"/>
+            <a:r>
+              <a:rPr>
+                <a:hlinkClick r:id="rId8"/>
+              </a:rPr>
+              <a:t>Programiz-enum string</a:t>
+            </a:r>
+          </a:p>
+          <a:p>
+            <a:pPr lvl="0"/>
+            <a:r>
+              <a:rPr>
+                <a:hlinkClick r:id="rId9"/>
+              </a:rPr>
+              <a:t>BtechSmartClass-Java Abstract Class</a:t>
+            </a:r>
+          </a:p>
+          <a:p>
+            <a:pPr lvl="0"/>
+            <a:r>
+              <a:rPr>
+                <a:hlinkClick r:id="rId10"/>
+              </a:rPr>
+              <a:t>Programiz-Abstract Classes Methods</a:t>
+            </a:r>
+          </a:p>
+        </p:txBody>
+      </p:sp>
+    </p:spTree>
+  </p:cSld>
+</p:sld>
+</file>
+
+<file path=ppt/slides/slide84.xml><?xml version="1.0" encoding="utf-8"?>
+<p:sld xmlns:a="http://schemas.openxmlformats.org/drawingml/2006/main" xmlns:r="http://schemas.openxmlformats.org/officeDocument/2006/relationships" xmlns:p="http://schemas.openxmlformats.org/presentationml/2006/main">
+  <p:cSld>
+    <p:spTree>
+      <p:nvGrpSpPr>
+        <p:cNvPr id="1" name=""/>
+        <p:cNvGrpSpPr/>
+        <p:nvPr/>
+      </p:nvGrpSpPr>
+      <p:grpSpPr>
+        <a:xfrm>
+          <a:off x="0" y="0"/>
+          <a:ext cx="0" cy="0"/>
+          <a:chOff x="0" y="0"/>
+          <a:chExt cx="0" cy="0"/>
+        </a:xfrm>
+      </p:grpSpPr>
+      <p:sp>
+        <p:nvSpPr>
+          <p:cNvPr id="2" name="Title 1"/>
+          <p:cNvSpPr>
+            <a:spLocks noGrp="1"/>
+          </p:cNvSpPr>
+          <p:nvPr>
+            <p:ph type="title"/>
+          </p:nvPr>
+        </p:nvSpPr>
+        <p:spPr/>
+        <p:txBody>
+          <a:bodyPr/>
+          <a:lstStyle/>
+          <a:p>
+            <a:pPr lvl="0" indent="0" marL="0">
+              <a:buNone/>
+            </a:pPr>
+            <a:r>
+              <a:rPr/>
+              <a:t>References</a:t>
+            </a:r>
+          </a:p>
+        </p:txBody>
+      </p:sp>
+      <p:sp>
+        <p:nvSpPr>
+          <p:cNvPr id="3" name="Content Placeholder 2"/>
+          <p:cNvSpPr>
+            <a:spLocks noGrp="1"/>
+          </p:cNvSpPr>
+          <p:nvPr>
+            <p:ph idx="1"/>
+          </p:nvPr>
+        </p:nvSpPr>
+        <p:spPr/>
+        <p:txBody>
+          <a:bodyPr/>
+          <a:lstStyle/>
+          <a:p>
+            <a:pPr lvl="0"/>
+            <a:r>
+              <a:rPr>
+                <a:hlinkClick r:id="rId2"/>
+              </a:rPr>
+              <a:t>BtechSmartClass-Java Object class</a:t>
+            </a:r>
+          </a:p>
+          <a:p>
+            <a:pPr lvl="0"/>
+            <a:r>
+              <a:rPr>
+                <a:hlinkClick r:id="rId3"/>
+              </a:rPr>
+              <a:t>BtechSmartClass-Java Forms of Inheritance</a:t>
+            </a:r>
+          </a:p>
+          <a:p>
+            <a:pPr lvl="0"/>
+            <a:r>
+              <a:rPr>
+                <a:hlinkClick r:id="rId4"/>
+              </a:rPr>
+              <a:t>Programiz-Interfaces</a:t>
+            </a:r>
+          </a:p>
+          <a:p>
+            <a:pPr lvl="0"/>
+            <a:r>
+              <a:rPr>
+                <a:hlinkClick r:id="rId5"/>
+              </a:rPr>
+              <a:t>BtechSmartClass-Java Benefits and Costs of Inheritance</a:t>
+            </a:r>
+          </a:p>
+          <a:p>
+            <a:pPr lvl="0"/>
+            <a:r>
+              <a:rPr>
+                <a:hlinkClick r:id="rId6"/>
+              </a:rPr>
+              <a:t>BtechSmartClass-Java Defining Packages</a:t>
+            </a:r>
+          </a:p>
+          <a:p>
+            <a:pPr lvl="0"/>
+            <a:r>
+              <a:rPr>
+                <a:hlinkClick r:id="rId7"/>
+              </a:rPr>
+              <a:t>BtechSmartClass-Java Access Protection in Packages</a:t>
+            </a:r>
+          </a:p>
+          <a:p>
+            <a:pPr lvl="0"/>
+            <a:r>
+              <a:rPr>
+                <a:hlinkClick r:id="rId8"/>
+              </a:rPr>
+              <a:t>BtechSmartClass-Java Importing Packages</a:t>
+            </a:r>
+          </a:p>
+        </p:txBody>
+      </p:sp>
+    </p:spTree>
+  </p:cSld>
+</p:sld>
+</file>
+
+<file path=ppt/slides/slide85.xml><?xml version="1.0" encoding="utf-8"?>
+<p:sld xmlns:a="http://schemas.openxmlformats.org/drawingml/2006/main" xmlns:r="http://schemas.openxmlformats.org/officeDocument/2006/relationships" xmlns:p="http://schemas.openxmlformats.org/presentationml/2006/main">
+  <p:cSld>
+    <p:spTree>
+      <p:nvGrpSpPr>
+        <p:cNvPr id="1" name=""/>
+        <p:cNvGrpSpPr/>
+        <p:nvPr/>
+      </p:nvGrpSpPr>
+      <p:grpSpPr>
+        <a:xfrm>
+          <a:off x="0" y="0"/>
+          <a:ext cx="0" cy="0"/>
+          <a:chOff x="0" y="0"/>
+          <a:chExt cx="0" cy="0"/>
+        </a:xfrm>
+      </p:grpSpPr>
+      <mc:AlternateContent xmlns:mc="http://schemas.openxmlformats.org/markup-compatibility/2006">
+        <mc:Choice xmlns:a14="http://schemas.microsoft.com/office/drawing/2010/main" Requires="a14">
+          <p:sp>
+            <p:nvSpPr>
+              <p:cNvPr id="3" name="Content Placeholder 2"/>
+              <p:cNvSpPr>
+                <a:spLocks noGrp="1"/>
+              </p:cNvSpPr>
+              <p:nvPr>
+                <p:ph idx="1"/>
+              </p:nvPr>
+            </p:nvSpPr>
+            <p:spPr/>
+            <p:txBody>
+              <a:bodyPr/>
+              <a:lstStyle/>
+              <a:p>
+                <a:pPr lvl="0" indent="0" marL="0">
+                  <a:buNone/>
+                </a:pPr>
+                <a14:m>
+                  <m:oMath xmlns:m="http://schemas.openxmlformats.org/officeDocument/2006/math">
+                    <m:r>
+                      <m:t>E</m:t>
+                    </m:r>
+                    <m:r>
+                      <m:t>n</m:t>
+                    </m:r>
+                    <m:r>
+                      <m:t>d</m:t>
+                    </m:r>
+                    <m:r>
+                      <m:rPr>
+                        <m:sty m:val="p"/>
+                      </m:rPr>
+                      <m:t>−</m:t>
+                    </m:r>
+                    <m:r>
+                      <m:t>O</m:t>
+                    </m:r>
+                    <m:r>
+                      <m:t>f</m:t>
+                    </m:r>
+                    <m:r>
+                      <m:rPr>
+                        <m:sty m:val="p"/>
+                      </m:rPr>
+                      <m:t>−</m:t>
+                    </m:r>
+                    <m:r>
+                      <m:t>W</m:t>
+                    </m:r>
+                    <m:r>
+                      <m:t>e</m:t>
+                    </m:r>
+                    <m:r>
+                      <m:t>e</m:t>
+                    </m:r>
+                    <m:r>
+                      <m:t>k</m:t>
+                    </m:r>
+                    <m:r>
+                      <m:rPr>
+                        <m:sty m:val="p"/>
+                      </m:rPr>
+                      <m:t>−</m:t>
+                    </m:r>
+                    <m:r>
+                      <m:t>2</m:t>
+                    </m:r>
+                    <m:r>
+                      <m:rPr>
+                        <m:sty m:val="p"/>
+                      </m:rPr>
+                      <m:t>−</m:t>
+                    </m:r>
+                    <m:r>
+                      <m:t>M</m:t>
+                    </m:r>
+                    <m:r>
+                      <m:t>o</m:t>
+                    </m:r>
+                    <m:r>
+                      <m:t>d</m:t>
+                    </m:r>
+                    <m:r>
+                      <m:t>u</m:t>
+                    </m:r>
+                    <m:r>
+                      <m:t>l</m:t>
+                    </m:r>
+                    <m:r>
+                      <m:t>e</m:t>
+                    </m:r>
+                  </m:oMath>
+                </a14:m>
+              </a:p>
+            </p:txBody>
+          </p:sp>
+        </mc:Choice>
+      </mc:AlternateContent>
+    </p:spTree>
+  </p:cSld>
+</p:sld>
+</file>
+
+<file path=ppt/slides/slide9.xml><?xml version="1.0" encoding="utf-8"?>
+<p:sld xmlns:a="http://schemas.openxmlformats.org/drawingml/2006/main" xmlns:r="http://schemas.openxmlformats.org/officeDocument/2006/relationships" xmlns:p="http://schemas.openxmlformats.org/presentationml/2006/main">
+  <p:cSld>
+    <p:spTree>
+      <p:nvGrpSpPr>
+        <p:cNvPr id="1" name=""/>
+        <p:cNvGrpSpPr/>
+        <p:nvPr/>
+      </p:nvGrpSpPr>
+      <p:grpSpPr>
+        <a:xfrm>
+          <a:off x="0" y="0"/>
+          <a:ext cx="0" cy="0"/>
+          <a:chOff x="0" y="0"/>
+          <a:chExt cx="0" cy="0"/>
+        </a:xfrm>
+      </p:grpSpPr>
+      <p:sp>
+        <p:nvSpPr>
+          <p:cNvPr id="2" name="Title 1"/>
+          <p:cNvSpPr>
+            <a:spLocks noGrp="1"/>
+          </p:cNvSpPr>
+          <p:nvPr>
+            <p:ph type="title"/>
+          </p:nvPr>
+        </p:nvSpPr>
+        <p:spPr/>
+        <p:txBody>
+          <a:bodyPr/>
+          <a:lstStyle/>
+          <a:p>
+            <a:pPr lvl="0" indent="0" marL="0">
+              <a:buNone/>
+            </a:pPr>
+            <a:r>
+              <a:rPr/>
+              <a:t>Java super keyword</a:t>
+            </a:r>
+          </a:p>
+        </p:txBody>
+      </p:sp>
+      <p:sp>
+        <p:nvSpPr>
+          <p:cNvPr id="3" name="Content Placeholder 2"/>
+          <p:cNvSpPr>
+            <a:spLocks noGrp="1"/>
+          </p:cNvSpPr>
+          <p:nvPr>
+            <p:ph idx="1"/>
+          </p:nvPr>
+        </p:nvSpPr>
+        <p:spPr/>
+        <p:txBody>
+          <a:bodyPr/>
+          <a:lstStyle/>
+          <a:p>
+            <a:pPr lvl="0"/>
+            <a:r>
+              <a:rPr/>
+              <a:t>In another word, The super keyword in Java is used in subclasses to access superclass members (attributes, constructors and methods).</a:t>
             </a:r>
           </a:p>
         </p:txBody>
